--- a/123545.pptx
+++ b/123545.pptx
@@ -5,7 +5,7 @@
     <p:sldMasterId id="2147483648" r:id="rId1"/>
   </p:sldMasterIdLst>
   <p:notesMasterIdLst>
-    <p:notesMasterId r:id="rId26"/>
+    <p:notesMasterId r:id="rId27"/>
   </p:notesMasterIdLst>
   <p:sldIdLst>
     <p:sldId id="256" r:id="rId2"/>
@@ -13,25 +13,26 @@
     <p:sldId id="279" r:id="rId4"/>
     <p:sldId id="278" r:id="rId5"/>
     <p:sldId id="258" r:id="rId6"/>
-    <p:sldId id="259" r:id="rId7"/>
-    <p:sldId id="261" r:id="rId8"/>
-    <p:sldId id="276" r:id="rId9"/>
-    <p:sldId id="262" r:id="rId10"/>
-    <p:sldId id="260" r:id="rId11"/>
-    <p:sldId id="263" r:id="rId12"/>
-    <p:sldId id="264" r:id="rId13"/>
-    <p:sldId id="265" r:id="rId14"/>
-    <p:sldId id="277" r:id="rId15"/>
-    <p:sldId id="266" r:id="rId16"/>
-    <p:sldId id="267" r:id="rId17"/>
-    <p:sldId id="268" r:id="rId18"/>
-    <p:sldId id="269" r:id="rId19"/>
-    <p:sldId id="271" r:id="rId20"/>
-    <p:sldId id="272" r:id="rId21"/>
-    <p:sldId id="273" r:id="rId22"/>
-    <p:sldId id="274" r:id="rId23"/>
-    <p:sldId id="275" r:id="rId24"/>
-    <p:sldId id="280" r:id="rId25"/>
+    <p:sldId id="281" r:id="rId7"/>
+    <p:sldId id="282" r:id="rId8"/>
+    <p:sldId id="283" r:id="rId9"/>
+    <p:sldId id="276" r:id="rId10"/>
+    <p:sldId id="277" r:id="rId11"/>
+    <p:sldId id="262" r:id="rId12"/>
+    <p:sldId id="260" r:id="rId13"/>
+    <p:sldId id="263" r:id="rId14"/>
+    <p:sldId id="264" r:id="rId15"/>
+    <p:sldId id="265" r:id="rId16"/>
+    <p:sldId id="266" r:id="rId17"/>
+    <p:sldId id="267" r:id="rId18"/>
+    <p:sldId id="268" r:id="rId19"/>
+    <p:sldId id="269" r:id="rId20"/>
+    <p:sldId id="271" r:id="rId21"/>
+    <p:sldId id="272" r:id="rId22"/>
+    <p:sldId id="273" r:id="rId23"/>
+    <p:sldId id="274" r:id="rId24"/>
+    <p:sldId id="275" r:id="rId25"/>
+    <p:sldId id="280" r:id="rId26"/>
   </p:sldIdLst>
   <p:sldSz cx="12192000" cy="6858000"/>
   <p:notesSz cx="6858000" cy="9144000"/>
@@ -220,7 +221,7 @@
           <a:p>
             <a:fld id="{BB2F2FA5-0A2B-4E7C-85DF-D8226B70FF0B}" type="datetimeFigureOut">
               <a:rPr lang="ko-KR" altLang="en-US" smtClean="0"/>
-              <a:t>2019-12-19</a:t>
+              <a:t>2019-12-21</a:t>
             </a:fld>
             <a:endParaRPr lang="ko-KR" altLang="en-US"/>
           </a:p>
@@ -552,7 +553,7 @@
           <a:p>
             <a:fld id="{AFFEB255-E8B7-473F-9F7E-F84AAFC5FE4B}" type="slidenum">
               <a:rPr lang="ko-KR" altLang="en-US" smtClean="0"/>
-              <a:t>15</a:t>
+              <a:t>16</a:t>
             </a:fld>
             <a:endParaRPr lang="ko-KR" altLang="en-US"/>
           </a:p>
@@ -636,7 +637,7 @@
           <a:p>
             <a:fld id="{AFFEB255-E8B7-473F-9F7E-F84AAFC5FE4B}" type="slidenum">
               <a:rPr lang="ko-KR" altLang="en-US" smtClean="0"/>
-              <a:t>24</a:t>
+              <a:t>25</a:t>
             </a:fld>
             <a:endParaRPr lang="ko-KR" altLang="en-US"/>
           </a:p>
@@ -720,7 +721,7 @@
           <a:p>
             <a:fld id="{AFFEB255-E8B7-473F-9F7E-F84AAFC5FE4B}" type="slidenum">
               <a:rPr lang="ko-KR" altLang="en-US" smtClean="0"/>
-              <a:t>16</a:t>
+              <a:t>17</a:t>
             </a:fld>
             <a:endParaRPr lang="ko-KR" altLang="en-US"/>
           </a:p>
@@ -804,7 +805,7 @@
           <a:p>
             <a:fld id="{AFFEB255-E8B7-473F-9F7E-F84AAFC5FE4B}" type="slidenum">
               <a:rPr lang="ko-KR" altLang="en-US" smtClean="0"/>
-              <a:t>17</a:t>
+              <a:t>18</a:t>
             </a:fld>
             <a:endParaRPr lang="ko-KR" altLang="en-US"/>
           </a:p>
@@ -888,7 +889,7 @@
           <a:p>
             <a:fld id="{AFFEB255-E8B7-473F-9F7E-F84AAFC5FE4B}" type="slidenum">
               <a:rPr lang="ko-KR" altLang="en-US" smtClean="0"/>
-              <a:t>18</a:t>
+              <a:t>19</a:t>
             </a:fld>
             <a:endParaRPr lang="ko-KR" altLang="en-US"/>
           </a:p>
@@ -972,7 +973,7 @@
           <a:p>
             <a:fld id="{AFFEB255-E8B7-473F-9F7E-F84AAFC5FE4B}" type="slidenum">
               <a:rPr lang="ko-KR" altLang="en-US" smtClean="0"/>
-              <a:t>19</a:t>
+              <a:t>20</a:t>
             </a:fld>
             <a:endParaRPr lang="ko-KR" altLang="en-US"/>
           </a:p>
@@ -1056,7 +1057,7 @@
           <a:p>
             <a:fld id="{AFFEB255-E8B7-473F-9F7E-F84AAFC5FE4B}" type="slidenum">
               <a:rPr lang="ko-KR" altLang="en-US" smtClean="0"/>
-              <a:t>20</a:t>
+              <a:t>21</a:t>
             </a:fld>
             <a:endParaRPr lang="ko-KR" altLang="en-US"/>
           </a:p>
@@ -1140,7 +1141,7 @@
           <a:p>
             <a:fld id="{AFFEB255-E8B7-473F-9F7E-F84AAFC5FE4B}" type="slidenum">
               <a:rPr lang="ko-KR" altLang="en-US" smtClean="0"/>
-              <a:t>21</a:t>
+              <a:t>22</a:t>
             </a:fld>
             <a:endParaRPr lang="ko-KR" altLang="en-US"/>
           </a:p>
@@ -1224,7 +1225,7 @@
           <a:p>
             <a:fld id="{AFFEB255-E8B7-473F-9F7E-F84AAFC5FE4B}" type="slidenum">
               <a:rPr lang="ko-KR" altLang="en-US" smtClean="0"/>
-              <a:t>22</a:t>
+              <a:t>23</a:t>
             </a:fld>
             <a:endParaRPr lang="ko-KR" altLang="en-US"/>
           </a:p>
@@ -1308,7 +1309,7 @@
           <a:p>
             <a:fld id="{AFFEB255-E8B7-473F-9F7E-F84AAFC5FE4B}" type="slidenum">
               <a:rPr lang="ko-KR" altLang="en-US" smtClean="0"/>
-              <a:t>23</a:t>
+              <a:t>24</a:t>
             </a:fld>
             <a:endParaRPr lang="ko-KR" altLang="en-US"/>
           </a:p>
@@ -1456,7 +1457,7 @@
           <a:p>
             <a:fld id="{A3CC6A62-AA43-4E1B-A08D-1CF745E46A92}" type="datetimeFigureOut">
               <a:rPr lang="ko-KR" altLang="en-US" smtClean="0"/>
-              <a:t>2019-12-19</a:t>
+              <a:t>2019-12-21</a:t>
             </a:fld>
             <a:endParaRPr lang="ko-KR" altLang="en-US"/>
           </a:p>
@@ -1624,7 +1625,7 @@
           <a:p>
             <a:fld id="{A3CC6A62-AA43-4E1B-A08D-1CF745E46A92}" type="datetimeFigureOut">
               <a:rPr lang="ko-KR" altLang="en-US" smtClean="0"/>
-              <a:t>2019-12-19</a:t>
+              <a:t>2019-12-21</a:t>
             </a:fld>
             <a:endParaRPr lang="ko-KR" altLang="en-US"/>
           </a:p>
@@ -1802,7 +1803,7 @@
           <a:p>
             <a:fld id="{A3CC6A62-AA43-4E1B-A08D-1CF745E46A92}" type="datetimeFigureOut">
               <a:rPr lang="ko-KR" altLang="en-US" smtClean="0"/>
-              <a:t>2019-12-19</a:t>
+              <a:t>2019-12-21</a:t>
             </a:fld>
             <a:endParaRPr lang="ko-KR" altLang="en-US"/>
           </a:p>
@@ -1970,7 +1971,7 @@
           <a:p>
             <a:fld id="{A3CC6A62-AA43-4E1B-A08D-1CF745E46A92}" type="datetimeFigureOut">
               <a:rPr lang="ko-KR" altLang="en-US" smtClean="0"/>
-              <a:t>2019-12-19</a:t>
+              <a:t>2019-12-21</a:t>
             </a:fld>
             <a:endParaRPr lang="ko-KR" altLang="en-US"/>
           </a:p>
@@ -2215,7 +2216,7 @@
           <a:p>
             <a:fld id="{A3CC6A62-AA43-4E1B-A08D-1CF745E46A92}" type="datetimeFigureOut">
               <a:rPr lang="ko-KR" altLang="en-US" smtClean="0"/>
-              <a:t>2019-12-19</a:t>
+              <a:t>2019-12-21</a:t>
             </a:fld>
             <a:endParaRPr lang="ko-KR" altLang="en-US"/>
           </a:p>
@@ -2444,7 +2445,7 @@
           <a:p>
             <a:fld id="{A3CC6A62-AA43-4E1B-A08D-1CF745E46A92}" type="datetimeFigureOut">
               <a:rPr lang="ko-KR" altLang="en-US" smtClean="0"/>
-              <a:t>2019-12-19</a:t>
+              <a:t>2019-12-21</a:t>
             </a:fld>
             <a:endParaRPr lang="ko-KR" altLang="en-US"/>
           </a:p>
@@ -2808,7 +2809,7 @@
           <a:p>
             <a:fld id="{A3CC6A62-AA43-4E1B-A08D-1CF745E46A92}" type="datetimeFigureOut">
               <a:rPr lang="ko-KR" altLang="en-US" smtClean="0"/>
-              <a:t>2019-12-19</a:t>
+              <a:t>2019-12-21</a:t>
             </a:fld>
             <a:endParaRPr lang="ko-KR" altLang="en-US"/>
           </a:p>
@@ -2925,7 +2926,7 @@
           <a:p>
             <a:fld id="{A3CC6A62-AA43-4E1B-A08D-1CF745E46A92}" type="datetimeFigureOut">
               <a:rPr lang="ko-KR" altLang="en-US" smtClean="0"/>
-              <a:t>2019-12-19</a:t>
+              <a:t>2019-12-21</a:t>
             </a:fld>
             <a:endParaRPr lang="ko-KR" altLang="en-US"/>
           </a:p>
@@ -3020,7 +3021,7 @@
           <a:p>
             <a:fld id="{A3CC6A62-AA43-4E1B-A08D-1CF745E46A92}" type="datetimeFigureOut">
               <a:rPr lang="ko-KR" altLang="en-US" smtClean="0"/>
-              <a:t>2019-12-19</a:t>
+              <a:t>2019-12-21</a:t>
             </a:fld>
             <a:endParaRPr lang="ko-KR" altLang="en-US"/>
           </a:p>
@@ -3295,7 +3296,7 @@
           <a:p>
             <a:fld id="{A3CC6A62-AA43-4E1B-A08D-1CF745E46A92}" type="datetimeFigureOut">
               <a:rPr lang="ko-KR" altLang="en-US" smtClean="0"/>
-              <a:t>2019-12-19</a:t>
+              <a:t>2019-12-21</a:t>
             </a:fld>
             <a:endParaRPr lang="ko-KR" altLang="en-US"/>
           </a:p>
@@ -3547,7 +3548,7 @@
           <a:p>
             <a:fld id="{A3CC6A62-AA43-4E1B-A08D-1CF745E46A92}" type="datetimeFigureOut">
               <a:rPr lang="ko-KR" altLang="en-US" smtClean="0"/>
-              <a:t>2019-12-19</a:t>
+              <a:t>2019-12-21</a:t>
             </a:fld>
             <a:endParaRPr lang="ko-KR" altLang="en-US"/>
           </a:p>
@@ -3758,7 +3759,7 @@
           <a:p>
             <a:fld id="{A3CC6A62-AA43-4E1B-A08D-1CF745E46A92}" type="datetimeFigureOut">
               <a:rPr lang="ko-KR" altLang="en-US" smtClean="0"/>
-              <a:t>2019-12-19</a:t>
+              <a:t>2019-12-21</a:t>
             </a:fld>
             <a:endParaRPr lang="ko-KR" altLang="en-US"/>
           </a:p>
@@ -4354,8 +4355,394 @@
     <p:bg>
       <p:bgPr>
         <a:solidFill>
-          <a:schemeClr val="tx2">
-            <a:lumMod val="75000"/>
+          <a:schemeClr val="bg1">
+            <a:lumMod val="85000"/>
+          </a:schemeClr>
+        </a:solidFill>
+        <a:effectLst/>
+      </p:bgPr>
+    </p:bg>
+    <p:spTree>
+      <p:nvGrpSpPr>
+        <p:cNvPr id="1" name=""/>
+        <p:cNvGrpSpPr/>
+        <p:nvPr/>
+      </p:nvGrpSpPr>
+      <p:grpSpPr>
+        <a:xfrm>
+          <a:off x="0" y="0"/>
+          <a:ext cx="0" cy="0"/>
+          <a:chOff x="0" y="0"/>
+          <a:chExt cx="0" cy="0"/>
+        </a:xfrm>
+      </p:grpSpPr>
+      <p:pic>
+        <p:nvPicPr>
+          <p:cNvPr id="3" name="Picture 2">
+            <a:extLst>
+              <a:ext uri="{FF2B5EF4-FFF2-40B4-BE49-F238E27FC236}">
+                <a16:creationId xmlns:a16="http://schemas.microsoft.com/office/drawing/2014/main" id="{5F6FE60D-6C47-439A-9908-E13BAEFFCD18}"/>
+              </a:ext>
+            </a:extLst>
+          </p:cNvPr>
+          <p:cNvPicPr>
+            <a:picLocks noChangeAspect="1"/>
+          </p:cNvPicPr>
+          <p:nvPr/>
+        </p:nvPicPr>
+        <p:blipFill>
+          <a:blip r:embed="rId2"/>
+          <a:stretch>
+            <a:fillRect/>
+          </a:stretch>
+        </p:blipFill>
+        <p:spPr>
+          <a:xfrm>
+            <a:off x="240144" y="3352040"/>
+            <a:ext cx="11549826" cy="3115110"/>
+          </a:xfrm>
+          <a:prstGeom prst="rect">
+            <a:avLst/>
+          </a:prstGeom>
+        </p:spPr>
+      </p:pic>
+      <p:sp>
+        <p:nvSpPr>
+          <p:cNvPr id="12" name="TextBox 11">
+            <a:extLst>
+              <a:ext uri="{FF2B5EF4-FFF2-40B4-BE49-F238E27FC236}">
+                <a16:creationId xmlns:a16="http://schemas.microsoft.com/office/drawing/2014/main" id="{8F6D67B9-9A3D-42BE-A390-908D7C944FD4}"/>
+              </a:ext>
+            </a:extLst>
+          </p:cNvPr>
+          <p:cNvSpPr txBox="1"/>
+          <p:nvPr/>
+        </p:nvSpPr>
+        <p:spPr>
+          <a:xfrm>
+            <a:off x="240144" y="1616075"/>
+            <a:ext cx="6143071" cy="1384995"/>
+          </a:xfrm>
+          <a:prstGeom prst="rect">
+            <a:avLst/>
+          </a:prstGeom>
+          <a:noFill/>
+          <a:ln>
+            <a:solidFill>
+              <a:schemeClr val="bg1"/>
+            </a:solidFill>
+          </a:ln>
+        </p:spPr>
+        <p:txBody>
+          <a:bodyPr wrap="square" rtlCol="0">
+            <a:spAutoFit/>
+          </a:bodyPr>
+          <a:lstStyle/>
+          <a:p>
+            <a:r>
+              <a:rPr lang="en-US" altLang="ko-KR" sz="2800" dirty="0" err="1"/>
+              <a:t>GetProcAddress</a:t>
+            </a:r>
+            <a:r>
+              <a:rPr lang="en-US" altLang="ko-KR" sz="2800" dirty="0"/>
+              <a:t>()</a:t>
+            </a:r>
+          </a:p>
+          <a:p>
+            <a:endParaRPr lang="en-US" altLang="ko-KR" sz="2800" dirty="0"/>
+          </a:p>
+          <a:p>
+            <a:r>
+              <a:rPr lang="en-US" altLang="ko-KR" sz="2800" dirty="0" err="1"/>
+              <a:t>Dll</a:t>
+            </a:r>
+            <a:r>
+              <a:rPr lang="ko-KR" altLang="en-US" sz="2800" dirty="0"/>
+              <a:t>에 </a:t>
+            </a:r>
+            <a:r>
+              <a:rPr lang="en-US" altLang="ko-KR" sz="2800" dirty="0"/>
+              <a:t>export</a:t>
+            </a:r>
+            <a:r>
+              <a:rPr lang="ko-KR" altLang="en-US" sz="2800" dirty="0"/>
+              <a:t>된 함수의 주소를 얻음</a:t>
+            </a:r>
+            <a:endParaRPr lang="en-US" altLang="ko-KR" sz="2800" dirty="0"/>
+          </a:p>
+        </p:txBody>
+      </p:sp>
+      <p:pic>
+        <p:nvPicPr>
+          <p:cNvPr id="8" name="Picture 7">
+            <a:extLst>
+              <a:ext uri="{FF2B5EF4-FFF2-40B4-BE49-F238E27FC236}">
+                <a16:creationId xmlns:a16="http://schemas.microsoft.com/office/drawing/2014/main" id="{9B181155-5AB2-456B-8224-23F7EFBDE4C4}"/>
+              </a:ext>
+            </a:extLst>
+          </p:cNvPr>
+          <p:cNvPicPr>
+            <a:picLocks noChangeAspect="1"/>
+          </p:cNvPicPr>
+          <p:nvPr/>
+        </p:nvPicPr>
+        <p:blipFill>
+          <a:blip r:embed="rId3"/>
+          <a:stretch>
+            <a:fillRect/>
+          </a:stretch>
+        </p:blipFill>
+        <p:spPr>
+          <a:xfrm>
+            <a:off x="6502400" y="1468314"/>
+            <a:ext cx="5287570" cy="1748199"/>
+          </a:xfrm>
+          <a:prstGeom prst="rect">
+            <a:avLst/>
+          </a:prstGeom>
+        </p:spPr>
+      </p:pic>
+      <p:sp>
+        <p:nvSpPr>
+          <p:cNvPr id="6" name="TextBox 5"/>
+          <p:cNvSpPr txBox="1"/>
+          <p:nvPr/>
+        </p:nvSpPr>
+        <p:spPr>
+          <a:xfrm>
+            <a:off x="240144" y="434109"/>
+            <a:ext cx="11549826" cy="830997"/>
+          </a:xfrm>
+          <a:prstGeom prst="rect">
+            <a:avLst/>
+          </a:prstGeom>
+          <a:solidFill>
+            <a:srgbClr val="66FFCC"/>
+          </a:solidFill>
+        </p:spPr>
+        <p:txBody>
+          <a:bodyPr wrap="square" rtlCol="0">
+            <a:spAutoFit/>
+          </a:bodyPr>
+          <a:lstStyle/>
+          <a:p>
+            <a:r>
+              <a:rPr lang="en-US" altLang="ko-KR" sz="4800" b="1" dirty="0"/>
+              <a:t>3.PEB</a:t>
+            </a:r>
+            <a:endParaRPr lang="ko-KR" altLang="en-US" sz="4800" b="1" dirty="0"/>
+          </a:p>
+        </p:txBody>
+      </p:sp>
+      <p:sp>
+        <p:nvSpPr>
+          <p:cNvPr id="7" name="TextBox 6">
+            <a:extLst>
+              <a:ext uri="{FF2B5EF4-FFF2-40B4-BE49-F238E27FC236}">
+                <a16:creationId xmlns:a16="http://schemas.microsoft.com/office/drawing/2014/main" id="{198BAD62-5D66-484D-9C91-917D11B3E31D}"/>
+              </a:ext>
+            </a:extLst>
+          </p:cNvPr>
+          <p:cNvSpPr txBox="1"/>
+          <p:nvPr/>
+        </p:nvSpPr>
+        <p:spPr>
+          <a:xfrm>
+            <a:off x="240144" y="434109"/>
+            <a:ext cx="11549823" cy="830997"/>
+          </a:xfrm>
+          <a:prstGeom prst="rect">
+            <a:avLst/>
+          </a:prstGeom>
+          <a:solidFill>
+            <a:srgbClr val="00B0F0"/>
+          </a:solidFill>
+        </p:spPr>
+        <p:txBody>
+          <a:bodyPr wrap="square" rtlCol="0">
+            <a:spAutoFit/>
+          </a:bodyPr>
+          <a:lstStyle/>
+          <a:p>
+            <a:r>
+              <a:rPr lang="en-US" altLang="ko-KR" sz="4800" b="1" dirty="0">
+                <a:solidFill>
+                  <a:schemeClr val="bg1"/>
+                </a:solidFill>
+              </a:rPr>
+              <a:t>3. PEB</a:t>
+            </a:r>
+            <a:endParaRPr lang="ko-KR" altLang="en-US" sz="4800" b="1" dirty="0">
+              <a:solidFill>
+                <a:schemeClr val="bg1"/>
+              </a:solidFill>
+            </a:endParaRPr>
+          </a:p>
+        </p:txBody>
+      </p:sp>
+    </p:spTree>
+    <p:extLst>
+      <p:ext uri="{BB962C8B-B14F-4D97-AF65-F5344CB8AC3E}">
+        <p14:creationId xmlns:p14="http://schemas.microsoft.com/office/powerpoint/2010/main" val="1889285099"/>
+      </p:ext>
+    </p:extLst>
+  </p:cSld>
+  <p:clrMapOvr>
+    <a:masterClrMapping/>
+  </p:clrMapOvr>
+</p:sld>
+</file>
+
+<file path=ppt/slides/slide11.xml><?xml version="1.0" encoding="utf-8"?>
+<p:sld xmlns:a="http://schemas.openxmlformats.org/drawingml/2006/main" xmlns:r="http://schemas.openxmlformats.org/officeDocument/2006/relationships" xmlns:p="http://schemas.openxmlformats.org/presentationml/2006/main">
+  <p:cSld>
+    <p:bg>
+      <p:bgPr>
+        <a:solidFill>
+          <a:schemeClr val="bg1">
+            <a:lumMod val="85000"/>
+          </a:schemeClr>
+        </a:solidFill>
+        <a:effectLst/>
+      </p:bgPr>
+    </p:bg>
+    <p:spTree>
+      <p:nvGrpSpPr>
+        <p:cNvPr id="1" name=""/>
+        <p:cNvGrpSpPr/>
+        <p:nvPr/>
+      </p:nvGrpSpPr>
+      <p:grpSpPr>
+        <a:xfrm>
+          <a:off x="0" y="0"/>
+          <a:ext cx="0" cy="0"/>
+          <a:chOff x="0" y="0"/>
+          <a:chExt cx="0" cy="0"/>
+        </a:xfrm>
+      </p:grpSpPr>
+      <p:pic>
+        <p:nvPicPr>
+          <p:cNvPr id="2" name="그림 1"/>
+          <p:cNvPicPr>
+            <a:picLocks noChangeAspect="1"/>
+          </p:cNvPicPr>
+          <p:nvPr/>
+        </p:nvPicPr>
+        <p:blipFill>
+          <a:blip r:embed="rId2"/>
+          <a:stretch>
+            <a:fillRect/>
+          </a:stretch>
+        </p:blipFill>
+        <p:spPr>
+          <a:xfrm>
+            <a:off x="240144" y="1333500"/>
+            <a:ext cx="5936638" cy="3497117"/>
+          </a:xfrm>
+          <a:prstGeom prst="rect">
+            <a:avLst/>
+          </a:prstGeom>
+        </p:spPr>
+      </p:pic>
+      <p:sp>
+        <p:nvSpPr>
+          <p:cNvPr id="4" name="TextBox 3"/>
+          <p:cNvSpPr txBox="1"/>
+          <p:nvPr/>
+        </p:nvSpPr>
+        <p:spPr>
+          <a:xfrm>
+            <a:off x="240144" y="434109"/>
+            <a:ext cx="11549826" cy="830997"/>
+          </a:xfrm>
+          <a:prstGeom prst="rect">
+            <a:avLst/>
+          </a:prstGeom>
+          <a:solidFill>
+            <a:srgbClr val="66FFCC"/>
+          </a:solidFill>
+        </p:spPr>
+        <p:txBody>
+          <a:bodyPr wrap="square" rtlCol="0">
+            <a:spAutoFit/>
+          </a:bodyPr>
+          <a:lstStyle/>
+          <a:p>
+            <a:r>
+              <a:rPr lang="en-US" altLang="ko-KR" sz="4800" b="1" dirty="0"/>
+              <a:t>3.PEB</a:t>
+            </a:r>
+            <a:endParaRPr lang="ko-KR" altLang="en-US" sz="4800" b="1" dirty="0"/>
+          </a:p>
+        </p:txBody>
+      </p:sp>
+      <p:sp>
+        <p:nvSpPr>
+          <p:cNvPr id="5" name="TextBox 4">
+            <a:extLst>
+              <a:ext uri="{FF2B5EF4-FFF2-40B4-BE49-F238E27FC236}">
+                <a16:creationId xmlns:a16="http://schemas.microsoft.com/office/drawing/2014/main" id="{7C97172D-8849-4B27-AF77-789878C3CC0D}"/>
+              </a:ext>
+            </a:extLst>
+          </p:cNvPr>
+          <p:cNvSpPr txBox="1"/>
+          <p:nvPr/>
+        </p:nvSpPr>
+        <p:spPr>
+          <a:xfrm>
+            <a:off x="240144" y="434109"/>
+            <a:ext cx="11549823" cy="830997"/>
+          </a:xfrm>
+          <a:prstGeom prst="rect">
+            <a:avLst/>
+          </a:prstGeom>
+          <a:solidFill>
+            <a:srgbClr val="00B0F0"/>
+          </a:solidFill>
+        </p:spPr>
+        <p:txBody>
+          <a:bodyPr wrap="square" rtlCol="0">
+            <a:spAutoFit/>
+          </a:bodyPr>
+          <a:lstStyle/>
+          <a:p>
+            <a:r>
+              <a:rPr lang="en-US" altLang="ko-KR" sz="4800" b="1" dirty="0">
+                <a:solidFill>
+                  <a:schemeClr val="bg1"/>
+                </a:solidFill>
+              </a:rPr>
+              <a:t>3. PEB</a:t>
+            </a:r>
+            <a:endParaRPr lang="ko-KR" altLang="en-US" sz="4800" b="1" dirty="0">
+              <a:solidFill>
+                <a:schemeClr val="bg1"/>
+              </a:solidFill>
+            </a:endParaRPr>
+          </a:p>
+        </p:txBody>
+      </p:sp>
+    </p:spTree>
+    <p:extLst>
+      <p:ext uri="{BB962C8B-B14F-4D97-AF65-F5344CB8AC3E}">
+        <p14:creationId xmlns:p14="http://schemas.microsoft.com/office/powerpoint/2010/main" val="2615587175"/>
+      </p:ext>
+    </p:extLst>
+  </p:cSld>
+  <p:clrMapOvr>
+    <a:masterClrMapping/>
+  </p:clrMapOvr>
+</p:sld>
+</file>
+
+<file path=ppt/slides/slide12.xml><?xml version="1.0" encoding="utf-8"?>
+<p:sld xmlns:a="http://schemas.openxmlformats.org/drawingml/2006/main" xmlns:r="http://schemas.openxmlformats.org/officeDocument/2006/relationships" xmlns:p="http://schemas.openxmlformats.org/presentationml/2006/main">
+  <p:cSld>
+    <p:bg>
+      <p:bgPr>
+        <a:solidFill>
+          <a:schemeClr val="bg1">
+            <a:lumMod val="85000"/>
           </a:schemeClr>
         </a:solidFill>
         <a:effectLst/>
@@ -4620,6 +5007,52 @@
           </a:p>
         </p:txBody>
       </p:sp>
+      <p:sp>
+        <p:nvSpPr>
+          <p:cNvPr id="10" name="TextBox 9">
+            <a:extLst>
+              <a:ext uri="{FF2B5EF4-FFF2-40B4-BE49-F238E27FC236}">
+                <a16:creationId xmlns:a16="http://schemas.microsoft.com/office/drawing/2014/main" id="{878DEA6C-6299-49A9-8CF9-D9697BDC8BA3}"/>
+              </a:ext>
+            </a:extLst>
+          </p:cNvPr>
+          <p:cNvSpPr txBox="1"/>
+          <p:nvPr/>
+        </p:nvSpPr>
+        <p:spPr>
+          <a:xfrm>
+            <a:off x="240144" y="434109"/>
+            <a:ext cx="11549823" cy="830997"/>
+          </a:xfrm>
+          <a:prstGeom prst="rect">
+            <a:avLst/>
+          </a:prstGeom>
+          <a:solidFill>
+            <a:srgbClr val="00B0F0"/>
+          </a:solidFill>
+        </p:spPr>
+        <p:txBody>
+          <a:bodyPr wrap="square" rtlCol="0">
+            <a:spAutoFit/>
+          </a:bodyPr>
+          <a:lstStyle/>
+          <a:p>
+            <a:r>
+              <a:rPr lang="en-US" altLang="ko-KR" sz="4800" b="1" dirty="0">
+                <a:solidFill>
+                  <a:schemeClr val="bg1"/>
+                </a:solidFill>
+              </a:rPr>
+              <a:t>3. PEB</a:t>
+            </a:r>
+            <a:endParaRPr lang="ko-KR" altLang="en-US" sz="4800" b="1" dirty="0">
+              <a:solidFill>
+                <a:schemeClr val="bg1"/>
+              </a:solidFill>
+            </a:endParaRPr>
+          </a:p>
+        </p:txBody>
+      </p:sp>
     </p:spTree>
     <p:extLst>
       <p:ext uri="{BB962C8B-B14F-4D97-AF65-F5344CB8AC3E}">
@@ -4633,14 +5066,14 @@
 </p:sld>
 </file>
 
-<file path=ppt/slides/slide11.xml><?xml version="1.0" encoding="utf-8"?>
+<file path=ppt/slides/slide13.xml><?xml version="1.0" encoding="utf-8"?>
 <p:sld xmlns:a="http://schemas.openxmlformats.org/drawingml/2006/main" xmlns:r="http://schemas.openxmlformats.org/officeDocument/2006/relationships" xmlns:p="http://schemas.openxmlformats.org/presentationml/2006/main">
   <p:cSld>
     <p:bg>
       <p:bgPr>
         <a:solidFill>
-          <a:schemeClr val="tx2">
-            <a:lumMod val="75000"/>
+          <a:schemeClr val="bg1">
+            <a:lumMod val="85000"/>
           </a:schemeClr>
         </a:solidFill>
         <a:effectLst/>
@@ -5102,6 +5535,52 @@
           </a:p>
         </p:txBody>
       </p:sp>
+      <p:sp>
+        <p:nvSpPr>
+          <p:cNvPr id="14" name="TextBox 13">
+            <a:extLst>
+              <a:ext uri="{FF2B5EF4-FFF2-40B4-BE49-F238E27FC236}">
+                <a16:creationId xmlns:a16="http://schemas.microsoft.com/office/drawing/2014/main" id="{8B3A2266-DA65-4A5A-AE01-E023542CE8A2}"/>
+              </a:ext>
+            </a:extLst>
+          </p:cNvPr>
+          <p:cNvSpPr txBox="1"/>
+          <p:nvPr/>
+        </p:nvSpPr>
+        <p:spPr>
+          <a:xfrm>
+            <a:off x="240144" y="434109"/>
+            <a:ext cx="11549823" cy="830997"/>
+          </a:xfrm>
+          <a:prstGeom prst="rect">
+            <a:avLst/>
+          </a:prstGeom>
+          <a:solidFill>
+            <a:srgbClr val="00B0F0"/>
+          </a:solidFill>
+        </p:spPr>
+        <p:txBody>
+          <a:bodyPr wrap="square" rtlCol="0">
+            <a:spAutoFit/>
+          </a:bodyPr>
+          <a:lstStyle/>
+          <a:p>
+            <a:r>
+              <a:rPr lang="en-US" altLang="ko-KR" sz="4800" b="1" dirty="0">
+                <a:solidFill>
+                  <a:schemeClr val="bg1"/>
+                </a:solidFill>
+              </a:rPr>
+              <a:t>3. PEB – doubly linked list</a:t>
+            </a:r>
+            <a:endParaRPr lang="ko-KR" altLang="en-US" sz="4800" b="1" dirty="0">
+              <a:solidFill>
+                <a:schemeClr val="bg1"/>
+              </a:solidFill>
+            </a:endParaRPr>
+          </a:p>
+        </p:txBody>
+      </p:sp>
     </p:spTree>
     <p:extLst>
       <p:ext uri="{BB962C8B-B14F-4D97-AF65-F5344CB8AC3E}">
@@ -5115,14 +5594,14 @@
 </p:sld>
 </file>
 
-<file path=ppt/slides/slide12.xml><?xml version="1.0" encoding="utf-8"?>
+<file path=ppt/slides/slide14.xml><?xml version="1.0" encoding="utf-8"?>
 <p:sld xmlns:a="http://schemas.openxmlformats.org/drawingml/2006/main" xmlns:r="http://schemas.openxmlformats.org/officeDocument/2006/relationships" xmlns:p="http://schemas.openxmlformats.org/presentationml/2006/main">
   <p:cSld>
     <p:bg>
       <p:bgPr>
         <a:solidFill>
-          <a:schemeClr val="tx2">
-            <a:lumMod val="75000"/>
+          <a:schemeClr val="bg1">
+            <a:lumMod val="85000"/>
           </a:schemeClr>
         </a:solidFill>
         <a:effectLst/>
@@ -5201,6 +5680,52 @@
           </a:p>
         </p:txBody>
       </p:sp>
+      <p:sp>
+        <p:nvSpPr>
+          <p:cNvPr id="4" name="TextBox 3">
+            <a:extLst>
+              <a:ext uri="{FF2B5EF4-FFF2-40B4-BE49-F238E27FC236}">
+                <a16:creationId xmlns:a16="http://schemas.microsoft.com/office/drawing/2014/main" id="{3E7F5B87-A656-49C7-9F71-8E1074B37B6C}"/>
+              </a:ext>
+            </a:extLst>
+          </p:cNvPr>
+          <p:cNvSpPr txBox="1"/>
+          <p:nvPr/>
+        </p:nvSpPr>
+        <p:spPr>
+          <a:xfrm>
+            <a:off x="240144" y="434109"/>
+            <a:ext cx="11549823" cy="830997"/>
+          </a:xfrm>
+          <a:prstGeom prst="rect">
+            <a:avLst/>
+          </a:prstGeom>
+          <a:solidFill>
+            <a:srgbClr val="00B0F0"/>
+          </a:solidFill>
+        </p:spPr>
+        <p:txBody>
+          <a:bodyPr wrap="square" rtlCol="0">
+            <a:spAutoFit/>
+          </a:bodyPr>
+          <a:lstStyle/>
+          <a:p>
+            <a:r>
+              <a:rPr lang="en-US" altLang="ko-KR" sz="4800" b="1" dirty="0">
+                <a:solidFill>
+                  <a:schemeClr val="bg1"/>
+                </a:solidFill>
+              </a:rPr>
+              <a:t>3. PEB – doubly linked list</a:t>
+            </a:r>
+            <a:endParaRPr lang="ko-KR" altLang="en-US" sz="4800" b="1" dirty="0">
+              <a:solidFill>
+                <a:schemeClr val="bg1"/>
+              </a:solidFill>
+            </a:endParaRPr>
+          </a:p>
+        </p:txBody>
+      </p:sp>
     </p:spTree>
     <p:extLst>
       <p:ext uri="{BB962C8B-B14F-4D97-AF65-F5344CB8AC3E}">
@@ -5214,14 +5739,14 @@
 </p:sld>
 </file>
 
-<file path=ppt/slides/slide13.xml><?xml version="1.0" encoding="utf-8"?>
+<file path=ppt/slides/slide15.xml><?xml version="1.0" encoding="utf-8"?>
 <p:sld xmlns:a="http://schemas.openxmlformats.org/drawingml/2006/main" xmlns:r="http://schemas.openxmlformats.org/officeDocument/2006/relationships" xmlns:p="http://schemas.openxmlformats.org/presentationml/2006/main">
   <p:cSld>
     <p:bg>
       <p:bgPr>
         <a:solidFill>
-          <a:schemeClr val="tx2">
-            <a:lumMod val="75000"/>
+          <a:schemeClr val="bg1">
+            <a:lumMod val="85000"/>
           </a:schemeClr>
         </a:solidFill>
         <a:effectLst/>
@@ -5859,6 +6384,52 @@
           </a:p>
         </p:txBody>
       </p:sp>
+      <p:sp>
+        <p:nvSpPr>
+          <p:cNvPr id="23" name="TextBox 22">
+            <a:extLst>
+              <a:ext uri="{FF2B5EF4-FFF2-40B4-BE49-F238E27FC236}">
+                <a16:creationId xmlns:a16="http://schemas.microsoft.com/office/drawing/2014/main" id="{7E71BC33-55C7-4C5F-AFB1-1B4BE863D353}"/>
+              </a:ext>
+            </a:extLst>
+          </p:cNvPr>
+          <p:cNvSpPr txBox="1"/>
+          <p:nvPr/>
+        </p:nvSpPr>
+        <p:spPr>
+          <a:xfrm>
+            <a:off x="240144" y="434109"/>
+            <a:ext cx="11549823" cy="830997"/>
+          </a:xfrm>
+          <a:prstGeom prst="rect">
+            <a:avLst/>
+          </a:prstGeom>
+          <a:solidFill>
+            <a:srgbClr val="00B0F0"/>
+          </a:solidFill>
+        </p:spPr>
+        <p:txBody>
+          <a:bodyPr wrap="square" rtlCol="0">
+            <a:spAutoFit/>
+          </a:bodyPr>
+          <a:lstStyle/>
+          <a:p>
+            <a:r>
+              <a:rPr lang="en-US" altLang="ko-KR" sz="4800" b="1" dirty="0">
+                <a:solidFill>
+                  <a:schemeClr val="bg1"/>
+                </a:solidFill>
+              </a:rPr>
+              <a:t>3. PEB – doubly linked list</a:t>
+            </a:r>
+            <a:endParaRPr lang="ko-KR" altLang="en-US" sz="4800" b="1" dirty="0">
+              <a:solidFill>
+                <a:schemeClr val="bg1"/>
+              </a:solidFill>
+            </a:endParaRPr>
+          </a:p>
+        </p:txBody>
+      </p:sp>
     </p:spTree>
     <p:extLst>
       <p:ext uri="{BB962C8B-B14F-4D97-AF65-F5344CB8AC3E}">
@@ -5872,255 +6443,14 @@
 </p:sld>
 </file>
 
-<file path=ppt/slides/slide14.xml><?xml version="1.0" encoding="utf-8"?>
+<file path=ppt/slides/slide16.xml><?xml version="1.0" encoding="utf-8"?>
 <p:sld xmlns:a="http://schemas.openxmlformats.org/drawingml/2006/main" xmlns:r="http://schemas.openxmlformats.org/officeDocument/2006/relationships" xmlns:p="http://schemas.openxmlformats.org/presentationml/2006/main">
   <p:cSld>
     <p:bg>
       <p:bgPr>
         <a:solidFill>
-          <a:schemeClr val="tx2">
-            <a:lumMod val="75000"/>
-          </a:schemeClr>
-        </a:solidFill>
-        <a:effectLst/>
-      </p:bgPr>
-    </p:bg>
-    <p:spTree>
-      <p:nvGrpSpPr>
-        <p:cNvPr id="1" name=""/>
-        <p:cNvGrpSpPr/>
-        <p:nvPr/>
-      </p:nvGrpSpPr>
-      <p:grpSpPr>
-        <a:xfrm>
-          <a:off x="0" y="0"/>
-          <a:ext cx="0" cy="0"/>
-          <a:chOff x="0" y="0"/>
-          <a:chExt cx="0" cy="0"/>
-        </a:xfrm>
-      </p:grpSpPr>
-      <p:pic>
-        <p:nvPicPr>
-          <p:cNvPr id="3" name="Picture 2">
-            <a:extLst>
-              <a:ext uri="{FF2B5EF4-FFF2-40B4-BE49-F238E27FC236}">
-                <a16:creationId xmlns:a16="http://schemas.microsoft.com/office/drawing/2014/main" id="{5F6FE60D-6C47-439A-9908-E13BAEFFCD18}"/>
-              </a:ext>
-            </a:extLst>
-          </p:cNvPr>
-          <p:cNvPicPr>
-            <a:picLocks noChangeAspect="1"/>
-          </p:cNvPicPr>
-          <p:nvPr/>
-        </p:nvPicPr>
-        <p:blipFill>
-          <a:blip r:embed="rId2"/>
-          <a:stretch>
-            <a:fillRect/>
-          </a:stretch>
-        </p:blipFill>
-        <p:spPr>
-          <a:xfrm>
-            <a:off x="240144" y="3352040"/>
-            <a:ext cx="11549826" cy="3115110"/>
-          </a:xfrm>
-          <a:prstGeom prst="rect">
-            <a:avLst/>
-          </a:prstGeom>
-        </p:spPr>
-      </p:pic>
-      <p:sp>
-        <p:nvSpPr>
-          <p:cNvPr id="12" name="TextBox 11">
-            <a:extLst>
-              <a:ext uri="{FF2B5EF4-FFF2-40B4-BE49-F238E27FC236}">
-                <a16:creationId xmlns:a16="http://schemas.microsoft.com/office/drawing/2014/main" id="{8F6D67B9-9A3D-42BE-A390-908D7C944FD4}"/>
-              </a:ext>
-            </a:extLst>
-          </p:cNvPr>
-          <p:cNvSpPr txBox="1"/>
-          <p:nvPr/>
-        </p:nvSpPr>
-        <p:spPr>
-          <a:xfrm>
-            <a:off x="240144" y="1616075"/>
-            <a:ext cx="6143071" cy="1384995"/>
-          </a:xfrm>
-          <a:prstGeom prst="rect">
-            <a:avLst/>
-          </a:prstGeom>
-          <a:noFill/>
-          <a:ln>
-            <a:solidFill>
-              <a:schemeClr val="bg1"/>
-            </a:solidFill>
-          </a:ln>
-        </p:spPr>
-        <p:txBody>
-          <a:bodyPr wrap="square" rtlCol="0">
-            <a:spAutoFit/>
-          </a:bodyPr>
-          <a:lstStyle/>
-          <a:p>
-            <a:r>
-              <a:rPr lang="en-US" altLang="ko-KR" sz="2800" dirty="0" err="1">
-                <a:solidFill>
-                  <a:schemeClr val="bg1"/>
-                </a:solidFill>
-              </a:rPr>
-              <a:t>GetProcAddress</a:t>
-            </a:r>
-            <a:r>
-              <a:rPr lang="en-US" altLang="ko-KR" sz="2800" dirty="0">
-                <a:solidFill>
-                  <a:schemeClr val="bg1"/>
-                </a:solidFill>
-              </a:rPr>
-              <a:t>()</a:t>
-            </a:r>
-          </a:p>
-          <a:p>
-            <a:endParaRPr lang="en-US" altLang="ko-KR" sz="2800" dirty="0">
-              <a:solidFill>
-                <a:schemeClr val="bg1"/>
-              </a:solidFill>
-            </a:endParaRPr>
-          </a:p>
-          <a:p>
-            <a:r>
-              <a:rPr lang="en-US" altLang="ko-KR" sz="2800" dirty="0" err="1">
-                <a:solidFill>
-                  <a:schemeClr val="bg1"/>
-                </a:solidFill>
-              </a:rPr>
-              <a:t>Dll</a:t>
-            </a:r>
-            <a:r>
-              <a:rPr lang="ko-KR" altLang="en-US" sz="2800" dirty="0">
-                <a:solidFill>
-                  <a:schemeClr val="bg1"/>
-                </a:solidFill>
-              </a:rPr>
-              <a:t>에 </a:t>
-            </a:r>
-            <a:r>
-              <a:rPr lang="en-US" altLang="ko-KR" sz="2800" dirty="0">
-                <a:solidFill>
-                  <a:schemeClr val="bg1"/>
-                </a:solidFill>
-              </a:rPr>
-              <a:t>export</a:t>
-            </a:r>
-            <a:r>
-              <a:rPr lang="ko-KR" altLang="en-US" sz="2800" dirty="0">
-                <a:solidFill>
-                  <a:schemeClr val="bg1"/>
-                </a:solidFill>
-              </a:rPr>
-              <a:t>된 함수의 주소를 얻음</a:t>
-            </a:r>
-            <a:endParaRPr lang="en-US" altLang="ko-KR" sz="2800" dirty="0">
-              <a:solidFill>
-                <a:schemeClr val="bg1"/>
-              </a:solidFill>
-            </a:endParaRPr>
-          </a:p>
-        </p:txBody>
-      </p:sp>
-      <p:pic>
-        <p:nvPicPr>
-          <p:cNvPr id="8" name="Picture 7">
-            <a:extLst>
-              <a:ext uri="{FF2B5EF4-FFF2-40B4-BE49-F238E27FC236}">
-                <a16:creationId xmlns:a16="http://schemas.microsoft.com/office/drawing/2014/main" id="{9B181155-5AB2-456B-8224-23F7EFBDE4C4}"/>
-              </a:ext>
-            </a:extLst>
-          </p:cNvPr>
-          <p:cNvPicPr>
-            <a:picLocks noChangeAspect="1"/>
-          </p:cNvPicPr>
-          <p:nvPr/>
-        </p:nvPicPr>
-        <p:blipFill>
-          <a:blip r:embed="rId3"/>
-          <a:stretch>
-            <a:fillRect/>
-          </a:stretch>
-        </p:blipFill>
-        <p:spPr>
-          <a:xfrm>
-            <a:off x="6502400" y="1468314"/>
-            <a:ext cx="5287570" cy="1748199"/>
-          </a:xfrm>
-          <a:prstGeom prst="rect">
-            <a:avLst/>
-          </a:prstGeom>
-        </p:spPr>
-      </p:pic>
-      <p:sp>
-        <p:nvSpPr>
-          <p:cNvPr id="6" name="TextBox 5"/>
-          <p:cNvSpPr txBox="1"/>
-          <p:nvPr/>
-        </p:nvSpPr>
-        <p:spPr>
-          <a:xfrm>
-            <a:off x="240144" y="434109"/>
-            <a:ext cx="11549826" cy="830997"/>
-          </a:xfrm>
-          <a:prstGeom prst="rect">
-            <a:avLst/>
-          </a:prstGeom>
-          <a:solidFill>
-            <a:srgbClr val="66FFCC"/>
-          </a:solidFill>
-        </p:spPr>
-        <p:txBody>
-          <a:bodyPr wrap="square" rtlCol="0">
-            <a:spAutoFit/>
-          </a:bodyPr>
-          <a:lstStyle/>
-          <a:p>
-            <a:r>
-              <a:rPr lang="en-US" altLang="ko-KR" sz="4800" b="1" dirty="0"/>
-              <a:t>3.PEB – </a:t>
-            </a:r>
-            <a:r>
-              <a:rPr lang="ko-KR" altLang="en-US" sz="4800" b="1" dirty="0"/>
-              <a:t>함수 구현 목표</a:t>
-            </a:r>
-            <a:r>
-              <a:rPr lang="en-US" altLang="ko-KR" sz="4800" b="1" dirty="0"/>
-              <a:t>(2)!</a:t>
-            </a:r>
-            <a:r>
-              <a:rPr lang="ko-KR" altLang="en-US" sz="4800" b="1" dirty="0"/>
-              <a:t> </a:t>
-            </a:r>
-          </a:p>
-        </p:txBody>
-      </p:sp>
-    </p:spTree>
-    <p:extLst>
-      <p:ext uri="{BB962C8B-B14F-4D97-AF65-F5344CB8AC3E}">
-        <p14:creationId xmlns:p14="http://schemas.microsoft.com/office/powerpoint/2010/main" val="1889285099"/>
-      </p:ext>
-    </p:extLst>
-  </p:cSld>
-  <p:clrMapOvr>
-    <a:masterClrMapping/>
-  </p:clrMapOvr>
-</p:sld>
-</file>
-
-<file path=ppt/slides/slide15.xml><?xml version="1.0" encoding="utf-8"?>
-<p:sld xmlns:a="http://schemas.openxmlformats.org/drawingml/2006/main" xmlns:r="http://schemas.openxmlformats.org/officeDocument/2006/relationships" xmlns:p="http://schemas.openxmlformats.org/presentationml/2006/main">
-  <p:cSld>
-    <p:bg>
-      <p:bgPr>
-        <a:solidFill>
-          <a:schemeClr val="tx2">
-            <a:lumMod val="75000"/>
+          <a:schemeClr val="bg1">
+            <a:lumMod val="85000"/>
           </a:schemeClr>
         </a:solidFill>
         <a:effectLst/>
@@ -6179,7 +6509,9 @@
             <a:avLst/>
           </a:prstGeom>
           <a:solidFill>
-            <a:srgbClr val="66FFCC"/>
+            <a:schemeClr val="accent1">
+              <a:lumMod val="75000"/>
+            </a:schemeClr>
           </a:solidFill>
         </p:spPr>
         <p:txBody>
@@ -6190,12 +6522,58 @@
           <a:p>
             <a:r>
               <a:rPr lang="en-US" altLang="ko-KR" sz="4800" b="1" dirty="0"/>
-              <a:t>4.kernel32.dll</a:t>
+              <a:t>4. kernel32.dll</a:t>
             </a:r>
             <a:r>
               <a:rPr lang="ko-KR" altLang="en-US" sz="4800" b="1" dirty="0"/>
               <a:t> </a:t>
             </a:r>
+          </a:p>
+        </p:txBody>
+      </p:sp>
+      <p:sp>
+        <p:nvSpPr>
+          <p:cNvPr id="4" name="TextBox 3">
+            <a:extLst>
+              <a:ext uri="{FF2B5EF4-FFF2-40B4-BE49-F238E27FC236}">
+                <a16:creationId xmlns:a16="http://schemas.microsoft.com/office/drawing/2014/main" id="{A268EAFA-8A39-4AF3-A8CE-5180A27FC2FF}"/>
+              </a:ext>
+            </a:extLst>
+          </p:cNvPr>
+          <p:cNvSpPr txBox="1"/>
+          <p:nvPr/>
+        </p:nvSpPr>
+        <p:spPr>
+          <a:xfrm>
+            <a:off x="240144" y="434109"/>
+            <a:ext cx="11549823" cy="830997"/>
+          </a:xfrm>
+          <a:prstGeom prst="rect">
+            <a:avLst/>
+          </a:prstGeom>
+          <a:solidFill>
+            <a:srgbClr val="00B0F0"/>
+          </a:solidFill>
+        </p:spPr>
+        <p:txBody>
+          <a:bodyPr wrap="square" rtlCol="0">
+            <a:spAutoFit/>
+          </a:bodyPr>
+          <a:lstStyle/>
+          <a:p>
+            <a:r>
+              <a:rPr lang="en-US" altLang="ko-KR" sz="4800" b="1" dirty="0">
+                <a:solidFill>
+                  <a:schemeClr val="bg1"/>
+                </a:solidFill>
+              </a:rPr>
+              <a:t>4. kernel32.dll</a:t>
+            </a:r>
+            <a:endParaRPr lang="ko-KR" altLang="en-US" sz="4800" b="1" dirty="0">
+              <a:solidFill>
+                <a:schemeClr val="bg1"/>
+              </a:solidFill>
+            </a:endParaRPr>
           </a:p>
         </p:txBody>
       </p:sp>
@@ -6212,14 +6590,14 @@
 </p:sld>
 </file>
 
-<file path=ppt/slides/slide16.xml><?xml version="1.0" encoding="utf-8"?>
+<file path=ppt/slides/slide17.xml><?xml version="1.0" encoding="utf-8"?>
 <p:sld xmlns:a="http://schemas.openxmlformats.org/drawingml/2006/main" xmlns:r="http://schemas.openxmlformats.org/officeDocument/2006/relationships" xmlns:p="http://schemas.openxmlformats.org/presentationml/2006/main">
   <p:cSld>
     <p:bg>
       <p:bgPr>
         <a:solidFill>
-          <a:schemeClr val="tx2">
-            <a:lumMod val="75000"/>
+          <a:schemeClr val="bg1">
+            <a:lumMod val="85000"/>
           </a:schemeClr>
         </a:solidFill>
         <a:effectLst/>
@@ -6510,6 +6888,52 @@
           </a:p>
         </p:txBody>
       </p:sp>
+      <p:sp>
+        <p:nvSpPr>
+          <p:cNvPr id="10" name="TextBox 9">
+            <a:extLst>
+              <a:ext uri="{FF2B5EF4-FFF2-40B4-BE49-F238E27FC236}">
+                <a16:creationId xmlns:a16="http://schemas.microsoft.com/office/drawing/2014/main" id="{BFCC9F7A-D57C-4511-967B-C33F757E554F}"/>
+              </a:ext>
+            </a:extLst>
+          </p:cNvPr>
+          <p:cNvSpPr txBox="1"/>
+          <p:nvPr/>
+        </p:nvSpPr>
+        <p:spPr>
+          <a:xfrm>
+            <a:off x="240144" y="434109"/>
+            <a:ext cx="11549823" cy="830997"/>
+          </a:xfrm>
+          <a:prstGeom prst="rect">
+            <a:avLst/>
+          </a:prstGeom>
+          <a:solidFill>
+            <a:srgbClr val="00B0F0"/>
+          </a:solidFill>
+        </p:spPr>
+        <p:txBody>
+          <a:bodyPr wrap="square" rtlCol="0">
+            <a:spAutoFit/>
+          </a:bodyPr>
+          <a:lstStyle/>
+          <a:p>
+            <a:r>
+              <a:rPr lang="en-US" altLang="ko-KR" sz="4800" b="1" dirty="0">
+                <a:solidFill>
+                  <a:schemeClr val="bg1"/>
+                </a:solidFill>
+              </a:rPr>
+              <a:t>4. kernel32.dll</a:t>
+            </a:r>
+            <a:endParaRPr lang="ko-KR" altLang="en-US" sz="4800" b="1" dirty="0">
+              <a:solidFill>
+                <a:schemeClr val="bg1"/>
+              </a:solidFill>
+            </a:endParaRPr>
+          </a:p>
+        </p:txBody>
+      </p:sp>
     </p:spTree>
     <p:extLst>
       <p:ext uri="{BB962C8B-B14F-4D97-AF65-F5344CB8AC3E}">
@@ -6523,14 +6947,14 @@
 </p:sld>
 </file>
 
-<file path=ppt/slides/slide17.xml><?xml version="1.0" encoding="utf-8"?>
+<file path=ppt/slides/slide18.xml><?xml version="1.0" encoding="utf-8"?>
 <p:sld xmlns:a="http://schemas.openxmlformats.org/drawingml/2006/main" xmlns:r="http://schemas.openxmlformats.org/officeDocument/2006/relationships" xmlns:p="http://schemas.openxmlformats.org/presentationml/2006/main">
   <p:cSld>
     <p:bg>
       <p:bgPr>
         <a:solidFill>
-          <a:schemeClr val="tx2">
-            <a:lumMod val="75000"/>
+          <a:schemeClr val="bg1">
+            <a:lumMod val="85000"/>
           </a:schemeClr>
         </a:solidFill>
         <a:effectLst/>
@@ -6795,13 +7219,15 @@
       <p:cxnSp>
         <p:nvCxnSpPr>
           <p:cNvPr id="12" name="직선 화살표 연결선 11"/>
-          <p:cNvCxnSpPr/>
+          <p:cNvCxnSpPr>
+            <a:cxnSpLocks/>
+          </p:cNvCxnSpPr>
           <p:nvPr/>
         </p:nvCxnSpPr>
         <p:spPr>
           <a:xfrm flipV="1">
             <a:off x="5726545" y="4481672"/>
-            <a:ext cx="831273" cy="200892"/>
+            <a:ext cx="831273" cy="210067"/>
           </a:xfrm>
           <a:prstGeom prst="straightConnector1">
             <a:avLst/>
@@ -7111,6 +7537,52 @@
           </a:p>
         </p:txBody>
       </p:sp>
+      <p:sp>
+        <p:nvSpPr>
+          <p:cNvPr id="21" name="TextBox 20">
+            <a:extLst>
+              <a:ext uri="{FF2B5EF4-FFF2-40B4-BE49-F238E27FC236}">
+                <a16:creationId xmlns:a16="http://schemas.microsoft.com/office/drawing/2014/main" id="{85B05A28-6FA4-4C79-B342-08D19929EBBD}"/>
+              </a:ext>
+            </a:extLst>
+          </p:cNvPr>
+          <p:cNvSpPr txBox="1"/>
+          <p:nvPr/>
+        </p:nvSpPr>
+        <p:spPr>
+          <a:xfrm>
+            <a:off x="240144" y="434109"/>
+            <a:ext cx="11549823" cy="830997"/>
+          </a:xfrm>
+          <a:prstGeom prst="rect">
+            <a:avLst/>
+          </a:prstGeom>
+          <a:solidFill>
+            <a:srgbClr val="00B0F0"/>
+          </a:solidFill>
+        </p:spPr>
+        <p:txBody>
+          <a:bodyPr wrap="square" rtlCol="0">
+            <a:spAutoFit/>
+          </a:bodyPr>
+          <a:lstStyle/>
+          <a:p>
+            <a:r>
+              <a:rPr lang="en-US" altLang="ko-KR" sz="4800" b="1" dirty="0">
+                <a:solidFill>
+                  <a:schemeClr val="bg1"/>
+                </a:solidFill>
+              </a:rPr>
+              <a:t>4. kernel32.dll</a:t>
+            </a:r>
+            <a:endParaRPr lang="ko-KR" altLang="en-US" sz="4800" b="1" dirty="0">
+              <a:solidFill>
+                <a:schemeClr val="bg1"/>
+              </a:solidFill>
+            </a:endParaRPr>
+          </a:p>
+        </p:txBody>
+      </p:sp>
     </p:spTree>
     <p:extLst>
       <p:ext uri="{BB962C8B-B14F-4D97-AF65-F5344CB8AC3E}">
@@ -7124,14 +7596,14 @@
 </p:sld>
 </file>
 
-<file path=ppt/slides/slide18.xml><?xml version="1.0" encoding="utf-8"?>
+<file path=ppt/slides/slide19.xml><?xml version="1.0" encoding="utf-8"?>
 <p:sld xmlns:a="http://schemas.openxmlformats.org/drawingml/2006/main" xmlns:r="http://schemas.openxmlformats.org/officeDocument/2006/relationships" xmlns:p="http://schemas.openxmlformats.org/presentationml/2006/main">
   <p:cSld>
     <p:bg>
       <p:bgPr>
         <a:solidFill>
-          <a:schemeClr val="tx2">
-            <a:lumMod val="75000"/>
+          <a:schemeClr val="bg1">
+            <a:lumMod val="85000"/>
           </a:schemeClr>
         </a:solidFill>
         <a:effectLst/>
@@ -7442,6 +7914,52 @@
           </a:p>
         </p:txBody>
       </p:sp>
+      <p:sp>
+        <p:nvSpPr>
+          <p:cNvPr id="12" name="TextBox 11">
+            <a:extLst>
+              <a:ext uri="{FF2B5EF4-FFF2-40B4-BE49-F238E27FC236}">
+                <a16:creationId xmlns:a16="http://schemas.microsoft.com/office/drawing/2014/main" id="{900B9347-0AD3-41D6-A320-D1B0835B5016}"/>
+              </a:ext>
+            </a:extLst>
+          </p:cNvPr>
+          <p:cNvSpPr txBox="1"/>
+          <p:nvPr/>
+        </p:nvSpPr>
+        <p:spPr>
+          <a:xfrm>
+            <a:off x="240144" y="434109"/>
+            <a:ext cx="11549823" cy="830997"/>
+          </a:xfrm>
+          <a:prstGeom prst="rect">
+            <a:avLst/>
+          </a:prstGeom>
+          <a:solidFill>
+            <a:srgbClr val="00B0F0"/>
+          </a:solidFill>
+        </p:spPr>
+        <p:txBody>
+          <a:bodyPr wrap="square" rtlCol="0">
+            <a:spAutoFit/>
+          </a:bodyPr>
+          <a:lstStyle/>
+          <a:p>
+            <a:r>
+              <a:rPr lang="en-US" altLang="ko-KR" sz="4800" b="1" dirty="0">
+                <a:solidFill>
+                  <a:schemeClr val="bg1"/>
+                </a:solidFill>
+              </a:rPr>
+              <a:t>4. kernel32.dll</a:t>
+            </a:r>
+            <a:endParaRPr lang="ko-KR" altLang="en-US" sz="4800" b="1" dirty="0">
+              <a:solidFill>
+                <a:schemeClr val="bg1"/>
+              </a:solidFill>
+            </a:endParaRPr>
+          </a:p>
+        </p:txBody>
+      </p:sp>
     </p:spTree>
     <p:extLst>
       <p:ext uri="{BB962C8B-B14F-4D97-AF65-F5344CB8AC3E}">
@@ -7455,14 +7973,14 @@
 </p:sld>
 </file>
 
-<file path=ppt/slides/slide19.xml><?xml version="1.0" encoding="utf-8"?>
+<file path=ppt/slides/slide2.xml><?xml version="1.0" encoding="utf-8"?>
 <p:sld xmlns:a="http://schemas.openxmlformats.org/drawingml/2006/main" xmlns:r="http://schemas.openxmlformats.org/officeDocument/2006/relationships" xmlns:p="http://schemas.openxmlformats.org/presentationml/2006/main">
   <p:cSld>
     <p:bg>
       <p:bgPr>
         <a:solidFill>
-          <a:schemeClr val="tx2">
-            <a:lumMod val="75000"/>
+          <a:schemeClr val="bg1">
+            <a:lumMod val="85000"/>
           </a:schemeClr>
         </a:solidFill>
         <a:effectLst/>
@@ -7482,380 +8000,6 @@
           <a:chExt cx="0" cy="0"/>
         </a:xfrm>
       </p:grpSpPr>
-      <p:pic>
-        <p:nvPicPr>
-          <p:cNvPr id="4" name="그림 3"/>
-          <p:cNvPicPr>
-            <a:picLocks noChangeAspect="1"/>
-          </p:cNvPicPr>
-          <p:nvPr/>
-        </p:nvPicPr>
-        <p:blipFill>
-          <a:blip r:embed="rId3"/>
-          <a:stretch>
-            <a:fillRect/>
-          </a:stretch>
-        </p:blipFill>
-        <p:spPr>
-          <a:xfrm>
-            <a:off x="240144" y="1572073"/>
-            <a:ext cx="9490805" cy="3073817"/>
-          </a:xfrm>
-          <a:prstGeom prst="rect">
-            <a:avLst/>
-          </a:prstGeom>
-        </p:spPr>
-      </p:pic>
-      <p:pic>
-        <p:nvPicPr>
-          <p:cNvPr id="14" name="그림 13"/>
-          <p:cNvPicPr>
-            <a:picLocks noChangeAspect="1"/>
-          </p:cNvPicPr>
-          <p:nvPr/>
-        </p:nvPicPr>
-        <p:blipFill>
-          <a:blip r:embed="rId4"/>
-          <a:stretch>
-            <a:fillRect/>
-          </a:stretch>
-        </p:blipFill>
-        <p:spPr>
-          <a:xfrm>
-            <a:off x="5315088" y="5701321"/>
-            <a:ext cx="2200582" cy="647790"/>
-          </a:xfrm>
-          <a:prstGeom prst="rect">
-            <a:avLst/>
-          </a:prstGeom>
-        </p:spPr>
-      </p:pic>
-      <p:pic>
-        <p:nvPicPr>
-          <p:cNvPr id="15" name="그림 14"/>
-          <p:cNvPicPr>
-            <a:picLocks noChangeAspect="1"/>
-          </p:cNvPicPr>
-          <p:nvPr/>
-        </p:nvPicPr>
-        <p:blipFill>
-          <a:blip r:embed="rId5"/>
-          <a:stretch>
-            <a:fillRect/>
-          </a:stretch>
-        </p:blipFill>
-        <p:spPr>
-          <a:xfrm>
-            <a:off x="7737561" y="3353403"/>
-            <a:ext cx="3580945" cy="2995709"/>
-          </a:xfrm>
-          <a:prstGeom prst="rect">
-            <a:avLst/>
-          </a:prstGeom>
-        </p:spPr>
-      </p:pic>
-      <p:sp>
-        <p:nvSpPr>
-          <p:cNvPr id="16" name="직사각형 15"/>
-          <p:cNvSpPr/>
-          <p:nvPr/>
-        </p:nvSpPr>
-        <p:spPr>
-          <a:xfrm>
-            <a:off x="7737561" y="3353402"/>
-            <a:ext cx="3580945" cy="2995709"/>
-          </a:xfrm>
-          <a:prstGeom prst="rect">
-            <a:avLst/>
-          </a:prstGeom>
-          <a:solidFill>
-            <a:schemeClr val="accent1">
-              <a:alpha val="0"/>
-            </a:schemeClr>
-          </a:solidFill>
-          <a:ln w="44450">
-            <a:solidFill>
-              <a:schemeClr val="accent4"/>
-            </a:solidFill>
-          </a:ln>
-        </p:spPr>
-        <p:style>
-          <a:lnRef idx="2">
-            <a:schemeClr val="accent1">
-              <a:shade val="50000"/>
-            </a:schemeClr>
-          </a:lnRef>
-          <a:fillRef idx="1">
-            <a:schemeClr val="accent1"/>
-          </a:fillRef>
-          <a:effectRef idx="0">
-            <a:schemeClr val="accent1"/>
-          </a:effectRef>
-          <a:fontRef idx="minor">
-            <a:schemeClr val="lt1"/>
-          </a:fontRef>
-        </p:style>
-        <p:txBody>
-          <a:bodyPr rtlCol="0" anchor="ctr"/>
-          <a:lstStyle/>
-          <a:p>
-            <a:pPr algn="ctr"/>
-            <a:endParaRPr lang="ko-KR" altLang="en-US"/>
-          </a:p>
-        </p:txBody>
-      </p:sp>
-      <p:sp>
-        <p:nvSpPr>
-          <p:cNvPr id="17" name="직사각형 16"/>
-          <p:cNvSpPr/>
-          <p:nvPr/>
-        </p:nvSpPr>
-        <p:spPr>
-          <a:xfrm>
-            <a:off x="5315088" y="5686073"/>
-            <a:ext cx="2200582" cy="647790"/>
-          </a:xfrm>
-          <a:prstGeom prst="rect">
-            <a:avLst/>
-          </a:prstGeom>
-          <a:solidFill>
-            <a:schemeClr val="accent1">
-              <a:alpha val="0"/>
-            </a:schemeClr>
-          </a:solidFill>
-          <a:ln w="44450">
-            <a:solidFill>
-              <a:schemeClr val="accent4"/>
-            </a:solidFill>
-          </a:ln>
-        </p:spPr>
-        <p:style>
-          <a:lnRef idx="2">
-            <a:schemeClr val="accent1">
-              <a:shade val="50000"/>
-            </a:schemeClr>
-          </a:lnRef>
-          <a:fillRef idx="1">
-            <a:schemeClr val="accent1"/>
-          </a:fillRef>
-          <a:effectRef idx="0">
-            <a:schemeClr val="accent1"/>
-          </a:effectRef>
-          <a:fontRef idx="minor">
-            <a:schemeClr val="lt1"/>
-          </a:fontRef>
-        </p:style>
-        <p:txBody>
-          <a:bodyPr rtlCol="0" anchor="ctr"/>
-          <a:lstStyle/>
-          <a:p>
-            <a:pPr algn="ctr"/>
-            <a:endParaRPr lang="ko-KR" altLang="en-US"/>
-          </a:p>
-        </p:txBody>
-      </p:sp>
-      <p:sp>
-        <p:nvSpPr>
-          <p:cNvPr id="18" name="직사각형 17"/>
-          <p:cNvSpPr/>
-          <p:nvPr/>
-        </p:nvSpPr>
-        <p:spPr>
-          <a:xfrm>
-            <a:off x="8345055" y="4095687"/>
-            <a:ext cx="1016000" cy="203199"/>
-          </a:xfrm>
-          <a:prstGeom prst="rect">
-            <a:avLst/>
-          </a:prstGeom>
-          <a:solidFill>
-            <a:schemeClr val="accent1">
-              <a:alpha val="0"/>
-            </a:schemeClr>
-          </a:solidFill>
-          <a:ln w="44450">
-            <a:solidFill>
-              <a:schemeClr val="accent6"/>
-            </a:solidFill>
-          </a:ln>
-        </p:spPr>
-        <p:style>
-          <a:lnRef idx="2">
-            <a:schemeClr val="accent1">
-              <a:shade val="50000"/>
-            </a:schemeClr>
-          </a:lnRef>
-          <a:fillRef idx="1">
-            <a:schemeClr val="accent1"/>
-          </a:fillRef>
-          <a:effectRef idx="0">
-            <a:schemeClr val="accent1"/>
-          </a:effectRef>
-          <a:fontRef idx="minor">
-            <a:schemeClr val="lt1"/>
-          </a:fontRef>
-        </p:style>
-        <p:txBody>
-          <a:bodyPr rtlCol="0" anchor="ctr"/>
-          <a:lstStyle/>
-          <a:p>
-            <a:pPr algn="ctr"/>
-            <a:endParaRPr lang="ko-KR" altLang="en-US"/>
-          </a:p>
-        </p:txBody>
-      </p:sp>
-      <p:cxnSp>
-        <p:nvCxnSpPr>
-          <p:cNvPr id="19" name="직선 화살표 연결선 18"/>
-          <p:cNvCxnSpPr>
-            <a:stCxn id="18" idx="2"/>
-            <a:endCxn id="17" idx="0"/>
-          </p:cNvCxnSpPr>
-          <p:nvPr/>
-        </p:nvCxnSpPr>
-        <p:spPr>
-          <a:xfrm flipH="1">
-            <a:off x="6415379" y="4298886"/>
-            <a:ext cx="2437676" cy="1387187"/>
-          </a:xfrm>
-          <a:prstGeom prst="straightConnector1">
-            <a:avLst/>
-          </a:prstGeom>
-          <a:ln w="44450">
-            <a:solidFill>
-              <a:schemeClr val="accent6"/>
-            </a:solidFill>
-            <a:tailEnd type="triangle"/>
-          </a:ln>
-        </p:spPr>
-        <p:style>
-          <a:lnRef idx="1">
-            <a:schemeClr val="accent1"/>
-          </a:lnRef>
-          <a:fillRef idx="0">
-            <a:schemeClr val="accent1"/>
-          </a:fillRef>
-          <a:effectRef idx="0">
-            <a:schemeClr val="accent1"/>
-          </a:effectRef>
-          <a:fontRef idx="minor">
-            <a:schemeClr val="tx1"/>
-          </a:fontRef>
-        </p:style>
-      </p:cxnSp>
-      <p:sp>
-        <p:nvSpPr>
-          <p:cNvPr id="11" name="TextBox 10"/>
-          <p:cNvSpPr txBox="1"/>
-          <p:nvPr/>
-        </p:nvSpPr>
-        <p:spPr>
-          <a:xfrm>
-            <a:off x="240144" y="434109"/>
-            <a:ext cx="11549826" cy="830997"/>
-          </a:xfrm>
-          <a:prstGeom prst="rect">
-            <a:avLst/>
-          </a:prstGeom>
-          <a:solidFill>
-            <a:srgbClr val="66FFCC"/>
-          </a:solidFill>
-        </p:spPr>
-        <p:txBody>
-          <a:bodyPr wrap="square" rtlCol="0">
-            <a:spAutoFit/>
-          </a:bodyPr>
-          <a:lstStyle/>
-          <a:p>
-            <a:r>
-              <a:rPr lang="en-US" altLang="ko-KR" sz="4800" b="1" dirty="0"/>
-              <a:t>4.kernel32.dll - EAT</a:t>
-            </a:r>
-            <a:r>
-              <a:rPr lang="ko-KR" altLang="en-US" sz="4800" b="1" dirty="0"/>
-              <a:t> </a:t>
-            </a:r>
-          </a:p>
-        </p:txBody>
-      </p:sp>
-    </p:spTree>
-    <p:extLst>
-      <p:ext uri="{BB962C8B-B14F-4D97-AF65-F5344CB8AC3E}">
-        <p14:creationId xmlns:p14="http://schemas.microsoft.com/office/powerpoint/2010/main" val="1538348519"/>
-      </p:ext>
-    </p:extLst>
-  </p:cSld>
-  <p:clrMapOvr>
-    <a:masterClrMapping/>
-  </p:clrMapOvr>
-</p:sld>
-</file>
-
-<file path=ppt/slides/slide2.xml><?xml version="1.0" encoding="utf-8"?>
-<p:sld xmlns:a="http://schemas.openxmlformats.org/drawingml/2006/main" xmlns:r="http://schemas.openxmlformats.org/officeDocument/2006/relationships" xmlns:p="http://schemas.openxmlformats.org/presentationml/2006/main">
-  <p:cSld>
-    <p:bg>
-      <p:bgPr>
-        <a:solidFill>
-          <a:schemeClr val="tx2">
-            <a:lumMod val="75000"/>
-          </a:schemeClr>
-        </a:solidFill>
-        <a:effectLst/>
-      </p:bgPr>
-    </p:bg>
-    <p:spTree>
-      <p:nvGrpSpPr>
-        <p:cNvPr id="1" name=""/>
-        <p:cNvGrpSpPr/>
-        <p:nvPr/>
-      </p:nvGrpSpPr>
-      <p:grpSpPr>
-        <a:xfrm>
-          <a:off x="0" y="0"/>
-          <a:ext cx="0" cy="0"/>
-          <a:chOff x="0" y="0"/>
-          <a:chExt cx="0" cy="0"/>
-        </a:xfrm>
-      </p:grpSpPr>
-      <p:sp>
-        <p:nvSpPr>
-          <p:cNvPr id="5" name="TextBox 4"/>
-          <p:cNvSpPr txBox="1"/>
-          <p:nvPr/>
-        </p:nvSpPr>
-        <p:spPr>
-          <a:xfrm>
-            <a:off x="1994468" y="320631"/>
-            <a:ext cx="1469381" cy="830997"/>
-          </a:xfrm>
-          <a:prstGeom prst="rect">
-            <a:avLst/>
-          </a:prstGeom>
-          <a:noFill/>
-          <a:ln>
-            <a:solidFill>
-              <a:schemeClr val="bg1"/>
-            </a:solidFill>
-          </a:ln>
-        </p:spPr>
-        <p:txBody>
-          <a:bodyPr wrap="square" rtlCol="0">
-            <a:spAutoFit/>
-          </a:bodyPr>
-          <a:lstStyle/>
-          <a:p>
-            <a:r>
-              <a:rPr lang="ko-KR" altLang="en-US" sz="4800" b="1" dirty="0">
-                <a:solidFill>
-                  <a:schemeClr val="bg1"/>
-                </a:solidFill>
-              </a:rPr>
-              <a:t>목차</a:t>
-            </a:r>
-          </a:p>
-        </p:txBody>
-      </p:sp>
       <p:grpSp>
         <p:nvGrpSpPr>
           <p:cNvPr id="3" name="Group 2">
@@ -8407,125 +8551,272 @@
       </p:grpSp>
       <p:grpSp>
         <p:nvGrpSpPr>
-          <p:cNvPr id="4" name="그룹 3"/>
+          <p:cNvPr id="10" name="Group 9">
+            <a:extLst>
+              <a:ext uri="{FF2B5EF4-FFF2-40B4-BE49-F238E27FC236}">
+                <a16:creationId xmlns:a16="http://schemas.microsoft.com/office/drawing/2014/main" id="{8952C6B7-C471-44A6-9600-6AA2F0B558EB}"/>
+              </a:ext>
+            </a:extLst>
+          </p:cNvPr>
           <p:cNvGrpSpPr/>
           <p:nvPr/>
         </p:nvGrpSpPr>
         <p:grpSpPr>
           <a:xfrm>
-            <a:off x="126825" y="1780906"/>
-            <a:ext cx="5406530" cy="4307277"/>
-            <a:chOff x="480303" y="1420422"/>
-            <a:chExt cx="5052672" cy="4307277"/>
+            <a:off x="126825" y="320631"/>
+            <a:ext cx="5406530" cy="5983454"/>
+            <a:chOff x="126825" y="320631"/>
+            <a:chExt cx="5406530" cy="5983454"/>
           </a:xfrm>
         </p:grpSpPr>
+        <p:sp>
+          <p:nvSpPr>
+            <p:cNvPr id="5" name="TextBox 4"/>
+            <p:cNvSpPr txBox="1"/>
+            <p:nvPr/>
+          </p:nvSpPr>
+          <p:spPr>
+            <a:xfrm>
+              <a:off x="1994468" y="320631"/>
+              <a:ext cx="1469381" cy="830997"/>
+            </a:xfrm>
+            <a:prstGeom prst="rect">
+              <a:avLst/>
+            </a:prstGeom>
+            <a:noFill/>
+            <a:ln>
+              <a:solidFill>
+                <a:schemeClr val="bg1"/>
+              </a:solidFill>
+            </a:ln>
+          </p:spPr>
+          <p:txBody>
+            <a:bodyPr wrap="square" rtlCol="0">
+              <a:spAutoFit/>
+            </a:bodyPr>
+            <a:lstStyle/>
+            <a:p>
+              <a:r>
+                <a:rPr lang="ko-KR" altLang="en-US" sz="4800" b="1" dirty="0"/>
+                <a:t>목차</a:t>
+              </a:r>
+            </a:p>
+          </p:txBody>
+        </p:sp>
         <p:grpSp>
           <p:nvGrpSpPr>
-            <p:cNvPr id="7" name="그룹 6"/>
+            <p:cNvPr id="4" name="그룹 3"/>
             <p:cNvGrpSpPr/>
             <p:nvPr/>
           </p:nvGrpSpPr>
           <p:grpSpPr>
             <a:xfrm>
-              <a:off x="480303" y="2366648"/>
-              <a:ext cx="5052672" cy="3361051"/>
-              <a:chOff x="239791" y="2571993"/>
-              <a:chExt cx="4692426" cy="1829085"/>
+              <a:off x="126825" y="1780906"/>
+              <a:ext cx="5406530" cy="4307277"/>
+              <a:chOff x="480303" y="1420422"/>
+              <a:chExt cx="5052672" cy="4307277"/>
             </a:xfrm>
           </p:grpSpPr>
-          <p:sp>
-            <p:nvSpPr>
-              <p:cNvPr id="6" name="TextBox 5"/>
-              <p:cNvSpPr txBox="1"/>
+          <p:grpSp>
+            <p:nvGrpSpPr>
+              <p:cNvPr id="7" name="그룹 6"/>
+              <p:cNvGrpSpPr/>
               <p:nvPr/>
-            </p:nvSpPr>
-            <p:spPr>
+            </p:nvGrpSpPr>
+            <p:grpSpPr>
               <a:xfrm>
-                <a:off x="239791" y="2571993"/>
-                <a:ext cx="4692073" cy="586222"/>
+                <a:off x="480303" y="2366648"/>
+                <a:ext cx="5052672" cy="3361051"/>
+                <a:chOff x="239791" y="2571993"/>
+                <a:chExt cx="4692426" cy="1829085"/>
               </a:xfrm>
-              <a:prstGeom prst="rect">
-                <a:avLst/>
-              </a:prstGeom>
-              <a:noFill/>
-            </p:spPr>
-            <p:txBody>
-              <a:bodyPr wrap="square" rtlCol="0">
-                <a:spAutoFit/>
-              </a:bodyPr>
-              <a:lstStyle/>
-              <a:p>
-                <a:pPr marL="514350" indent="-514350">
-                  <a:buAutoNum type="arabicPeriod"/>
-                </a:pPr>
-                <a:r>
-                  <a:rPr lang="ko-KR" altLang="en-US" sz="3200" b="1" dirty="0">
+            </p:grpSpPr>
+            <p:sp>
+              <p:nvSpPr>
+                <p:cNvPr id="6" name="TextBox 5"/>
+                <p:cNvSpPr txBox="1"/>
+                <p:nvPr/>
+              </p:nvSpPr>
+              <p:spPr>
+                <a:xfrm>
+                  <a:off x="239791" y="2571993"/>
+                  <a:ext cx="4692073" cy="318235"/>
+                </a:xfrm>
+                <a:prstGeom prst="rect">
+                  <a:avLst/>
+                </a:prstGeom>
+                <a:noFill/>
+              </p:spPr>
+              <p:txBody>
+                <a:bodyPr wrap="square" rtlCol="0">
+                  <a:spAutoFit/>
+                </a:bodyPr>
+                <a:lstStyle/>
+                <a:p>
+                  <a:pPr marL="514350" indent="-514350">
+                    <a:buAutoNum type="arabicPeriod"/>
+                  </a:pPr>
+                  <a:r>
+                    <a:rPr lang="ko-KR" altLang="en-US" sz="3200" b="1" dirty="0"/>
+                    <a:t>기존</a:t>
+                  </a:r>
+                  <a:r>
+                    <a:rPr lang="en-US" altLang="ko-KR" sz="3200" b="1" dirty="0"/>
+                    <a:t> Shellcode</a:t>
+                  </a:r>
+                  <a:r>
+                    <a:rPr lang="ko-KR" altLang="en-US" sz="3200" b="1" dirty="0"/>
+                    <a:t>의 문제점</a:t>
+                  </a:r>
+                  <a:endParaRPr lang="en-US" altLang="ko-KR" sz="3200" b="1" dirty="0"/>
+                </a:p>
+              </p:txBody>
+            </p:sp>
+            <p:sp>
+              <p:nvSpPr>
+                <p:cNvPr id="9" name="TextBox 8"/>
+                <p:cNvSpPr txBox="1"/>
+                <p:nvPr/>
+              </p:nvSpPr>
+              <p:spPr>
+                <a:xfrm>
+                  <a:off x="240144" y="3285959"/>
+                  <a:ext cx="4692073" cy="316412"/>
+                </a:xfrm>
+                <a:prstGeom prst="rect">
+                  <a:avLst/>
+                </a:prstGeom>
+                <a:noFill/>
+              </p:spPr>
+              <p:txBody>
+                <a:bodyPr wrap="square" rtlCol="0">
+                  <a:spAutoFit/>
+                </a:bodyPr>
+                <a:lstStyle/>
+                <a:p>
+                  <a:endParaRPr lang="ko-KR" altLang="en-US" sz="3200" b="1" dirty="0">
                     <a:solidFill>
                       <a:schemeClr val="bg1"/>
                     </a:solidFill>
-                  </a:rPr>
-                  <a:t>기존</a:t>
-                </a:r>
-                <a:r>
-                  <a:rPr lang="en-US" altLang="ko-KR" sz="3200" b="1" dirty="0">
-                    <a:solidFill>
-                      <a:schemeClr val="bg1"/>
-                    </a:solidFill>
-                  </a:rPr>
-                  <a:t> Shellcode</a:t>
-                </a:r>
-                <a:r>
-                  <a:rPr lang="ko-KR" altLang="en-US" sz="3200" b="1" dirty="0">
-                    <a:solidFill>
-                      <a:schemeClr val="bg1"/>
-                    </a:solidFill>
-                  </a:rPr>
-                  <a:t>의 문제점</a:t>
-                </a:r>
-                <a:endParaRPr lang="en-US" altLang="ko-KR" sz="3200" b="1" dirty="0">
-                  <a:solidFill>
-                    <a:schemeClr val="bg1"/>
-                  </a:solidFill>
-                </a:endParaRPr>
-              </a:p>
-            </p:txBody>
-          </p:sp>
+                  </a:endParaRPr>
+                </a:p>
+              </p:txBody>
+            </p:sp>
+            <p:sp>
+              <p:nvSpPr>
+                <p:cNvPr id="32" name="TextBox 31">
+                  <a:extLst>
+                    <a:ext uri="{FF2B5EF4-FFF2-40B4-BE49-F238E27FC236}">
+                      <a16:creationId xmlns:a16="http://schemas.microsoft.com/office/drawing/2014/main" id="{0478BB15-BDE4-4E5A-8AA7-F3E7D5B22148}"/>
+                    </a:ext>
+                  </a:extLst>
+                </p:cNvPr>
+                <p:cNvSpPr txBox="1"/>
+                <p:nvPr/>
+              </p:nvSpPr>
+              <p:spPr>
+                <a:xfrm>
+                  <a:off x="239791" y="3012653"/>
+                  <a:ext cx="2587205" cy="316412"/>
+                </a:xfrm>
+                <a:prstGeom prst="rect">
+                  <a:avLst/>
+                </a:prstGeom>
+                <a:noFill/>
+              </p:spPr>
+              <p:txBody>
+                <a:bodyPr wrap="square" rtlCol="0">
+                  <a:spAutoFit/>
+                </a:bodyPr>
+                <a:lstStyle/>
+                <a:p>
+                  <a:r>
+                    <a:rPr lang="en-US" altLang="ko-KR" sz="3200" b="1" dirty="0"/>
+                    <a:t>2. fs register!</a:t>
+                  </a:r>
+                  <a:endParaRPr lang="ko-KR" altLang="en-US" sz="3200" b="1" dirty="0"/>
+                </a:p>
+              </p:txBody>
+            </p:sp>
+            <p:sp>
+              <p:nvSpPr>
+                <p:cNvPr id="33" name="TextBox 32">
+                  <a:extLst>
+                    <a:ext uri="{FF2B5EF4-FFF2-40B4-BE49-F238E27FC236}">
+                      <a16:creationId xmlns:a16="http://schemas.microsoft.com/office/drawing/2014/main" id="{DF9A4396-13B5-4132-A830-C4C562223644}"/>
+                    </a:ext>
+                  </a:extLst>
+                </p:cNvPr>
+                <p:cNvSpPr txBox="1"/>
+                <p:nvPr/>
+              </p:nvSpPr>
+              <p:spPr>
+                <a:xfrm>
+                  <a:off x="240144" y="3555769"/>
+                  <a:ext cx="1531314" cy="318235"/>
+                </a:xfrm>
+                <a:prstGeom prst="rect">
+                  <a:avLst/>
+                </a:prstGeom>
+                <a:noFill/>
+              </p:spPr>
+              <p:txBody>
+                <a:bodyPr wrap="square" rtlCol="0">
+                  <a:spAutoFit/>
+                </a:bodyPr>
+                <a:lstStyle/>
+                <a:p>
+                  <a:r>
+                    <a:rPr lang="en-US" altLang="ko-KR" sz="3200" b="1" dirty="0"/>
+                    <a:t>3. PEB</a:t>
+                  </a:r>
+                  <a:endParaRPr lang="ko-KR" altLang="en-US" sz="3200" b="1" dirty="0"/>
+                </a:p>
+              </p:txBody>
+            </p:sp>
+            <p:sp>
+              <p:nvSpPr>
+                <p:cNvPr id="34" name="TextBox 33">
+                  <a:extLst>
+                    <a:ext uri="{FF2B5EF4-FFF2-40B4-BE49-F238E27FC236}">
+                      <a16:creationId xmlns:a16="http://schemas.microsoft.com/office/drawing/2014/main" id="{26D664F2-618B-49D0-B3B9-E9977DF60BF1}"/>
+                    </a:ext>
+                  </a:extLst>
+                </p:cNvPr>
+                <p:cNvSpPr txBox="1"/>
+                <p:nvPr/>
+              </p:nvSpPr>
+              <p:spPr>
+                <a:xfrm>
+                  <a:off x="240144" y="4084666"/>
+                  <a:ext cx="2856079" cy="316412"/>
+                </a:xfrm>
+                <a:prstGeom prst="rect">
+                  <a:avLst/>
+                </a:prstGeom>
+                <a:noFill/>
+              </p:spPr>
+              <p:txBody>
+                <a:bodyPr wrap="square" rtlCol="0">
+                  <a:spAutoFit/>
+                </a:bodyPr>
+                <a:lstStyle/>
+                <a:p>
+                  <a:r>
+                    <a:rPr lang="en-US" altLang="ko-KR" sz="3200" b="1" dirty="0"/>
+                    <a:t>4. kernel32</a:t>
+                  </a:r>
+                  <a:endParaRPr lang="ko-KR" altLang="en-US" sz="3200" b="1" dirty="0"/>
+                </a:p>
+              </p:txBody>
+            </p:sp>
+          </p:grpSp>
           <p:sp>
             <p:nvSpPr>
-              <p:cNvPr id="9" name="TextBox 8"/>
-              <p:cNvSpPr txBox="1"/>
-              <p:nvPr/>
-            </p:nvSpPr>
-            <p:spPr>
-              <a:xfrm>
-                <a:off x="240144" y="3285959"/>
-                <a:ext cx="4692073" cy="316412"/>
-              </a:xfrm>
-              <a:prstGeom prst="rect">
-                <a:avLst/>
-              </a:prstGeom>
-              <a:noFill/>
-            </p:spPr>
-            <p:txBody>
-              <a:bodyPr wrap="square" rtlCol="0">
-                <a:spAutoFit/>
-              </a:bodyPr>
-              <a:lstStyle/>
-              <a:p>
-                <a:endParaRPr lang="ko-KR" altLang="en-US" sz="3200" b="1" dirty="0">
-                  <a:solidFill>
-                    <a:schemeClr val="bg1"/>
-                  </a:solidFill>
-                </a:endParaRPr>
-              </a:p>
-            </p:txBody>
-          </p:sp>
-          <p:sp>
-            <p:nvSpPr>
-              <p:cNvPr id="32" name="TextBox 31">
+              <p:cNvPr id="38" name="TextBox 37">
                 <a:extLst>
                   <a:ext uri="{FF2B5EF4-FFF2-40B4-BE49-F238E27FC236}">
-                    <a16:creationId xmlns:a16="http://schemas.microsoft.com/office/drawing/2014/main" id="{0478BB15-BDE4-4E5A-8AA7-F3E7D5B22148}"/>
+                    <a16:creationId xmlns:a16="http://schemas.microsoft.com/office/drawing/2014/main" id="{C999032E-E1C0-4E82-BC28-085D270E2492}"/>
                   </a:ext>
                 </a:extLst>
               </p:cNvPr>
@@ -8534,8 +8825,8 @@
             </p:nvSpPr>
             <p:spPr>
               <a:xfrm>
-                <a:off x="239791" y="3012653"/>
-                <a:ext cx="2587205" cy="316412"/>
+                <a:off x="480683" y="1420422"/>
+                <a:ext cx="3169549" cy="584775"/>
               </a:xfrm>
               <a:prstGeom prst="rect">
                 <a:avLst/>
@@ -8549,204 +8840,64 @@
               <a:lstStyle/>
               <a:p>
                 <a:r>
-                  <a:rPr lang="en-US" altLang="ko-KR" sz="3200" b="1" dirty="0">
-                    <a:solidFill>
-                      <a:schemeClr val="bg1"/>
-                    </a:solidFill>
-                  </a:rPr>
-                  <a:t>2. fs register!</a:t>
+                  <a:rPr lang="en-US" altLang="ko-KR" sz="3200" b="1" dirty="0"/>
+                  <a:t>0. </a:t>
                 </a:r>
-                <a:endParaRPr lang="ko-KR" altLang="en-US" sz="3200" b="1" dirty="0">
-                  <a:solidFill>
-                    <a:schemeClr val="bg1"/>
-                  </a:solidFill>
-                </a:endParaRPr>
-              </a:p>
-            </p:txBody>
-          </p:sp>
-          <p:sp>
-            <p:nvSpPr>
-              <p:cNvPr id="33" name="TextBox 32">
-                <a:extLst>
-                  <a:ext uri="{FF2B5EF4-FFF2-40B4-BE49-F238E27FC236}">
-                    <a16:creationId xmlns:a16="http://schemas.microsoft.com/office/drawing/2014/main" id="{DF9A4396-13B5-4132-A830-C4C562223644}"/>
-                  </a:ext>
-                </a:extLst>
-              </p:cNvPr>
-              <p:cNvSpPr txBox="1"/>
-              <p:nvPr/>
-            </p:nvSpPr>
-            <p:spPr>
-              <a:xfrm>
-                <a:off x="240144" y="3555769"/>
-                <a:ext cx="1531314" cy="318235"/>
-              </a:xfrm>
-              <a:prstGeom prst="rect">
-                <a:avLst/>
-              </a:prstGeom>
-              <a:noFill/>
-            </p:spPr>
-            <p:txBody>
-              <a:bodyPr wrap="square" rtlCol="0">
-                <a:spAutoFit/>
-              </a:bodyPr>
-              <a:lstStyle/>
-              <a:p>
                 <a:r>
-                  <a:rPr lang="en-US" altLang="ko-KR" sz="3200" b="1" dirty="0">
-                    <a:solidFill>
-                      <a:schemeClr val="bg1"/>
-                    </a:solidFill>
-                  </a:rPr>
-                  <a:t>3. PEB</a:t>
+                  <a:rPr lang="ko-KR" altLang="en-US" sz="3200" b="1" dirty="0"/>
+                  <a:t>악성코드 동향</a:t>
                 </a:r>
-                <a:endParaRPr lang="ko-KR" altLang="en-US" sz="3200" b="1" dirty="0">
-                  <a:solidFill>
-                    <a:schemeClr val="bg1"/>
-                  </a:solidFill>
-                </a:endParaRPr>
-              </a:p>
-            </p:txBody>
-          </p:sp>
-          <p:sp>
-            <p:nvSpPr>
-              <p:cNvPr id="34" name="TextBox 33">
-                <a:extLst>
-                  <a:ext uri="{FF2B5EF4-FFF2-40B4-BE49-F238E27FC236}">
-                    <a16:creationId xmlns:a16="http://schemas.microsoft.com/office/drawing/2014/main" id="{26D664F2-618B-49D0-B3B9-E9977DF60BF1}"/>
-                  </a:ext>
-                </a:extLst>
-              </p:cNvPr>
-              <p:cNvSpPr txBox="1"/>
-              <p:nvPr/>
-            </p:nvSpPr>
-            <p:spPr>
-              <a:xfrm>
-                <a:off x="240144" y="4084666"/>
-                <a:ext cx="2856079" cy="316412"/>
-              </a:xfrm>
-              <a:prstGeom prst="rect">
-                <a:avLst/>
-              </a:prstGeom>
-              <a:noFill/>
-            </p:spPr>
-            <p:txBody>
-              <a:bodyPr wrap="square" rtlCol="0">
-                <a:spAutoFit/>
-              </a:bodyPr>
-              <a:lstStyle/>
-              <a:p>
-                <a:r>
-                  <a:rPr lang="en-US" altLang="ko-KR" sz="3200" b="1" dirty="0">
-                    <a:solidFill>
-                      <a:schemeClr val="bg1"/>
-                    </a:solidFill>
-                  </a:rPr>
-                  <a:t>4. kernel32</a:t>
-                </a:r>
-                <a:endParaRPr lang="ko-KR" altLang="en-US" sz="3200" b="1" dirty="0">
-                  <a:solidFill>
-                    <a:schemeClr val="bg1"/>
-                  </a:solidFill>
-                </a:endParaRPr>
               </a:p>
             </p:txBody>
           </p:sp>
         </p:grpSp>
         <p:sp>
           <p:nvSpPr>
-            <p:cNvPr id="38" name="TextBox 37">
-              <a:extLst>
-                <a:ext uri="{FF2B5EF4-FFF2-40B4-BE49-F238E27FC236}">
-                  <a16:creationId xmlns:a16="http://schemas.microsoft.com/office/drawing/2014/main" id="{C999032E-E1C0-4E82-BC28-085D270E2492}"/>
-                </a:ext>
-              </a:extLst>
-            </p:cNvPr>
-            <p:cNvSpPr txBox="1"/>
+            <p:cNvPr id="8" name="직사각형 7"/>
+            <p:cNvSpPr/>
             <p:nvPr/>
           </p:nvSpPr>
           <p:spPr>
             <a:xfrm>
-              <a:off x="480683" y="1420422"/>
-              <a:ext cx="3169549" cy="584775"/>
+              <a:off x="126825" y="1591408"/>
+              <a:ext cx="5315613" cy="4712677"/>
             </a:xfrm>
             <a:prstGeom prst="rect">
               <a:avLst/>
             </a:prstGeom>
             <a:noFill/>
+            <a:ln>
+              <a:solidFill>
+                <a:schemeClr val="bg1"/>
+              </a:solidFill>
+            </a:ln>
           </p:spPr>
+          <p:style>
+            <a:lnRef idx="2">
+              <a:schemeClr val="accent1">
+                <a:shade val="50000"/>
+              </a:schemeClr>
+            </a:lnRef>
+            <a:fillRef idx="1">
+              <a:schemeClr val="accent1"/>
+            </a:fillRef>
+            <a:effectRef idx="0">
+              <a:schemeClr val="accent1"/>
+            </a:effectRef>
+            <a:fontRef idx="minor">
+              <a:schemeClr val="lt1"/>
+            </a:fontRef>
+          </p:style>
           <p:txBody>
-            <a:bodyPr wrap="square" rtlCol="0">
-              <a:spAutoFit/>
-            </a:bodyPr>
+            <a:bodyPr rtlCol="0" anchor="ctr"/>
             <a:lstStyle/>
             <a:p>
-              <a:r>
-                <a:rPr lang="en-US" altLang="ko-KR" sz="3200" b="1" dirty="0">
-                  <a:solidFill>
-                    <a:schemeClr val="bg1"/>
-                  </a:solidFill>
-                </a:rPr>
-                <a:t>0. </a:t>
-              </a:r>
-              <a:r>
-                <a:rPr lang="ko-KR" altLang="en-US" sz="3200" b="1" dirty="0">
-                  <a:solidFill>
-                    <a:schemeClr val="bg1"/>
-                  </a:solidFill>
-                </a:rPr>
-                <a:t>악성코드 동향</a:t>
-              </a:r>
+              <a:pPr algn="ctr"/>
+              <a:endParaRPr lang="ko-KR" altLang="en-US"/>
             </a:p>
           </p:txBody>
         </p:sp>
       </p:grpSp>
-      <p:sp>
-        <p:nvSpPr>
-          <p:cNvPr id="8" name="직사각형 7"/>
-          <p:cNvSpPr/>
-          <p:nvPr/>
-        </p:nvSpPr>
-        <p:spPr>
-          <a:xfrm>
-            <a:off x="126825" y="1591408"/>
-            <a:ext cx="5315613" cy="4712677"/>
-          </a:xfrm>
-          <a:prstGeom prst="rect">
-            <a:avLst/>
-          </a:prstGeom>
-          <a:noFill/>
-          <a:ln>
-            <a:solidFill>
-              <a:schemeClr val="bg1"/>
-            </a:solidFill>
-          </a:ln>
-        </p:spPr>
-        <p:style>
-          <a:lnRef idx="2">
-            <a:schemeClr val="accent1">
-              <a:shade val="50000"/>
-            </a:schemeClr>
-          </a:lnRef>
-          <a:fillRef idx="1">
-            <a:schemeClr val="accent1"/>
-          </a:fillRef>
-          <a:effectRef idx="0">
-            <a:schemeClr val="accent1"/>
-          </a:effectRef>
-          <a:fontRef idx="minor">
-            <a:schemeClr val="lt1"/>
-          </a:fontRef>
-        </p:style>
-        <p:txBody>
-          <a:bodyPr rtlCol="0" anchor="ctr"/>
-          <a:lstStyle/>
-          <a:p>
-            <a:pPr algn="ctr"/>
-            <a:endParaRPr lang="ko-KR" altLang="en-US"/>
-          </a:p>
-        </p:txBody>
-      </p:sp>
     </p:spTree>
     <p:extLst>
       <p:ext uri="{BB962C8B-B14F-4D97-AF65-F5344CB8AC3E}">
@@ -8766,8 +8917,390 @@
     <p:bg>
       <p:bgPr>
         <a:solidFill>
-          <a:schemeClr val="tx2">
-            <a:lumMod val="75000"/>
+          <a:schemeClr val="bg1">
+            <a:lumMod val="85000"/>
+          </a:schemeClr>
+        </a:solidFill>
+        <a:effectLst/>
+      </p:bgPr>
+    </p:bg>
+    <p:spTree>
+      <p:nvGrpSpPr>
+        <p:cNvPr id="1" name=""/>
+        <p:cNvGrpSpPr/>
+        <p:nvPr/>
+      </p:nvGrpSpPr>
+      <p:grpSpPr>
+        <a:xfrm>
+          <a:off x="0" y="0"/>
+          <a:ext cx="0" cy="0"/>
+          <a:chOff x="0" y="0"/>
+          <a:chExt cx="0" cy="0"/>
+        </a:xfrm>
+      </p:grpSpPr>
+      <p:pic>
+        <p:nvPicPr>
+          <p:cNvPr id="4" name="그림 3"/>
+          <p:cNvPicPr>
+            <a:picLocks noChangeAspect="1"/>
+          </p:cNvPicPr>
+          <p:nvPr/>
+        </p:nvPicPr>
+        <p:blipFill>
+          <a:blip r:embed="rId3"/>
+          <a:stretch>
+            <a:fillRect/>
+          </a:stretch>
+        </p:blipFill>
+        <p:spPr>
+          <a:xfrm>
+            <a:off x="240144" y="1572073"/>
+            <a:ext cx="9490805" cy="3073817"/>
+          </a:xfrm>
+          <a:prstGeom prst="rect">
+            <a:avLst/>
+          </a:prstGeom>
+        </p:spPr>
+      </p:pic>
+      <p:pic>
+        <p:nvPicPr>
+          <p:cNvPr id="14" name="그림 13"/>
+          <p:cNvPicPr>
+            <a:picLocks noChangeAspect="1"/>
+          </p:cNvPicPr>
+          <p:nvPr/>
+        </p:nvPicPr>
+        <p:blipFill>
+          <a:blip r:embed="rId4"/>
+          <a:stretch>
+            <a:fillRect/>
+          </a:stretch>
+        </p:blipFill>
+        <p:spPr>
+          <a:xfrm>
+            <a:off x="5315088" y="5701321"/>
+            <a:ext cx="2200582" cy="647790"/>
+          </a:xfrm>
+          <a:prstGeom prst="rect">
+            <a:avLst/>
+          </a:prstGeom>
+        </p:spPr>
+      </p:pic>
+      <p:pic>
+        <p:nvPicPr>
+          <p:cNvPr id="15" name="그림 14"/>
+          <p:cNvPicPr>
+            <a:picLocks noChangeAspect="1"/>
+          </p:cNvPicPr>
+          <p:nvPr/>
+        </p:nvPicPr>
+        <p:blipFill>
+          <a:blip r:embed="rId5"/>
+          <a:stretch>
+            <a:fillRect/>
+          </a:stretch>
+        </p:blipFill>
+        <p:spPr>
+          <a:xfrm>
+            <a:off x="7737561" y="3353403"/>
+            <a:ext cx="3580945" cy="2995709"/>
+          </a:xfrm>
+          <a:prstGeom prst="rect">
+            <a:avLst/>
+          </a:prstGeom>
+        </p:spPr>
+      </p:pic>
+      <p:sp>
+        <p:nvSpPr>
+          <p:cNvPr id="16" name="직사각형 15"/>
+          <p:cNvSpPr/>
+          <p:nvPr/>
+        </p:nvSpPr>
+        <p:spPr>
+          <a:xfrm>
+            <a:off x="7737561" y="3353402"/>
+            <a:ext cx="3580945" cy="2995709"/>
+          </a:xfrm>
+          <a:prstGeom prst="rect">
+            <a:avLst/>
+          </a:prstGeom>
+          <a:solidFill>
+            <a:schemeClr val="accent1">
+              <a:alpha val="0"/>
+            </a:schemeClr>
+          </a:solidFill>
+          <a:ln w="44450">
+            <a:solidFill>
+              <a:schemeClr val="accent4"/>
+            </a:solidFill>
+          </a:ln>
+        </p:spPr>
+        <p:style>
+          <a:lnRef idx="2">
+            <a:schemeClr val="accent1">
+              <a:shade val="50000"/>
+            </a:schemeClr>
+          </a:lnRef>
+          <a:fillRef idx="1">
+            <a:schemeClr val="accent1"/>
+          </a:fillRef>
+          <a:effectRef idx="0">
+            <a:schemeClr val="accent1"/>
+          </a:effectRef>
+          <a:fontRef idx="minor">
+            <a:schemeClr val="lt1"/>
+          </a:fontRef>
+        </p:style>
+        <p:txBody>
+          <a:bodyPr rtlCol="0" anchor="ctr"/>
+          <a:lstStyle/>
+          <a:p>
+            <a:pPr algn="ctr"/>
+            <a:endParaRPr lang="ko-KR" altLang="en-US"/>
+          </a:p>
+        </p:txBody>
+      </p:sp>
+      <p:sp>
+        <p:nvSpPr>
+          <p:cNvPr id="17" name="직사각형 16"/>
+          <p:cNvSpPr/>
+          <p:nvPr/>
+        </p:nvSpPr>
+        <p:spPr>
+          <a:xfrm>
+            <a:off x="5315088" y="5686073"/>
+            <a:ext cx="2200582" cy="647790"/>
+          </a:xfrm>
+          <a:prstGeom prst="rect">
+            <a:avLst/>
+          </a:prstGeom>
+          <a:solidFill>
+            <a:schemeClr val="accent1">
+              <a:alpha val="0"/>
+            </a:schemeClr>
+          </a:solidFill>
+          <a:ln w="44450">
+            <a:solidFill>
+              <a:schemeClr val="accent4"/>
+            </a:solidFill>
+          </a:ln>
+        </p:spPr>
+        <p:style>
+          <a:lnRef idx="2">
+            <a:schemeClr val="accent1">
+              <a:shade val="50000"/>
+            </a:schemeClr>
+          </a:lnRef>
+          <a:fillRef idx="1">
+            <a:schemeClr val="accent1"/>
+          </a:fillRef>
+          <a:effectRef idx="0">
+            <a:schemeClr val="accent1"/>
+          </a:effectRef>
+          <a:fontRef idx="minor">
+            <a:schemeClr val="lt1"/>
+          </a:fontRef>
+        </p:style>
+        <p:txBody>
+          <a:bodyPr rtlCol="0" anchor="ctr"/>
+          <a:lstStyle/>
+          <a:p>
+            <a:pPr algn="ctr"/>
+            <a:endParaRPr lang="ko-KR" altLang="en-US"/>
+          </a:p>
+        </p:txBody>
+      </p:sp>
+      <p:sp>
+        <p:nvSpPr>
+          <p:cNvPr id="18" name="직사각형 17"/>
+          <p:cNvSpPr/>
+          <p:nvPr/>
+        </p:nvSpPr>
+        <p:spPr>
+          <a:xfrm>
+            <a:off x="8345055" y="4095687"/>
+            <a:ext cx="1016000" cy="203199"/>
+          </a:xfrm>
+          <a:prstGeom prst="rect">
+            <a:avLst/>
+          </a:prstGeom>
+          <a:solidFill>
+            <a:schemeClr val="accent1">
+              <a:alpha val="0"/>
+            </a:schemeClr>
+          </a:solidFill>
+          <a:ln w="44450">
+            <a:solidFill>
+              <a:schemeClr val="accent6"/>
+            </a:solidFill>
+          </a:ln>
+        </p:spPr>
+        <p:style>
+          <a:lnRef idx="2">
+            <a:schemeClr val="accent1">
+              <a:shade val="50000"/>
+            </a:schemeClr>
+          </a:lnRef>
+          <a:fillRef idx="1">
+            <a:schemeClr val="accent1"/>
+          </a:fillRef>
+          <a:effectRef idx="0">
+            <a:schemeClr val="accent1"/>
+          </a:effectRef>
+          <a:fontRef idx="minor">
+            <a:schemeClr val="lt1"/>
+          </a:fontRef>
+        </p:style>
+        <p:txBody>
+          <a:bodyPr rtlCol="0" anchor="ctr"/>
+          <a:lstStyle/>
+          <a:p>
+            <a:pPr algn="ctr"/>
+            <a:endParaRPr lang="ko-KR" altLang="en-US"/>
+          </a:p>
+        </p:txBody>
+      </p:sp>
+      <p:cxnSp>
+        <p:nvCxnSpPr>
+          <p:cNvPr id="19" name="직선 화살표 연결선 18"/>
+          <p:cNvCxnSpPr>
+            <a:stCxn id="18" idx="2"/>
+            <a:endCxn id="17" idx="0"/>
+          </p:cNvCxnSpPr>
+          <p:nvPr/>
+        </p:nvCxnSpPr>
+        <p:spPr>
+          <a:xfrm flipH="1">
+            <a:off x="6415379" y="4298886"/>
+            <a:ext cx="2437676" cy="1387187"/>
+          </a:xfrm>
+          <a:prstGeom prst="straightConnector1">
+            <a:avLst/>
+          </a:prstGeom>
+          <a:ln w="44450">
+            <a:solidFill>
+              <a:schemeClr val="accent6"/>
+            </a:solidFill>
+            <a:tailEnd type="triangle"/>
+          </a:ln>
+        </p:spPr>
+        <p:style>
+          <a:lnRef idx="1">
+            <a:schemeClr val="accent1"/>
+          </a:lnRef>
+          <a:fillRef idx="0">
+            <a:schemeClr val="accent1"/>
+          </a:fillRef>
+          <a:effectRef idx="0">
+            <a:schemeClr val="accent1"/>
+          </a:effectRef>
+          <a:fontRef idx="minor">
+            <a:schemeClr val="tx1"/>
+          </a:fontRef>
+        </p:style>
+      </p:cxnSp>
+      <p:sp>
+        <p:nvSpPr>
+          <p:cNvPr id="11" name="TextBox 10"/>
+          <p:cNvSpPr txBox="1"/>
+          <p:nvPr/>
+        </p:nvSpPr>
+        <p:spPr>
+          <a:xfrm>
+            <a:off x="240144" y="434109"/>
+            <a:ext cx="11549826" cy="830997"/>
+          </a:xfrm>
+          <a:prstGeom prst="rect">
+            <a:avLst/>
+          </a:prstGeom>
+          <a:solidFill>
+            <a:srgbClr val="66FFCC"/>
+          </a:solidFill>
+        </p:spPr>
+        <p:txBody>
+          <a:bodyPr wrap="square" rtlCol="0">
+            <a:spAutoFit/>
+          </a:bodyPr>
+          <a:lstStyle/>
+          <a:p>
+            <a:r>
+              <a:rPr lang="en-US" altLang="ko-KR" sz="4800" b="1" dirty="0"/>
+              <a:t>4.kernel32.dll - EAT</a:t>
+            </a:r>
+            <a:r>
+              <a:rPr lang="ko-KR" altLang="en-US" sz="4800" b="1" dirty="0"/>
+              <a:t> </a:t>
+            </a:r>
+          </a:p>
+        </p:txBody>
+      </p:sp>
+      <p:sp>
+        <p:nvSpPr>
+          <p:cNvPr id="10" name="TextBox 9">
+            <a:extLst>
+              <a:ext uri="{FF2B5EF4-FFF2-40B4-BE49-F238E27FC236}">
+                <a16:creationId xmlns:a16="http://schemas.microsoft.com/office/drawing/2014/main" id="{462AB718-E4E0-4129-95D8-68CFDD7BB49B}"/>
+              </a:ext>
+            </a:extLst>
+          </p:cNvPr>
+          <p:cNvSpPr txBox="1"/>
+          <p:nvPr/>
+        </p:nvSpPr>
+        <p:spPr>
+          <a:xfrm>
+            <a:off x="240144" y="434109"/>
+            <a:ext cx="11549823" cy="830997"/>
+          </a:xfrm>
+          <a:prstGeom prst="rect">
+            <a:avLst/>
+          </a:prstGeom>
+          <a:solidFill>
+            <a:srgbClr val="00B0F0"/>
+          </a:solidFill>
+        </p:spPr>
+        <p:txBody>
+          <a:bodyPr wrap="square" rtlCol="0">
+            <a:spAutoFit/>
+          </a:bodyPr>
+          <a:lstStyle/>
+          <a:p>
+            <a:r>
+              <a:rPr lang="en-US" altLang="ko-KR" sz="4800" b="1" dirty="0">
+                <a:solidFill>
+                  <a:schemeClr val="bg1"/>
+                </a:solidFill>
+              </a:rPr>
+              <a:t>4. kernel32.dll - EAT</a:t>
+            </a:r>
+            <a:endParaRPr lang="ko-KR" altLang="en-US" sz="4800" b="1" dirty="0">
+              <a:solidFill>
+                <a:schemeClr val="bg1"/>
+              </a:solidFill>
+            </a:endParaRPr>
+          </a:p>
+        </p:txBody>
+      </p:sp>
+    </p:spTree>
+    <p:extLst>
+      <p:ext uri="{BB962C8B-B14F-4D97-AF65-F5344CB8AC3E}">
+        <p14:creationId xmlns:p14="http://schemas.microsoft.com/office/powerpoint/2010/main" val="1538348519"/>
+      </p:ext>
+    </p:extLst>
+  </p:cSld>
+  <p:clrMapOvr>
+    <a:masterClrMapping/>
+  </p:clrMapOvr>
+</p:sld>
+</file>
+
+<file path=ppt/slides/slide21.xml><?xml version="1.0" encoding="utf-8"?>
+<p:sld xmlns:a="http://schemas.openxmlformats.org/drawingml/2006/main" xmlns:r="http://schemas.openxmlformats.org/officeDocument/2006/relationships" xmlns:p="http://schemas.openxmlformats.org/presentationml/2006/main">
+  <p:cSld>
+    <p:bg>
+      <p:bgPr>
+        <a:solidFill>
+          <a:schemeClr val="bg1">
+            <a:lumMod val="85000"/>
           </a:schemeClr>
         </a:solidFill>
         <a:effectLst/>
@@ -8870,6 +9403,52 @@
           </a:p>
         </p:txBody>
       </p:sp>
+      <p:sp>
+        <p:nvSpPr>
+          <p:cNvPr id="5" name="TextBox 4">
+            <a:extLst>
+              <a:ext uri="{FF2B5EF4-FFF2-40B4-BE49-F238E27FC236}">
+                <a16:creationId xmlns:a16="http://schemas.microsoft.com/office/drawing/2014/main" id="{B5F768B2-FE2A-42B1-BEDE-2EB197E190E6}"/>
+              </a:ext>
+            </a:extLst>
+          </p:cNvPr>
+          <p:cNvSpPr txBox="1"/>
+          <p:nvPr/>
+        </p:nvSpPr>
+        <p:spPr>
+          <a:xfrm>
+            <a:off x="240144" y="434109"/>
+            <a:ext cx="11549823" cy="830997"/>
+          </a:xfrm>
+          <a:prstGeom prst="rect">
+            <a:avLst/>
+          </a:prstGeom>
+          <a:solidFill>
+            <a:srgbClr val="00B0F0"/>
+          </a:solidFill>
+        </p:spPr>
+        <p:txBody>
+          <a:bodyPr wrap="square" rtlCol="0">
+            <a:spAutoFit/>
+          </a:bodyPr>
+          <a:lstStyle/>
+          <a:p>
+            <a:r>
+              <a:rPr lang="en-US" altLang="ko-KR" sz="4800" b="1" dirty="0">
+                <a:solidFill>
+                  <a:schemeClr val="bg1"/>
+                </a:solidFill>
+              </a:rPr>
+              <a:t>4. kernel32.dll - NPT</a:t>
+            </a:r>
+            <a:endParaRPr lang="ko-KR" altLang="en-US" sz="4800" b="1" dirty="0">
+              <a:solidFill>
+                <a:schemeClr val="bg1"/>
+              </a:solidFill>
+            </a:endParaRPr>
+          </a:p>
+        </p:txBody>
+      </p:sp>
     </p:spTree>
     <p:extLst>
       <p:ext uri="{BB962C8B-B14F-4D97-AF65-F5344CB8AC3E}">
@@ -8883,14 +9462,14 @@
 </p:sld>
 </file>
 
-<file path=ppt/slides/slide21.xml><?xml version="1.0" encoding="utf-8"?>
+<file path=ppt/slides/slide22.xml><?xml version="1.0" encoding="utf-8"?>
 <p:sld xmlns:a="http://schemas.openxmlformats.org/drawingml/2006/main" xmlns:r="http://schemas.openxmlformats.org/officeDocument/2006/relationships" xmlns:p="http://schemas.openxmlformats.org/presentationml/2006/main">
   <p:cSld>
     <p:bg>
       <p:bgPr>
         <a:solidFill>
-          <a:schemeClr val="tx2">
-            <a:lumMod val="75000"/>
+          <a:schemeClr val="bg1">
+            <a:lumMod val="85000"/>
           </a:schemeClr>
         </a:solidFill>
         <a:effectLst/>
@@ -8990,6 +9569,52 @@
           </a:p>
         </p:txBody>
       </p:sp>
+      <p:sp>
+        <p:nvSpPr>
+          <p:cNvPr id="6" name="TextBox 5">
+            <a:extLst>
+              <a:ext uri="{FF2B5EF4-FFF2-40B4-BE49-F238E27FC236}">
+                <a16:creationId xmlns:a16="http://schemas.microsoft.com/office/drawing/2014/main" id="{CE2D9492-2E0A-4CD3-BF97-822FBB394207}"/>
+              </a:ext>
+            </a:extLst>
+          </p:cNvPr>
+          <p:cNvSpPr txBox="1"/>
+          <p:nvPr/>
+        </p:nvSpPr>
+        <p:spPr>
+          <a:xfrm>
+            <a:off x="240144" y="434109"/>
+            <a:ext cx="11549823" cy="830997"/>
+          </a:xfrm>
+          <a:prstGeom prst="rect">
+            <a:avLst/>
+          </a:prstGeom>
+          <a:solidFill>
+            <a:srgbClr val="00B0F0"/>
+          </a:solidFill>
+        </p:spPr>
+        <p:txBody>
+          <a:bodyPr wrap="square" rtlCol="0">
+            <a:spAutoFit/>
+          </a:bodyPr>
+          <a:lstStyle/>
+          <a:p>
+            <a:r>
+              <a:rPr lang="en-US" altLang="ko-KR" sz="4800" b="1" dirty="0">
+                <a:solidFill>
+                  <a:schemeClr val="bg1"/>
+                </a:solidFill>
+              </a:rPr>
+              <a:t>4. kernel32.dll - ORT</a:t>
+            </a:r>
+            <a:endParaRPr lang="ko-KR" altLang="en-US" sz="4800" b="1" dirty="0">
+              <a:solidFill>
+                <a:schemeClr val="bg1"/>
+              </a:solidFill>
+            </a:endParaRPr>
+          </a:p>
+        </p:txBody>
+      </p:sp>
     </p:spTree>
     <p:extLst>
       <p:ext uri="{BB962C8B-B14F-4D97-AF65-F5344CB8AC3E}">
@@ -9003,14 +9628,14 @@
 </p:sld>
 </file>
 
-<file path=ppt/slides/slide22.xml><?xml version="1.0" encoding="utf-8"?>
+<file path=ppt/slides/slide23.xml><?xml version="1.0" encoding="utf-8"?>
 <p:sld xmlns:a="http://schemas.openxmlformats.org/drawingml/2006/main" xmlns:r="http://schemas.openxmlformats.org/officeDocument/2006/relationships" xmlns:p="http://schemas.openxmlformats.org/presentationml/2006/main">
   <p:cSld>
     <p:bg>
       <p:bgPr>
         <a:solidFill>
-          <a:schemeClr val="tx2">
-            <a:lumMod val="75000"/>
+          <a:schemeClr val="bg1">
+            <a:lumMod val="85000"/>
           </a:schemeClr>
         </a:solidFill>
         <a:effectLst/>
@@ -9110,6 +9735,52 @@
           </a:p>
         </p:txBody>
       </p:sp>
+      <p:sp>
+        <p:nvSpPr>
+          <p:cNvPr id="6" name="TextBox 5">
+            <a:extLst>
+              <a:ext uri="{FF2B5EF4-FFF2-40B4-BE49-F238E27FC236}">
+                <a16:creationId xmlns:a16="http://schemas.microsoft.com/office/drawing/2014/main" id="{7042DB6A-49AC-4C8A-AA6C-B2C4E6EA7022}"/>
+              </a:ext>
+            </a:extLst>
+          </p:cNvPr>
+          <p:cNvSpPr txBox="1"/>
+          <p:nvPr/>
+        </p:nvSpPr>
+        <p:spPr>
+          <a:xfrm>
+            <a:off x="240144" y="434109"/>
+            <a:ext cx="11549823" cy="830997"/>
+          </a:xfrm>
+          <a:prstGeom prst="rect">
+            <a:avLst/>
+          </a:prstGeom>
+          <a:solidFill>
+            <a:srgbClr val="00B0F0"/>
+          </a:solidFill>
+        </p:spPr>
+        <p:txBody>
+          <a:bodyPr wrap="square" rtlCol="0">
+            <a:spAutoFit/>
+          </a:bodyPr>
+          <a:lstStyle/>
+          <a:p>
+            <a:r>
+              <a:rPr lang="en-US" altLang="ko-KR" sz="4800" b="1" dirty="0">
+                <a:solidFill>
+                  <a:schemeClr val="bg1"/>
+                </a:solidFill>
+              </a:rPr>
+              <a:t>4. kernel32.dll - EAT</a:t>
+            </a:r>
+            <a:endParaRPr lang="ko-KR" altLang="en-US" sz="4800" b="1" dirty="0">
+              <a:solidFill>
+                <a:schemeClr val="bg1"/>
+              </a:solidFill>
+            </a:endParaRPr>
+          </a:p>
+        </p:txBody>
+      </p:sp>
     </p:spTree>
     <p:extLst>
       <p:ext uri="{BB962C8B-B14F-4D97-AF65-F5344CB8AC3E}">
@@ -9123,14 +9794,14 @@
 </p:sld>
 </file>
 
-<file path=ppt/slides/slide23.xml><?xml version="1.0" encoding="utf-8"?>
+<file path=ppt/slides/slide24.xml><?xml version="1.0" encoding="utf-8"?>
 <p:sld xmlns:a="http://schemas.openxmlformats.org/drawingml/2006/main" xmlns:r="http://schemas.openxmlformats.org/officeDocument/2006/relationships" xmlns:p="http://schemas.openxmlformats.org/presentationml/2006/main">
   <p:cSld>
     <p:bg>
       <p:bgPr>
         <a:solidFill>
-          <a:schemeClr val="tx2">
-            <a:lumMod val="75000"/>
+          <a:schemeClr val="bg1">
+            <a:lumMod val="85000"/>
           </a:schemeClr>
         </a:solidFill>
         <a:effectLst/>
@@ -9247,6 +9918,52 @@
           </a:prstGeom>
         </p:spPr>
       </p:pic>
+      <p:sp>
+        <p:nvSpPr>
+          <p:cNvPr id="5" name="TextBox 4">
+            <a:extLst>
+              <a:ext uri="{FF2B5EF4-FFF2-40B4-BE49-F238E27FC236}">
+                <a16:creationId xmlns:a16="http://schemas.microsoft.com/office/drawing/2014/main" id="{5D4D10DE-8107-4792-8FF2-74F780BF54D1}"/>
+              </a:ext>
+            </a:extLst>
+          </p:cNvPr>
+          <p:cNvSpPr txBox="1"/>
+          <p:nvPr/>
+        </p:nvSpPr>
+        <p:spPr>
+          <a:xfrm>
+            <a:off x="240144" y="434109"/>
+            <a:ext cx="11549823" cy="830997"/>
+          </a:xfrm>
+          <a:prstGeom prst="rect">
+            <a:avLst/>
+          </a:prstGeom>
+          <a:solidFill>
+            <a:srgbClr val="00B0F0"/>
+          </a:solidFill>
+        </p:spPr>
+        <p:txBody>
+          <a:bodyPr wrap="square" rtlCol="0">
+            <a:spAutoFit/>
+          </a:bodyPr>
+          <a:lstStyle/>
+          <a:p>
+            <a:r>
+              <a:rPr lang="en-US" altLang="ko-KR" sz="4800" b="1" dirty="0">
+                <a:solidFill>
+                  <a:schemeClr val="bg1"/>
+                </a:solidFill>
+              </a:rPr>
+              <a:t>HELLO, CMD!</a:t>
+            </a:r>
+            <a:endParaRPr lang="ko-KR" altLang="en-US" sz="4800" b="1" dirty="0">
+              <a:solidFill>
+                <a:schemeClr val="bg1"/>
+              </a:solidFill>
+            </a:endParaRPr>
+          </a:p>
+        </p:txBody>
+      </p:sp>
     </p:spTree>
     <p:extLst>
       <p:ext uri="{BB962C8B-B14F-4D97-AF65-F5344CB8AC3E}">
@@ -9260,14 +9977,14 @@
 </p:sld>
 </file>
 
-<file path=ppt/slides/slide24.xml><?xml version="1.0" encoding="utf-8"?>
+<file path=ppt/slides/slide25.xml><?xml version="1.0" encoding="utf-8"?>
 <p:sld xmlns:a="http://schemas.openxmlformats.org/drawingml/2006/main" xmlns:r="http://schemas.openxmlformats.org/officeDocument/2006/relationships" xmlns:p="http://schemas.openxmlformats.org/presentationml/2006/main">
   <p:cSld>
     <p:bg>
       <p:bgPr>
         <a:solidFill>
-          <a:schemeClr val="tx2">
-            <a:lumMod val="75000"/>
+          <a:schemeClr val="bg1">
+            <a:lumMod val="85000"/>
           </a:schemeClr>
         </a:solidFill>
         <a:effectLst/>
@@ -9347,8 +10064,8 @@
     <p:bg>
       <p:bgPr>
         <a:solidFill>
-          <a:schemeClr val="tx2">
-            <a:lumMod val="75000"/>
+          <a:schemeClr val="bg1">
+            <a:lumMod val="85000"/>
           </a:schemeClr>
         </a:solidFill>
         <a:effectLst/>
@@ -9368,41 +10085,6 @@
           <a:chExt cx="0" cy="0"/>
         </a:xfrm>
       </p:grpSpPr>
-      <p:sp>
-        <p:nvSpPr>
-          <p:cNvPr id="6" name="TextBox 5"/>
-          <p:cNvSpPr txBox="1"/>
-          <p:nvPr/>
-        </p:nvSpPr>
-        <p:spPr>
-          <a:xfrm>
-            <a:off x="240144" y="434109"/>
-            <a:ext cx="11570856" cy="830997"/>
-          </a:xfrm>
-          <a:prstGeom prst="rect">
-            <a:avLst/>
-          </a:prstGeom>
-          <a:solidFill>
-            <a:srgbClr val="66FFCC"/>
-          </a:solidFill>
-        </p:spPr>
-        <p:txBody>
-          <a:bodyPr wrap="square" rtlCol="0">
-            <a:spAutoFit/>
-          </a:bodyPr>
-          <a:lstStyle/>
-          <a:p>
-            <a:r>
-              <a:rPr lang="en-US" altLang="ko-KR" sz="4800" b="1" dirty="0"/>
-              <a:t>0. </a:t>
-            </a:r>
-            <a:r>
-              <a:rPr lang="ko-KR" altLang="en-US" sz="4800" b="1" dirty="0"/>
-              <a:t>악성코드 동향</a:t>
-            </a:r>
-          </a:p>
-        </p:txBody>
-      </p:sp>
       <p:pic>
         <p:nvPicPr>
           <p:cNvPr id="8194" name="Picture 2">
@@ -9513,139 +10195,193 @@
           <a:lstStyle/>
           <a:p>
             <a:r>
-              <a:rPr lang="en-US" sz="2800" dirty="0">
+              <a:rPr lang="en-US" sz="2800" b="1" dirty="0">
                 <a:solidFill>
-                  <a:schemeClr val="bg1"/>
+                  <a:schemeClr val="tx1">
+                    <a:lumMod val="65000"/>
+                    <a:lumOff val="35000"/>
+                  </a:schemeClr>
                 </a:solidFill>
               </a:rPr>
               <a:t>2017</a:t>
             </a:r>
             <a:r>
-              <a:rPr lang="ko-KR" altLang="en-US" sz="2800" dirty="0">
+              <a:rPr lang="ko-KR" altLang="en-US" sz="2800" b="1" dirty="0">
                 <a:solidFill>
-                  <a:schemeClr val="bg1"/>
+                  <a:schemeClr val="tx1">
+                    <a:lumMod val="65000"/>
+                    <a:lumOff val="35000"/>
+                  </a:schemeClr>
                 </a:solidFill>
               </a:rPr>
               <a:t>년 </a:t>
             </a:r>
             <a:r>
-              <a:rPr lang="en-US" altLang="ko-KR" sz="2800" dirty="0">
+              <a:rPr lang="en-US" altLang="ko-KR" sz="2800" b="1" dirty="0">
                 <a:solidFill>
-                  <a:schemeClr val="bg1"/>
+                  <a:schemeClr val="tx1">
+                    <a:lumMod val="65000"/>
+                    <a:lumOff val="35000"/>
+                  </a:schemeClr>
                 </a:solidFill>
               </a:rPr>
               <a:t>“wannacpy”</a:t>
             </a:r>
             <a:br>
-              <a:rPr lang="en-US" altLang="ko-KR" sz="2800" dirty="0">
+              <a:rPr lang="en-US" altLang="ko-KR" sz="2800" b="1" dirty="0">
                 <a:solidFill>
-                  <a:schemeClr val="bg1"/>
+                  <a:schemeClr val="tx1">
+                    <a:lumMod val="65000"/>
+                    <a:lumOff val="35000"/>
+                  </a:schemeClr>
                 </a:solidFill>
               </a:rPr>
             </a:br>
-            <a:endParaRPr lang="en-US" altLang="ko-KR" sz="2800" dirty="0">
+            <a:endParaRPr lang="en-US" altLang="ko-KR" sz="2800" b="1" dirty="0">
               <a:solidFill>
-                <a:schemeClr val="bg1"/>
+                <a:schemeClr val="tx1">
+                  <a:lumMod val="65000"/>
+                  <a:lumOff val="35000"/>
+                </a:schemeClr>
               </a:solidFill>
             </a:endParaRPr>
           </a:p>
           <a:p>
             <a:r>
-              <a:rPr lang="en-US" altLang="ko-KR" sz="2800" dirty="0">
+              <a:rPr lang="en-US" altLang="ko-KR" sz="2800" b="1" dirty="0">
                 <a:solidFill>
-                  <a:schemeClr val="bg1"/>
+                  <a:schemeClr val="tx1">
+                    <a:lumMod val="65000"/>
+                    <a:lumOff val="35000"/>
+                  </a:schemeClr>
                 </a:solidFill>
               </a:rPr>
               <a:t>SMB </a:t>
             </a:r>
             <a:r>
-              <a:rPr lang="ko-KR" altLang="en-US" sz="2800" dirty="0">
+              <a:rPr lang="ko-KR" altLang="en-US" sz="2800" b="1" dirty="0">
                 <a:solidFill>
-                  <a:schemeClr val="bg1"/>
+                  <a:schemeClr val="tx1">
+                    <a:lumMod val="65000"/>
+                    <a:lumOff val="35000"/>
+                  </a:schemeClr>
                 </a:solidFill>
               </a:rPr>
               <a:t>취약점을 활용한 </a:t>
             </a:r>
             <a:r>
-              <a:rPr lang="ko-KR" altLang="en-US" sz="2800" dirty="0" err="1">
+              <a:rPr lang="ko-KR" altLang="en-US" sz="2800" b="1" dirty="0" err="1">
                 <a:solidFill>
-                  <a:schemeClr val="bg1"/>
+                  <a:schemeClr val="tx1">
+                    <a:lumMod val="65000"/>
+                    <a:lumOff val="35000"/>
+                  </a:schemeClr>
                 </a:solidFill>
               </a:rPr>
               <a:t>랜섬웨어</a:t>
             </a:r>
-            <a:endParaRPr lang="en-US" altLang="ko-KR" sz="2800" dirty="0">
+            <a:endParaRPr lang="en-US" altLang="ko-KR" sz="2800" b="1" dirty="0">
               <a:solidFill>
-                <a:schemeClr val="bg1"/>
+                <a:schemeClr val="tx1">
+                  <a:lumMod val="65000"/>
+                  <a:lumOff val="35000"/>
+                </a:schemeClr>
               </a:solidFill>
             </a:endParaRPr>
           </a:p>
           <a:p>
-            <a:endParaRPr lang="en-US" altLang="ko-KR" sz="2800" dirty="0">
+            <a:endParaRPr lang="en-US" altLang="ko-KR" sz="2800" b="1" dirty="0">
               <a:solidFill>
-                <a:schemeClr val="bg1"/>
+                <a:schemeClr val="tx1">
+                  <a:lumMod val="65000"/>
+                  <a:lumOff val="35000"/>
+                </a:schemeClr>
               </a:solidFill>
             </a:endParaRPr>
           </a:p>
           <a:p>
             <a:r>
-              <a:rPr lang="en-US" altLang="ko-KR" sz="2800" dirty="0">
+              <a:rPr lang="en-US" altLang="ko-KR" sz="2800" b="1" dirty="0">
                 <a:solidFill>
-                  <a:schemeClr val="bg1"/>
+                  <a:schemeClr val="tx1">
+                    <a:lumMod val="65000"/>
+                    <a:lumOff val="35000"/>
+                  </a:schemeClr>
                 </a:solidFill>
               </a:rPr>
               <a:t>Shellcode</a:t>
             </a:r>
             <a:r>
-              <a:rPr lang="ko-KR" altLang="en-US" sz="2800" dirty="0">
+              <a:rPr lang="ko-KR" altLang="en-US" sz="2800" b="1" dirty="0">
                 <a:solidFill>
-                  <a:schemeClr val="bg1"/>
+                  <a:schemeClr val="tx1">
+                    <a:lumMod val="65000"/>
+                    <a:lumOff val="35000"/>
+                  </a:schemeClr>
                 </a:solidFill>
               </a:rPr>
               <a:t> 를 네트워크로 전송해서 </a:t>
             </a:r>
-            <a:endParaRPr lang="en-US" altLang="ko-KR" sz="2800" dirty="0">
+            <a:endParaRPr lang="en-US" altLang="ko-KR" sz="2800" b="1" dirty="0">
               <a:solidFill>
-                <a:schemeClr val="bg1"/>
+                <a:schemeClr val="tx1">
+                  <a:lumMod val="65000"/>
+                  <a:lumOff val="35000"/>
+                </a:schemeClr>
               </a:solidFill>
             </a:endParaRPr>
           </a:p>
           <a:p>
             <a:r>
-              <a:rPr lang="ko-KR" altLang="en-US" sz="2800" dirty="0">
+              <a:rPr lang="ko-KR" altLang="en-US" sz="2800" b="1" dirty="0">
                 <a:solidFill>
-                  <a:schemeClr val="bg1"/>
+                  <a:schemeClr val="tx1">
+                    <a:lumMod val="65000"/>
+                    <a:lumOff val="35000"/>
+                  </a:schemeClr>
                 </a:solidFill>
               </a:rPr>
               <a:t>다른 </a:t>
             </a:r>
             <a:r>
-              <a:rPr lang="en-US" altLang="ko-KR" sz="2800" dirty="0">
+              <a:rPr lang="en-US" altLang="ko-KR" sz="2800" b="1" dirty="0">
                 <a:solidFill>
-                  <a:schemeClr val="bg1"/>
+                  <a:schemeClr val="tx1">
+                    <a:lumMod val="65000"/>
+                    <a:lumOff val="35000"/>
+                  </a:schemeClr>
                 </a:solidFill>
               </a:rPr>
               <a:t>PC</a:t>
             </a:r>
             <a:r>
-              <a:rPr lang="ko-KR" altLang="en-US" sz="2800" dirty="0">
+              <a:rPr lang="ko-KR" altLang="en-US" sz="2800" b="1" dirty="0">
                 <a:solidFill>
-                  <a:schemeClr val="bg1"/>
+                  <a:schemeClr val="tx1">
+                    <a:lumMod val="65000"/>
+                    <a:lumOff val="35000"/>
+                  </a:schemeClr>
                 </a:solidFill>
               </a:rPr>
               <a:t>를 감염시키는 </a:t>
             </a:r>
             <a:r>
-              <a:rPr lang="ko-KR" altLang="en-US" sz="2800" dirty="0" err="1">
+              <a:rPr lang="ko-KR" altLang="en-US" sz="2800" b="1" dirty="0" err="1">
                 <a:solidFill>
-                  <a:schemeClr val="bg1"/>
+                  <a:schemeClr val="tx1">
+                    <a:lumMod val="65000"/>
+                    <a:lumOff val="35000"/>
+                  </a:schemeClr>
                 </a:solidFill>
               </a:rPr>
               <a:t>랜섬웨어</a:t>
             </a:r>
-            <a:endParaRPr lang="en-US" altLang="ko-KR" sz="2800" dirty="0">
+            <a:endParaRPr lang="en-US" altLang="ko-KR" sz="2800" b="1" dirty="0">
               <a:solidFill>
-                <a:schemeClr val="bg1"/>
+                <a:schemeClr val="tx1">
+                  <a:lumMod val="65000"/>
+                  <a:lumOff val="35000"/>
+                </a:schemeClr>
               </a:solidFill>
             </a:endParaRPr>
           </a:p>
@@ -9698,6 +10434,55 @@
                 <a:schemeClr val="bg1"/>
               </a:solidFill>
             </a:endParaRPr>
+          </a:p>
+        </p:txBody>
+      </p:sp>
+      <p:sp>
+        <p:nvSpPr>
+          <p:cNvPr id="8" name="TextBox 7">
+            <a:extLst>
+              <a:ext uri="{FF2B5EF4-FFF2-40B4-BE49-F238E27FC236}">
+                <a16:creationId xmlns:a16="http://schemas.microsoft.com/office/drawing/2014/main" id="{C934FD98-AFEC-4892-92CC-6A3C14944938}"/>
+              </a:ext>
+            </a:extLst>
+          </p:cNvPr>
+          <p:cNvSpPr txBox="1"/>
+          <p:nvPr/>
+        </p:nvSpPr>
+        <p:spPr>
+          <a:xfrm>
+            <a:off x="321088" y="393937"/>
+            <a:ext cx="11549823" cy="830997"/>
+          </a:xfrm>
+          <a:prstGeom prst="rect">
+            <a:avLst/>
+          </a:prstGeom>
+          <a:solidFill>
+            <a:srgbClr val="00B0F0"/>
+          </a:solidFill>
+        </p:spPr>
+        <p:txBody>
+          <a:bodyPr wrap="square" rtlCol="0">
+            <a:spAutoFit/>
+          </a:bodyPr>
+          <a:lstStyle/>
+          <a:p>
+            <a:r>
+              <a:rPr lang="en-US" altLang="ko-KR" sz="4800" b="1" dirty="0">
+                <a:solidFill>
+                  <a:schemeClr val="bg1"/>
+                </a:solidFill>
+              </a:rPr>
+              <a:t>0. </a:t>
+            </a:r>
+            <a:r>
+              <a:rPr lang="ko-KR" altLang="en-US" sz="4800" b="1" dirty="0">
+                <a:solidFill>
+                  <a:schemeClr val="bg1"/>
+                </a:solidFill>
+              </a:rPr>
+              <a:t>악성코드 동향</a:t>
+            </a:r>
           </a:p>
         </p:txBody>
       </p:sp>
@@ -9720,8 +10505,8 @@
     <p:bg>
       <p:bgPr>
         <a:solidFill>
-          <a:schemeClr val="tx2">
-            <a:lumMod val="75000"/>
+          <a:schemeClr val="bg1">
+            <a:lumMod val="85000"/>
           </a:schemeClr>
         </a:solidFill>
         <a:effectLst/>
@@ -9743,89 +10528,6 @@
       </p:grpSpPr>
       <p:sp>
         <p:nvSpPr>
-          <p:cNvPr id="11" name="직사각형 10"/>
-          <p:cNvSpPr/>
-          <p:nvPr/>
-        </p:nvSpPr>
-        <p:spPr>
-          <a:xfrm>
-            <a:off x="351691" y="2143548"/>
-            <a:ext cx="11236570" cy="4190556"/>
-          </a:xfrm>
-          <a:prstGeom prst="rect">
-            <a:avLst/>
-          </a:prstGeom>
-          <a:solidFill>
-            <a:schemeClr val="tx1">
-              <a:alpha val="48000"/>
-            </a:schemeClr>
-          </a:solidFill>
-          <a:ln>
-            <a:noFill/>
-          </a:ln>
-        </p:spPr>
-        <p:style>
-          <a:lnRef idx="2">
-            <a:schemeClr val="accent1">
-              <a:shade val="50000"/>
-            </a:schemeClr>
-          </a:lnRef>
-          <a:fillRef idx="1">
-            <a:schemeClr val="accent1"/>
-          </a:fillRef>
-          <a:effectRef idx="0">
-            <a:schemeClr val="accent1"/>
-          </a:effectRef>
-          <a:fontRef idx="minor">
-            <a:schemeClr val="lt1"/>
-          </a:fontRef>
-        </p:style>
-        <p:txBody>
-          <a:bodyPr rtlCol="0" anchor="ctr"/>
-          <a:lstStyle/>
-          <a:p>
-            <a:pPr algn="ctr"/>
-            <a:endParaRPr lang="ko-KR" altLang="en-US"/>
-          </a:p>
-        </p:txBody>
-      </p:sp>
-      <p:sp>
-        <p:nvSpPr>
-          <p:cNvPr id="6" name="TextBox 5"/>
-          <p:cNvSpPr txBox="1"/>
-          <p:nvPr/>
-        </p:nvSpPr>
-        <p:spPr>
-          <a:xfrm>
-            <a:off x="240144" y="434109"/>
-            <a:ext cx="11549826" cy="830997"/>
-          </a:xfrm>
-          <a:prstGeom prst="rect">
-            <a:avLst/>
-          </a:prstGeom>
-          <a:solidFill>
-            <a:srgbClr val="66FFCC"/>
-          </a:solidFill>
-        </p:spPr>
-        <p:txBody>
-          <a:bodyPr wrap="square" rtlCol="0">
-            <a:spAutoFit/>
-          </a:bodyPr>
-          <a:lstStyle/>
-          <a:p>
-            <a:r>
-              <a:rPr lang="en-US" altLang="ko-KR" sz="4800" b="1" dirty="0"/>
-              <a:t>0. </a:t>
-            </a:r>
-            <a:r>
-              <a:rPr lang="ko-KR" altLang="en-US" sz="4800" b="1" dirty="0"/>
-              <a:t>악성코드 동향</a:t>
-            </a:r>
-          </a:p>
-        </p:txBody>
-      </p:sp>
-      <p:sp>
-        <p:nvSpPr>
           <p:cNvPr id="3" name="Rectangle 2">
             <a:extLst>
               <a:ext uri="{FF2B5EF4-FFF2-40B4-BE49-F238E27FC236}">
@@ -9888,15 +10590,15 @@
         </p:nvSpPr>
         <p:spPr>
           <a:xfrm>
-            <a:off x="240144" y="1423264"/>
-            <a:ext cx="4538422" cy="584775"/>
+            <a:off x="7095036" y="5894135"/>
+            <a:ext cx="4502750" cy="584775"/>
           </a:xfrm>
           <a:prstGeom prst="rect">
             <a:avLst/>
           </a:prstGeom>
         </p:spPr>
         <p:txBody>
-          <a:bodyPr wrap="none">
+          <a:bodyPr wrap="square">
             <a:spAutoFit/>
           </a:bodyPr>
           <a:lstStyle/>
@@ -9904,7 +10606,10 @@
             <a:r>
               <a:rPr lang="en-US" sz="3200" b="1" dirty="0">
                 <a:solidFill>
-                  <a:schemeClr val="bg1"/>
+                  <a:schemeClr val="tx1">
+                    <a:lumMod val="65000"/>
+                    <a:lumOff val="35000"/>
+                  </a:schemeClr>
                 </a:solidFill>
               </a:rPr>
               <a:t>2018/12 </a:t>
@@ -9912,14 +10617,20 @@
             <a:r>
               <a:rPr lang="ko-KR" altLang="en-US" sz="3200" b="1" dirty="0">
                 <a:solidFill>
-                  <a:schemeClr val="bg1"/>
+                  <a:schemeClr val="tx1">
+                    <a:lumMod val="65000"/>
+                    <a:lumOff val="35000"/>
+                  </a:schemeClr>
                 </a:solidFill>
               </a:rPr>
               <a:t>악성코드 통계</a:t>
             </a:r>
             <a:endParaRPr lang="en-US" sz="3200" b="1" dirty="0">
               <a:solidFill>
-                <a:schemeClr val="bg1"/>
+                <a:schemeClr val="tx1">
+                  <a:lumMod val="65000"/>
+                  <a:lumOff val="35000"/>
+                </a:schemeClr>
               </a:solidFill>
             </a:endParaRPr>
           </a:p>
@@ -9941,8 +10652,8 @@
         </p:blipFill>
         <p:spPr>
           <a:xfrm>
-            <a:off x="1500464" y="2490847"/>
-            <a:ext cx="9029185" cy="3495957"/>
+            <a:off x="570498" y="1666876"/>
+            <a:ext cx="10893509" cy="4217794"/>
           </a:xfrm>
           <a:prstGeom prst="rect">
             <a:avLst/>
@@ -9968,7 +10679,7 @@
         </p:nvSpPr>
         <p:spPr>
           <a:xfrm>
-            <a:off x="2286000" y="5401740"/>
+            <a:off x="1619250" y="5270185"/>
             <a:ext cx="1371599" cy="369332"/>
           </a:xfrm>
           <a:prstGeom prst="rect">
@@ -10004,7 +10715,7 @@
         </p:nvSpPr>
         <p:spPr>
           <a:xfrm>
-            <a:off x="4570282" y="5434736"/>
+            <a:off x="4413641" y="5270185"/>
             <a:ext cx="1371599" cy="369332"/>
           </a:xfrm>
           <a:prstGeom prst="rect">
@@ -10040,7 +10751,7 @@
         </p:nvSpPr>
         <p:spPr>
           <a:xfrm>
-            <a:off x="6541282" y="5401740"/>
+            <a:off x="6807982" y="5280775"/>
             <a:ext cx="1371599" cy="369332"/>
           </a:xfrm>
           <a:prstGeom prst="rect">
@@ -10055,7 +10766,7 @@
           <a:lstStyle/>
           <a:p>
             <a:r>
-              <a:rPr lang="ko-KR" altLang="en-US"/>
+              <a:rPr lang="ko-KR" altLang="en-US" dirty="0"/>
               <a:t>메일스팸</a:t>
             </a:r>
             <a:endParaRPr lang="en-US" dirty="0"/>
@@ -10076,7 +10787,7 @@
         </p:nvSpPr>
         <p:spPr>
           <a:xfrm>
-            <a:off x="8668923" y="5401740"/>
+            <a:off x="9488073" y="5280775"/>
             <a:ext cx="1371599" cy="369332"/>
           </a:xfrm>
           <a:prstGeom prst="rect">
@@ -10095,6 +10806,55 @@
               <a:t>네트워크</a:t>
             </a:r>
             <a:endParaRPr lang="en-US" dirty="0"/>
+          </a:p>
+        </p:txBody>
+      </p:sp>
+      <p:sp>
+        <p:nvSpPr>
+          <p:cNvPr id="14" name="TextBox 13">
+            <a:extLst>
+              <a:ext uri="{FF2B5EF4-FFF2-40B4-BE49-F238E27FC236}">
+                <a16:creationId xmlns:a16="http://schemas.microsoft.com/office/drawing/2014/main" id="{04FBF2D4-4276-42AD-8C8C-647B62C460E9}"/>
+              </a:ext>
+            </a:extLst>
+          </p:cNvPr>
+          <p:cNvSpPr txBox="1"/>
+          <p:nvPr/>
+        </p:nvSpPr>
+        <p:spPr>
+          <a:xfrm>
+            <a:off x="321088" y="393937"/>
+            <a:ext cx="11549823" cy="830997"/>
+          </a:xfrm>
+          <a:prstGeom prst="rect">
+            <a:avLst/>
+          </a:prstGeom>
+          <a:solidFill>
+            <a:srgbClr val="00B0F0"/>
+          </a:solidFill>
+        </p:spPr>
+        <p:txBody>
+          <a:bodyPr wrap="square" rtlCol="0">
+            <a:spAutoFit/>
+          </a:bodyPr>
+          <a:lstStyle/>
+          <a:p>
+            <a:r>
+              <a:rPr lang="en-US" altLang="ko-KR" sz="4800" b="1" dirty="0">
+                <a:solidFill>
+                  <a:schemeClr val="bg1"/>
+                </a:solidFill>
+              </a:rPr>
+              <a:t>0. </a:t>
+            </a:r>
+            <a:r>
+              <a:rPr lang="ko-KR" altLang="en-US" sz="4800" b="1" dirty="0">
+                <a:solidFill>
+                  <a:schemeClr val="bg1"/>
+                </a:solidFill>
+              </a:rPr>
+              <a:t>악성코드 동향</a:t>
+            </a:r>
           </a:p>
         </p:txBody>
       </p:sp>
@@ -10117,8 +10877,8 @@
     <p:bg>
       <p:bgPr>
         <a:solidFill>
-          <a:schemeClr val="tx2">
-            <a:lumMod val="75000"/>
+          <a:schemeClr val="bg1">
+            <a:lumMod val="85000"/>
           </a:schemeClr>
         </a:solidFill>
         <a:effectLst/>
@@ -10140,21 +10900,30 @@
       </p:grpSpPr>
       <p:sp>
         <p:nvSpPr>
-          <p:cNvPr id="6" name="TextBox 5"/>
+          <p:cNvPr id="10" name="TextBox 9"/>
           <p:cNvSpPr txBox="1"/>
           <p:nvPr/>
         </p:nvSpPr>
         <p:spPr>
           <a:xfrm>
-            <a:off x="240144" y="434109"/>
-            <a:ext cx="11549823" cy="830997"/>
+            <a:off x="240143" y="1560669"/>
+            <a:ext cx="6437747" cy="3108543"/>
           </a:xfrm>
           <a:prstGeom prst="rect">
             <a:avLst/>
           </a:prstGeom>
           <a:solidFill>
-            <a:srgbClr val="66FFCC"/>
+            <a:schemeClr val="bg1">
+              <a:lumMod val="85000"/>
+            </a:schemeClr>
           </a:solidFill>
+          <a:ln>
+            <a:solidFill>
+              <a:schemeClr val="bg1">
+                <a:lumMod val="85000"/>
+              </a:schemeClr>
+            </a:solidFill>
+          </a:ln>
         </p:spPr>
         <p:txBody>
           <a:bodyPr wrap="square" rtlCol="0">
@@ -10163,34 +10932,271 @@
           <a:lstStyle/>
           <a:p>
             <a:r>
-              <a:rPr lang="en-US" altLang="ko-KR" sz="4800" b="1" dirty="0"/>
-              <a:t>1. </a:t>
-            </a:r>
-            <a:r>
-              <a:rPr lang="ko-KR" altLang="en-US" sz="4800" b="1" dirty="0"/>
-              <a:t>기존</a:t>
-            </a:r>
-            <a:r>
-              <a:rPr lang="en-US" altLang="ko-KR" sz="4800" b="1" dirty="0"/>
-              <a:t> Shellcode</a:t>
-            </a:r>
-            <a:r>
-              <a:rPr lang="ko-KR" altLang="en-US" sz="4800" b="1" dirty="0"/>
-              <a:t>의 문제점</a:t>
-            </a:r>
+              <a:rPr lang="en-US" altLang="ko-KR" sz="2800" dirty="0">
+                <a:solidFill>
+                  <a:schemeClr val="tx1">
+                    <a:lumMod val="65000"/>
+                    <a:lumOff val="35000"/>
+                  </a:schemeClr>
+                </a:solidFill>
+              </a:rPr>
+              <a:t>Shellcode</a:t>
+            </a:r>
+            <a:r>
+              <a:rPr lang="ko-KR" altLang="en-US" sz="2800" dirty="0">
+                <a:solidFill>
+                  <a:schemeClr val="tx1">
+                    <a:lumMod val="65000"/>
+                    <a:lumOff val="35000"/>
+                  </a:schemeClr>
+                </a:solidFill>
+              </a:rPr>
+              <a:t>를 사용하는 이유</a:t>
+            </a:r>
+            <a:endParaRPr lang="en-US" altLang="ko-KR" sz="2800" dirty="0">
+              <a:solidFill>
+                <a:schemeClr val="tx1">
+                  <a:lumMod val="65000"/>
+                  <a:lumOff val="35000"/>
+                </a:schemeClr>
+              </a:solidFill>
+            </a:endParaRPr>
+          </a:p>
+          <a:p>
+            <a:endParaRPr lang="en-US" altLang="ko-KR" sz="2000" dirty="0">
+              <a:solidFill>
+                <a:schemeClr val="tx1">
+                  <a:lumMod val="65000"/>
+                  <a:lumOff val="35000"/>
+                </a:schemeClr>
+              </a:solidFill>
+            </a:endParaRPr>
+          </a:p>
+          <a:p>
+            <a:r>
+              <a:rPr lang="ko-KR" altLang="en-US" sz="2000" dirty="0">
+                <a:solidFill>
+                  <a:schemeClr val="tx1">
+                    <a:lumMod val="65000"/>
+                    <a:lumOff val="35000"/>
+                  </a:schemeClr>
+                </a:solidFill>
+              </a:rPr>
+              <a:t>일반적인 </a:t>
+            </a:r>
+            <a:r>
+              <a:rPr lang="en-US" altLang="ko-KR" sz="2000" dirty="0">
+                <a:solidFill>
+                  <a:schemeClr val="tx1">
+                    <a:lumMod val="65000"/>
+                    <a:lumOff val="35000"/>
+                  </a:schemeClr>
+                </a:solidFill>
+              </a:rPr>
+              <a:t>shellcode</a:t>
+            </a:r>
+            <a:r>
+              <a:rPr lang="ko-KR" altLang="en-US" sz="2000" dirty="0">
+                <a:solidFill>
+                  <a:schemeClr val="tx1">
+                    <a:lumMod val="65000"/>
+                    <a:lumOff val="35000"/>
+                  </a:schemeClr>
+                </a:solidFill>
+              </a:rPr>
+              <a:t>가 실행되기위해서는 특정 </a:t>
+            </a:r>
+            <a:r>
+              <a:rPr lang="en-US" altLang="ko-KR" sz="2000" dirty="0">
+                <a:solidFill>
+                  <a:schemeClr val="tx1">
+                    <a:lumMod val="65000"/>
+                    <a:lumOff val="35000"/>
+                  </a:schemeClr>
+                </a:solidFill>
+              </a:rPr>
+              <a:t>OS</a:t>
+            </a:r>
+            <a:r>
+              <a:rPr lang="ko-KR" altLang="en-US" sz="2000" dirty="0">
+                <a:solidFill>
+                  <a:schemeClr val="tx1">
+                    <a:lumMod val="65000"/>
+                    <a:lumOff val="35000"/>
+                  </a:schemeClr>
+                </a:solidFill>
+              </a:rPr>
+              <a:t>에 의존적인 형태로 존재 </a:t>
+            </a:r>
+            <a:r>
+              <a:rPr lang="en-US" altLang="ko-KR" sz="2000" dirty="0">
+                <a:solidFill>
+                  <a:schemeClr val="tx1">
+                    <a:lumMod val="65000"/>
+                    <a:lumOff val="35000"/>
+                  </a:schemeClr>
+                </a:solidFill>
+              </a:rPr>
+              <a:t>(ex: </a:t>
+            </a:r>
+            <a:r>
+              <a:rPr lang="ko-KR" altLang="en-US" sz="2000" dirty="0">
+                <a:solidFill>
+                  <a:schemeClr val="tx1">
+                    <a:lumMod val="65000"/>
+                    <a:lumOff val="35000"/>
+                  </a:schemeClr>
+                </a:solidFill>
+              </a:rPr>
+              <a:t>호출 </a:t>
+            </a:r>
+            <a:r>
+              <a:rPr lang="en-US" altLang="ko-KR" sz="2000" dirty="0">
+                <a:solidFill>
+                  <a:schemeClr val="tx1">
+                    <a:lumMod val="65000"/>
+                    <a:lumOff val="35000"/>
+                  </a:schemeClr>
+                </a:solidFill>
+              </a:rPr>
+              <a:t>API </a:t>
+            </a:r>
+            <a:r>
+              <a:rPr lang="ko-KR" altLang="en-US" sz="2000" dirty="0">
+                <a:solidFill>
+                  <a:schemeClr val="tx1">
+                    <a:lumMod val="65000"/>
+                    <a:lumOff val="35000"/>
+                  </a:schemeClr>
+                </a:solidFill>
+              </a:rPr>
+              <a:t>상수값 호출</a:t>
+            </a:r>
+            <a:r>
+              <a:rPr lang="en-US" altLang="ko-KR" sz="2000" dirty="0">
+                <a:solidFill>
+                  <a:schemeClr val="tx1">
+                    <a:lumMod val="65000"/>
+                    <a:lumOff val="35000"/>
+                  </a:schemeClr>
+                </a:solidFill>
+              </a:rPr>
+              <a:t>)</a:t>
+            </a:r>
+          </a:p>
+          <a:p>
+            <a:endParaRPr lang="en-US" altLang="ko-KR" sz="2000" dirty="0">
+              <a:solidFill>
+                <a:schemeClr val="tx1">
+                  <a:lumMod val="65000"/>
+                  <a:lumOff val="35000"/>
+                </a:schemeClr>
+              </a:solidFill>
+            </a:endParaRPr>
+          </a:p>
+          <a:p>
+            <a:r>
+              <a:rPr lang="ko-KR" altLang="en-US" sz="2000" dirty="0">
+                <a:solidFill>
+                  <a:schemeClr val="tx1">
+                    <a:lumMod val="65000"/>
+                    <a:lumOff val="35000"/>
+                  </a:schemeClr>
+                </a:solidFill>
+              </a:rPr>
+              <a:t>하지만 </a:t>
+            </a:r>
+            <a:r>
+              <a:rPr lang="en-US" altLang="ko-KR" sz="2000" dirty="0">
+                <a:solidFill>
+                  <a:schemeClr val="tx1">
+                    <a:lumMod val="65000"/>
+                    <a:lumOff val="35000"/>
+                  </a:schemeClr>
+                </a:solidFill>
+              </a:rPr>
+              <a:t>malicious shellcode</a:t>
+            </a:r>
+            <a:r>
+              <a:rPr lang="ko-KR" altLang="en-US" sz="2000" dirty="0">
+                <a:solidFill>
+                  <a:schemeClr val="tx1">
+                    <a:lumMod val="65000"/>
+                    <a:lumOff val="35000"/>
+                  </a:schemeClr>
+                </a:solidFill>
+              </a:rPr>
+              <a:t>는 독립적 코드형태로 존재하기때문에</a:t>
+            </a:r>
+            <a:r>
+              <a:rPr lang="en-US" altLang="ko-KR" sz="2000" dirty="0">
+                <a:solidFill>
+                  <a:schemeClr val="tx1">
+                    <a:lumMod val="65000"/>
+                    <a:lumOff val="35000"/>
+                  </a:schemeClr>
+                </a:solidFill>
+              </a:rPr>
+              <a:t> </a:t>
+            </a:r>
+            <a:r>
+              <a:rPr lang="ko-KR" altLang="en-US" sz="2000" dirty="0">
+                <a:solidFill>
+                  <a:schemeClr val="tx1">
+                    <a:lumMod val="65000"/>
+                    <a:lumOff val="35000"/>
+                  </a:schemeClr>
+                </a:solidFill>
+              </a:rPr>
+              <a:t>이식성과 범용성이 높아야함</a:t>
+            </a:r>
+            <a:r>
+              <a:rPr lang="en-US" altLang="ko-KR" sz="2000" dirty="0">
+                <a:solidFill>
+                  <a:schemeClr val="tx1">
+                    <a:lumMod val="65000"/>
+                    <a:lumOff val="35000"/>
+                  </a:schemeClr>
+                </a:solidFill>
+              </a:rPr>
+              <a:t>.</a:t>
+            </a:r>
+          </a:p>
+          <a:p>
+            <a:endParaRPr lang="en-US" altLang="ko-KR" sz="2000" dirty="0">
+              <a:solidFill>
+                <a:schemeClr val="tx1">
+                  <a:lumMod val="65000"/>
+                  <a:lumOff val="35000"/>
+                </a:schemeClr>
+              </a:solidFill>
+            </a:endParaRPr>
+          </a:p>
+          <a:p>
+            <a:endParaRPr lang="ko-KR" altLang="en-US" sz="2800" dirty="0">
+              <a:solidFill>
+                <a:schemeClr val="bg1"/>
+              </a:solidFill>
+            </a:endParaRPr>
           </a:p>
         </p:txBody>
       </p:sp>
       <p:pic>
         <p:nvPicPr>
-          <p:cNvPr id="3074" name="Picture 2" descr="https://t1.daumcdn.net/cfile/tistory/9974FA335A0039B30C"/>
+          <p:cNvPr id="1038" name="Picture 14" descr="windows  10 mark에 대한 이미지 검색결과">
+            <a:extLst>
+              <a:ext uri="{FF2B5EF4-FFF2-40B4-BE49-F238E27FC236}">
+                <a16:creationId xmlns:a16="http://schemas.microsoft.com/office/drawing/2014/main" id="{57997E85-3676-403F-9ACC-EBC0E986E6F2}"/>
+              </a:ext>
+            </a:extLst>
+          </p:cNvPr>
           <p:cNvPicPr>
             <a:picLocks noChangeAspect="1" noChangeArrowheads="1"/>
           </p:cNvPicPr>
           <p:nvPr/>
         </p:nvPicPr>
         <p:blipFill>
-          <a:blip r:embed="rId2">
+          <a:blip r:embed="rId2" cstate="print">
             <a:extLst>
               <a:ext uri="{28A0092B-C50C-407E-A947-70E740481C1C}">
                 <a14:useLocalDpi xmlns:a14="http://schemas.microsoft.com/office/drawing/2010/main" val="0"/>
@@ -10204,8 +11210,8 @@
         </p:blipFill>
         <p:spPr bwMode="auto">
           <a:xfrm>
-            <a:off x="6945743" y="1560669"/>
-            <a:ext cx="4359565" cy="4585733"/>
+            <a:off x="6886575" y="1476375"/>
+            <a:ext cx="2667000" cy="1666875"/>
           </a:xfrm>
           <a:prstGeom prst="rect">
             <a:avLst/>
@@ -10222,26 +11228,170 @@
           </a:extLst>
         </p:spPr>
       </p:pic>
-      <p:sp>
-        <p:nvSpPr>
-          <p:cNvPr id="10" name="TextBox 9"/>
+      <p:pic>
+        <p:nvPicPr>
+          <p:cNvPr id="1040" name="Picture 16" descr="debian logo에 대한 이미지 검색결과">
+            <a:extLst>
+              <a:ext uri="{FF2B5EF4-FFF2-40B4-BE49-F238E27FC236}">
+                <a16:creationId xmlns:a16="http://schemas.microsoft.com/office/drawing/2014/main" id="{F7E74C89-5FA1-413E-B03B-E0E6B560F86E}"/>
+              </a:ext>
+            </a:extLst>
+          </p:cNvPr>
+          <p:cNvPicPr>
+            <a:picLocks noChangeAspect="1" noChangeArrowheads="1"/>
+          </p:cNvPicPr>
+          <p:nvPr/>
+        </p:nvPicPr>
+        <p:blipFill>
+          <a:blip r:embed="rId3">
+            <a:extLst>
+              <a:ext uri="{28A0092B-C50C-407E-A947-70E740481C1C}">
+                <a14:useLocalDpi xmlns:a14="http://schemas.microsoft.com/office/drawing/2010/main" val="0"/>
+              </a:ext>
+            </a:extLst>
+          </a:blip>
+          <a:srcRect/>
+          <a:stretch>
+            <a:fillRect/>
+          </a:stretch>
+        </p:blipFill>
+        <p:spPr bwMode="auto">
+          <a:xfrm>
+            <a:off x="6886575" y="3393237"/>
+            <a:ext cx="2747086" cy="1328119"/>
+          </a:xfrm>
+          <a:prstGeom prst="rect">
+            <a:avLst/>
+          </a:prstGeom>
+          <a:noFill/>
+          <a:extLst>
+            <a:ext uri="{909E8E84-426E-40DD-AFC4-6F175D3DCCD1}">
+              <a14:hiddenFill xmlns:a14="http://schemas.microsoft.com/office/drawing/2010/main">
+                <a:solidFill>
+                  <a:srgbClr val="FFFFFF"/>
+                </a:solidFill>
+              </a14:hiddenFill>
+            </a:ext>
+          </a:extLst>
+        </p:spPr>
+      </p:pic>
+      <p:pic>
+        <p:nvPicPr>
+          <p:cNvPr id="1042" name="Picture 18" descr="windows 7에 대한 이미지 검색결과">
+            <a:extLst>
+              <a:ext uri="{FF2B5EF4-FFF2-40B4-BE49-F238E27FC236}">
+                <a16:creationId xmlns:a16="http://schemas.microsoft.com/office/drawing/2014/main" id="{98CE5009-4CF3-40EB-BC8C-F75D5B30FE05}"/>
+              </a:ext>
+            </a:extLst>
+          </p:cNvPr>
+          <p:cNvPicPr>
+            <a:picLocks noChangeAspect="1" noChangeArrowheads="1"/>
+          </p:cNvPicPr>
+          <p:nvPr/>
+        </p:nvPicPr>
+        <p:blipFill>
+          <a:blip r:embed="rId4" cstate="print">
+            <a:extLst>
+              <a:ext uri="{28A0092B-C50C-407E-A947-70E740481C1C}">
+                <a14:useLocalDpi xmlns:a14="http://schemas.microsoft.com/office/drawing/2010/main" val="0"/>
+              </a:ext>
+            </a:extLst>
+          </a:blip>
+          <a:srcRect/>
+          <a:stretch>
+            <a:fillRect/>
+          </a:stretch>
+        </p:blipFill>
+        <p:spPr bwMode="auto">
+          <a:xfrm>
+            <a:off x="10006985" y="1516547"/>
+            <a:ext cx="1782982" cy="2540749"/>
+          </a:xfrm>
+          <a:prstGeom prst="rect">
+            <a:avLst/>
+          </a:prstGeom>
+          <a:noFill/>
+          <a:extLst>
+            <a:ext uri="{909E8E84-426E-40DD-AFC4-6F175D3DCCD1}">
+              <a14:hiddenFill xmlns:a14="http://schemas.microsoft.com/office/drawing/2010/main">
+                <a:solidFill>
+                  <a:srgbClr val="FFFFFF"/>
+                </a:solidFill>
+              </a14:hiddenFill>
+            </a:ext>
+          </a:extLst>
+        </p:spPr>
+      </p:pic>
+      <p:pic>
+        <p:nvPicPr>
+          <p:cNvPr id="1044" name="Picture 20" descr="ubuntu에 대한 이미지 검색결과">
+            <a:extLst>
+              <a:ext uri="{FF2B5EF4-FFF2-40B4-BE49-F238E27FC236}">
+                <a16:creationId xmlns:a16="http://schemas.microsoft.com/office/drawing/2014/main" id="{00C74531-1252-4708-9DBF-889274FDDC55}"/>
+              </a:ext>
+            </a:extLst>
+          </p:cNvPr>
+          <p:cNvPicPr>
+            <a:picLocks noChangeAspect="1" noChangeArrowheads="1"/>
+          </p:cNvPicPr>
+          <p:nvPr/>
+        </p:nvPicPr>
+        <p:blipFill>
+          <a:blip r:embed="rId5" cstate="print">
+            <a:extLst>
+              <a:ext uri="{28A0092B-C50C-407E-A947-70E740481C1C}">
+                <a14:useLocalDpi xmlns:a14="http://schemas.microsoft.com/office/drawing/2010/main" val="0"/>
+              </a:ext>
+            </a:extLst>
+          </a:blip>
+          <a:srcRect/>
+          <a:stretch>
+            <a:fillRect/>
+          </a:stretch>
+        </p:blipFill>
+        <p:spPr bwMode="auto">
+          <a:xfrm>
+            <a:off x="9842346" y="4308737"/>
+            <a:ext cx="1930907" cy="1510468"/>
+          </a:xfrm>
+          <a:prstGeom prst="rect">
+            <a:avLst/>
+          </a:prstGeom>
+          <a:noFill/>
+          <a:extLst>
+            <a:ext uri="{909E8E84-426E-40DD-AFC4-6F175D3DCCD1}">
+              <a14:hiddenFill xmlns:a14="http://schemas.microsoft.com/office/drawing/2010/main">
+                <a:solidFill>
+                  <a:srgbClr val="FFFFFF"/>
+                </a:solidFill>
+              </a14:hiddenFill>
+            </a:ext>
+          </a:extLst>
+        </p:spPr>
+      </p:pic>
+      <p:sp>
+        <p:nvSpPr>
+          <p:cNvPr id="16" name="TextBox 15">
+            <a:extLst>
+              <a:ext uri="{FF2B5EF4-FFF2-40B4-BE49-F238E27FC236}">
+                <a16:creationId xmlns:a16="http://schemas.microsoft.com/office/drawing/2014/main" id="{6E26497A-DFCC-4A4F-AED8-FB0161E47BBD}"/>
+              </a:ext>
+            </a:extLst>
+          </p:cNvPr>
           <p:cNvSpPr txBox="1"/>
           <p:nvPr/>
         </p:nvSpPr>
         <p:spPr>
           <a:xfrm>
-            <a:off x="240143" y="1560669"/>
-            <a:ext cx="6437747" cy="2246769"/>
+            <a:off x="321088" y="393937"/>
+            <a:ext cx="11549823" cy="830997"/>
           </a:xfrm>
           <a:prstGeom prst="rect">
             <a:avLst/>
           </a:prstGeom>
-          <a:noFill/>
-          <a:ln>
-            <a:solidFill>
-              <a:schemeClr val="bg1"/>
-            </a:solidFill>
-          </a:ln>
+          <a:solidFill>
+            <a:srgbClr val="00B0F0"/>
+          </a:solidFill>
         </p:spPr>
         <p:txBody>
           <a:bodyPr wrap="square" rtlCol="0">
@@ -10250,199 +11400,37 @@
           <a:lstStyle/>
           <a:p>
             <a:r>
-              <a:rPr lang="ko-KR" altLang="en-US" sz="2800" dirty="0">
+              <a:rPr lang="en-US" altLang="ko-KR" sz="4800" b="1" dirty="0">
                 <a:solidFill>
                   <a:schemeClr val="bg1"/>
                 </a:solidFill>
               </a:rPr>
-              <a:t>기존 </a:t>
-            </a:r>
-            <a:r>
-              <a:rPr lang="en-US" altLang="ko-KR" sz="2800" dirty="0">
+              <a:t>1. </a:t>
+            </a:r>
+            <a:r>
+              <a:rPr lang="ko-KR" altLang="en-US" sz="4800" b="1" dirty="0">
                 <a:solidFill>
                   <a:schemeClr val="bg1"/>
                 </a:solidFill>
               </a:rPr>
-              <a:t>shellcode</a:t>
-            </a:r>
-            <a:r>
-              <a:rPr lang="ko-KR" altLang="en-US" sz="2800" dirty="0">
+              <a:t>기존</a:t>
+            </a:r>
+            <a:r>
+              <a:rPr lang="en-US" altLang="ko-KR" sz="4800" b="1" dirty="0">
                 <a:solidFill>
                   <a:schemeClr val="bg1"/>
                 </a:solidFill>
               </a:rPr>
-              <a:t>는 호출하는 </a:t>
-            </a:r>
-            <a:r>
-              <a:rPr lang="en-US" altLang="ko-KR" sz="2800" dirty="0">
+              <a:t> Shellcode</a:t>
+            </a:r>
+            <a:r>
+              <a:rPr lang="ko-KR" altLang="en-US" sz="4800" b="1" dirty="0">
                 <a:solidFill>
                   <a:schemeClr val="bg1"/>
                 </a:solidFill>
               </a:rPr>
-              <a:t>API</a:t>
-            </a:r>
-            <a:r>
-              <a:rPr lang="ko-KR" altLang="en-US" sz="2800" dirty="0">
-                <a:solidFill>
-                  <a:schemeClr val="bg1"/>
-                </a:solidFill>
-              </a:rPr>
-              <a:t>의 </a:t>
-            </a:r>
-            <a:endParaRPr lang="en-US" altLang="ko-KR" sz="2800" dirty="0">
-              <a:solidFill>
-                <a:schemeClr val="bg1"/>
-              </a:solidFill>
-            </a:endParaRPr>
-          </a:p>
-          <a:p>
-            <a:r>
-              <a:rPr lang="ko-KR" altLang="en-US" sz="2800" dirty="0">
-                <a:solidFill>
-                  <a:schemeClr val="bg1"/>
-                </a:solidFill>
-              </a:rPr>
-              <a:t>주소가 상수</a:t>
-            </a:r>
-            <a:br>
-              <a:rPr lang="en-US" altLang="ko-KR" sz="2800" dirty="0">
-                <a:solidFill>
-                  <a:schemeClr val="bg1"/>
-                </a:solidFill>
-              </a:rPr>
-            </a:br>
-            <a:br>
-              <a:rPr lang="en-US" altLang="ko-KR" sz="2800" dirty="0">
-                <a:solidFill>
-                  <a:schemeClr val="bg1"/>
-                </a:solidFill>
-              </a:rPr>
-            </a:br>
-            <a:r>
-              <a:rPr lang="en-US" altLang="ko-KR" sz="2800" dirty="0">
-                <a:solidFill>
-                  <a:schemeClr val="bg1"/>
-                </a:solidFill>
-              </a:rPr>
-              <a:t>windows vista release 2007</a:t>
-            </a:r>
-            <a:r>
-              <a:rPr lang="ko-KR" altLang="en-US" sz="2800" dirty="0">
-                <a:solidFill>
-                  <a:schemeClr val="bg1"/>
-                </a:solidFill>
-              </a:rPr>
-              <a:t>이후부터는</a:t>
-            </a:r>
-            <a:r>
-              <a:rPr lang="en-US" altLang="ko-KR" sz="2800" dirty="0">
-                <a:solidFill>
-                  <a:schemeClr val="bg1"/>
-                </a:solidFill>
-              </a:rPr>
-              <a:t>, ASLR</a:t>
-            </a:r>
-            <a:r>
-              <a:rPr lang="ko-KR" altLang="en-US" sz="2800" dirty="0">
-                <a:solidFill>
-                  <a:schemeClr val="bg1"/>
-                </a:solidFill>
-              </a:rPr>
-              <a:t>이 적용됨</a:t>
-            </a:r>
-          </a:p>
-        </p:txBody>
-      </p:sp>
-      <p:sp>
-        <p:nvSpPr>
-          <p:cNvPr id="2" name="직사각형 1"/>
-          <p:cNvSpPr/>
-          <p:nvPr/>
-        </p:nvSpPr>
-        <p:spPr>
-          <a:xfrm>
-            <a:off x="240142" y="4053254"/>
-            <a:ext cx="6437747" cy="2093148"/>
-          </a:xfrm>
-          <a:prstGeom prst="rect">
-            <a:avLst/>
-          </a:prstGeom>
-          <a:solidFill>
-            <a:schemeClr val="accent1">
-              <a:lumMod val="50000"/>
-            </a:schemeClr>
-          </a:solidFill>
-          <a:ln>
-            <a:solidFill>
-              <a:schemeClr val="bg1"/>
-            </a:solidFill>
-          </a:ln>
-        </p:spPr>
-        <p:style>
-          <a:lnRef idx="2">
-            <a:schemeClr val="accent1">
-              <a:shade val="50000"/>
-            </a:schemeClr>
-          </a:lnRef>
-          <a:fillRef idx="1">
-            <a:schemeClr val="accent1"/>
-          </a:fillRef>
-          <a:effectRef idx="0">
-            <a:schemeClr val="accent1"/>
-          </a:effectRef>
-          <a:fontRef idx="minor">
-            <a:schemeClr val="lt1"/>
-          </a:fontRef>
-        </p:style>
-        <p:txBody>
-          <a:bodyPr rtlCol="0" anchor="ctr"/>
-          <a:lstStyle/>
-          <a:p>
-            <a:pPr algn="ctr"/>
-            <a:r>
-              <a:rPr lang="en-US" altLang="ko-KR" sz="3200" b="1" dirty="0">
-                <a:solidFill>
-                  <a:schemeClr val="bg1"/>
-                </a:solidFill>
-              </a:rPr>
-              <a:t>API</a:t>
-            </a:r>
-            <a:r>
-              <a:rPr lang="ko-KR" altLang="en-US" sz="3200" b="1" dirty="0">
-                <a:solidFill>
-                  <a:schemeClr val="bg1"/>
-                </a:solidFill>
-              </a:rPr>
-              <a:t>의 주소를 </a:t>
-            </a:r>
-            <a:br>
-              <a:rPr lang="en-US" altLang="ko-KR" sz="3200" b="1" dirty="0">
-                <a:solidFill>
-                  <a:schemeClr val="bg1"/>
-                </a:solidFill>
-              </a:rPr>
-            </a:br>
-            <a:r>
-              <a:rPr lang="ko-KR" altLang="en-US" sz="3200" b="1" dirty="0">
-                <a:solidFill>
-                  <a:schemeClr val="bg1"/>
-                </a:solidFill>
-              </a:rPr>
-              <a:t>동적으로 받아내서 호출해야함</a:t>
-            </a:r>
-            <a:r>
-              <a:rPr lang="en-US" altLang="ko-KR" sz="3200" b="1">
-                <a:solidFill>
-                  <a:schemeClr val="bg1"/>
-                </a:solidFill>
-              </a:rPr>
-              <a:t>!</a:t>
-            </a:r>
-            <a:endParaRPr lang="ko-KR" altLang="en-US" sz="3200" b="1" dirty="0">
-              <a:solidFill>
-                <a:schemeClr val="bg1"/>
-              </a:solidFill>
-            </a:endParaRPr>
+              <a:t>의 문제점</a:t>
+            </a:r>
           </a:p>
         </p:txBody>
       </p:sp>
@@ -10465,8 +11453,8 @@
     <p:bg>
       <p:bgPr>
         <a:solidFill>
-          <a:schemeClr val="tx2">
-            <a:lumMod val="75000"/>
+          <a:schemeClr val="bg1">
+            <a:lumMod val="85000"/>
           </a:schemeClr>
         </a:solidFill>
         <a:effectLst/>
@@ -10488,21 +11476,30 @@
       </p:grpSpPr>
       <p:sp>
         <p:nvSpPr>
-          <p:cNvPr id="6" name="TextBox 5"/>
+          <p:cNvPr id="10" name="TextBox 9"/>
           <p:cNvSpPr txBox="1"/>
           <p:nvPr/>
         </p:nvSpPr>
         <p:spPr>
           <a:xfrm>
-            <a:off x="240144" y="434109"/>
-            <a:ext cx="11549826" cy="830997"/>
+            <a:off x="240143" y="1560669"/>
+            <a:ext cx="6437747" cy="2492990"/>
           </a:xfrm>
           <a:prstGeom prst="rect">
             <a:avLst/>
           </a:prstGeom>
           <a:solidFill>
-            <a:srgbClr val="66FFCC"/>
+            <a:schemeClr val="bg1">
+              <a:lumMod val="85000"/>
+            </a:schemeClr>
           </a:solidFill>
+          <a:ln>
+            <a:solidFill>
+              <a:schemeClr val="bg1">
+                <a:lumMod val="85000"/>
+              </a:schemeClr>
+            </a:solidFill>
+          </a:ln>
         </p:spPr>
         <p:txBody>
           <a:bodyPr wrap="square" rtlCol="0">
@@ -10511,16 +11508,206 @@
           <a:lstStyle/>
           <a:p>
             <a:r>
-              <a:rPr lang="en-US" altLang="ko-KR" sz="4800" b="1" dirty="0"/>
-              <a:t>2. fs register!</a:t>
-            </a:r>
-            <a:endParaRPr lang="ko-KR" altLang="en-US" sz="4800" b="1" dirty="0"/>
+              <a:rPr lang="en-US" altLang="ko-KR" sz="2800" dirty="0">
+                <a:solidFill>
+                  <a:schemeClr val="tx1">
+                    <a:lumMod val="65000"/>
+                    <a:lumOff val="35000"/>
+                  </a:schemeClr>
+                </a:solidFill>
+              </a:rPr>
+              <a:t>Shellcode</a:t>
+            </a:r>
+            <a:r>
+              <a:rPr lang="ko-KR" altLang="en-US" sz="2800" dirty="0">
+                <a:solidFill>
+                  <a:schemeClr val="tx1">
+                    <a:lumMod val="65000"/>
+                    <a:lumOff val="35000"/>
+                  </a:schemeClr>
+                </a:solidFill>
+              </a:rPr>
+              <a:t>를 사용하는 이유</a:t>
+            </a:r>
+            <a:endParaRPr lang="en-US" altLang="ko-KR" sz="2800" dirty="0">
+              <a:solidFill>
+                <a:schemeClr val="tx1">
+                  <a:lumMod val="65000"/>
+                  <a:lumOff val="35000"/>
+                </a:schemeClr>
+              </a:solidFill>
+            </a:endParaRPr>
+          </a:p>
+          <a:p>
+            <a:endParaRPr lang="en-US" altLang="ko-KR" sz="2000" dirty="0">
+              <a:solidFill>
+                <a:schemeClr val="tx1">
+                  <a:lumMod val="65000"/>
+                  <a:lumOff val="35000"/>
+                </a:schemeClr>
+              </a:solidFill>
+            </a:endParaRPr>
+          </a:p>
+          <a:p>
+            <a:r>
+              <a:rPr lang="en-US" altLang="ko-KR" sz="2000" dirty="0">
+                <a:solidFill>
+                  <a:schemeClr val="tx1">
+                    <a:lumMod val="65000"/>
+                    <a:lumOff val="35000"/>
+                  </a:schemeClr>
+                </a:solidFill>
+              </a:rPr>
+              <a:t>Windows</a:t>
+            </a:r>
+            <a:r>
+              <a:rPr lang="ko-KR" altLang="en-US" sz="2000" dirty="0">
+                <a:solidFill>
+                  <a:schemeClr val="tx1">
+                    <a:lumMod val="65000"/>
+                    <a:lumOff val="35000"/>
+                  </a:schemeClr>
+                </a:solidFill>
+              </a:rPr>
+              <a:t> </a:t>
+            </a:r>
+            <a:r>
+              <a:rPr lang="en-US" altLang="ko-KR" sz="2000" dirty="0">
+                <a:solidFill>
+                  <a:schemeClr val="tx1">
+                    <a:lumMod val="65000"/>
+                    <a:lumOff val="35000"/>
+                  </a:schemeClr>
+                </a:solidFill>
+              </a:rPr>
+              <a:t>vista update</a:t>
+            </a:r>
+            <a:r>
+              <a:rPr lang="ko-KR" altLang="en-US" sz="2000" dirty="0">
+                <a:solidFill>
+                  <a:schemeClr val="tx1">
+                    <a:lumMod val="65000"/>
+                    <a:lumOff val="35000"/>
+                  </a:schemeClr>
+                </a:solidFill>
+              </a:rPr>
+              <a:t> 가 진행되며 </a:t>
+            </a:r>
+            <a:r>
+              <a:rPr lang="en-US" altLang="ko-KR" sz="2000" dirty="0">
+                <a:solidFill>
+                  <a:schemeClr val="tx1">
+                    <a:lumMod val="65000"/>
+                    <a:lumOff val="35000"/>
+                  </a:schemeClr>
+                </a:solidFill>
+              </a:rPr>
+              <a:t>ASLR</a:t>
+            </a:r>
+            <a:r>
+              <a:rPr lang="ko-KR" altLang="en-US" sz="2000" dirty="0">
+                <a:solidFill>
+                  <a:schemeClr val="tx1">
+                    <a:lumMod val="65000"/>
+                    <a:lumOff val="35000"/>
+                  </a:schemeClr>
+                </a:solidFill>
+              </a:rPr>
+              <a:t>보안기법이 </a:t>
+            </a:r>
+            <a:endParaRPr lang="en-US" altLang="ko-KR" sz="2000" dirty="0">
+              <a:solidFill>
+                <a:schemeClr val="tx1">
+                  <a:lumMod val="65000"/>
+                  <a:lumOff val="35000"/>
+                </a:schemeClr>
+              </a:solidFill>
+            </a:endParaRPr>
+          </a:p>
+          <a:p>
+            <a:r>
+              <a:rPr lang="ko-KR" altLang="en-US" sz="2000" dirty="0">
+                <a:solidFill>
+                  <a:schemeClr val="tx1">
+                    <a:lumMod val="65000"/>
+                    <a:lumOff val="35000"/>
+                  </a:schemeClr>
+                </a:solidFill>
+              </a:rPr>
+              <a:t>적용되면서 더이상 정적으로 </a:t>
+            </a:r>
+            <a:r>
+              <a:rPr lang="en-US" altLang="ko-KR" sz="2000" dirty="0">
+                <a:solidFill>
+                  <a:schemeClr val="tx1">
+                    <a:lumMod val="65000"/>
+                    <a:lumOff val="35000"/>
+                  </a:schemeClr>
+                </a:solidFill>
+              </a:rPr>
+              <a:t>API</a:t>
+            </a:r>
+            <a:r>
+              <a:rPr lang="ko-KR" altLang="en-US" sz="2000" dirty="0">
+                <a:solidFill>
+                  <a:schemeClr val="tx1">
+                    <a:lumMod val="65000"/>
+                    <a:lumOff val="35000"/>
+                  </a:schemeClr>
+                </a:solidFill>
+              </a:rPr>
+              <a:t>주소접근이 불가능함</a:t>
+            </a:r>
+            <a:r>
+              <a:rPr lang="en-US" altLang="ko-KR" sz="2000" dirty="0">
+                <a:solidFill>
+                  <a:schemeClr val="tx1">
+                    <a:lumMod val="65000"/>
+                    <a:lumOff val="35000"/>
+                  </a:schemeClr>
+                </a:solidFill>
+              </a:rPr>
+              <a:t>.</a:t>
+            </a:r>
+          </a:p>
+          <a:p>
+            <a:endParaRPr lang="en-US" altLang="ko-KR" sz="2000" dirty="0">
+              <a:solidFill>
+                <a:schemeClr val="tx1">
+                  <a:lumMod val="65000"/>
+                  <a:lumOff val="35000"/>
+                </a:schemeClr>
+              </a:solidFill>
+            </a:endParaRPr>
+          </a:p>
+          <a:p>
+            <a:endParaRPr lang="en-US" altLang="ko-KR" sz="2000" dirty="0">
+              <a:solidFill>
+                <a:schemeClr val="tx1">
+                  <a:lumMod val="65000"/>
+                  <a:lumOff val="35000"/>
+                </a:schemeClr>
+              </a:solidFill>
+            </a:endParaRPr>
+          </a:p>
+          <a:p>
+            <a:endParaRPr lang="ko-KR" altLang="en-US" sz="2800" dirty="0">
+              <a:solidFill>
+                <a:schemeClr val="bg1"/>
+              </a:solidFill>
+            </a:endParaRPr>
           </a:p>
         </p:txBody>
       </p:sp>
       <p:pic>
         <p:nvPicPr>
-          <p:cNvPr id="4098" name="Picture 2" descr="32bit dt_TEB에 대한 이미지 검색결과"/>
+          <p:cNvPr id="2050" name="Picture 2" descr="ASLR in windows에 대한 이미지 검색결과">
+            <a:extLst>
+              <a:ext uri="{FF2B5EF4-FFF2-40B4-BE49-F238E27FC236}">
+                <a16:creationId xmlns:a16="http://schemas.microsoft.com/office/drawing/2014/main" id="{8F1CA415-590C-4CC5-9BEF-6EF8EE8B7328}"/>
+              </a:ext>
+            </a:extLst>
+          </p:cNvPr>
           <p:cNvPicPr>
             <a:picLocks noChangeAspect="1" noChangeArrowheads="1"/>
           </p:cNvPicPr>
@@ -10541,8 +11728,8 @@
         </p:blipFill>
         <p:spPr bwMode="auto">
           <a:xfrm>
-            <a:off x="6348335" y="1406769"/>
-            <a:ext cx="5441635" cy="5213839"/>
+            <a:off x="7734300" y="1696221"/>
+            <a:ext cx="4047007" cy="5008171"/>
           </a:xfrm>
           <a:prstGeom prst="rect">
             <a:avLst/>
@@ -10561,28 +11748,27 @@
       </p:pic>
       <p:sp>
         <p:nvSpPr>
-          <p:cNvPr id="5" name="TextBox 4"/>
+          <p:cNvPr id="9" name="TextBox 8">
+            <a:extLst>
+              <a:ext uri="{FF2B5EF4-FFF2-40B4-BE49-F238E27FC236}">
+                <a16:creationId xmlns:a16="http://schemas.microsoft.com/office/drawing/2014/main" id="{06177D2B-0632-4646-9155-17D951F98357}"/>
+              </a:ext>
+            </a:extLst>
+          </p:cNvPr>
           <p:cNvSpPr txBox="1"/>
           <p:nvPr/>
         </p:nvSpPr>
         <p:spPr>
           <a:xfrm>
-            <a:off x="240143" y="1406769"/>
-            <a:ext cx="5993601" cy="584775"/>
+            <a:off x="321088" y="386484"/>
+            <a:ext cx="11549823" cy="830997"/>
           </a:xfrm>
           <a:prstGeom prst="rect">
             <a:avLst/>
           </a:prstGeom>
           <a:solidFill>
-            <a:schemeClr val="accent1">
-              <a:lumMod val="50000"/>
-            </a:schemeClr>
+            <a:srgbClr val="00B0F0"/>
           </a:solidFill>
-          <a:ln>
-            <a:solidFill>
-              <a:schemeClr val="bg1"/>
-            </a:solidFill>
-          </a:ln>
         </p:spPr>
         <p:txBody>
           <a:bodyPr wrap="square" rtlCol="0">
@@ -10590,242 +11776,45 @@
           </a:bodyPr>
           <a:lstStyle/>
           <a:p>
-            <a:pPr algn="ctr"/>
-            <a:r>
-              <a:rPr lang="en-US" altLang="ko-KR" sz="3200" b="1" dirty="0">
+            <a:r>
+              <a:rPr lang="en-US" altLang="ko-KR" sz="4800" b="1" dirty="0">
                 <a:solidFill>
                   <a:schemeClr val="bg1"/>
                 </a:solidFill>
               </a:rPr>
-              <a:t>user mode</a:t>
-            </a:r>
-            <a:r>
-              <a:rPr lang="ko-KR" altLang="en-US" sz="3200" b="1" dirty="0">
+              <a:t>1. </a:t>
+            </a:r>
+            <a:r>
+              <a:rPr lang="ko-KR" altLang="en-US" sz="4800" b="1" dirty="0">
                 <a:solidFill>
                   <a:schemeClr val="bg1"/>
                 </a:solidFill>
               </a:rPr>
-              <a:t>의 </a:t>
-            </a:r>
-            <a:r>
-              <a:rPr lang="en-US" altLang="ko-KR" sz="3200" b="1" dirty="0">
+              <a:t>기존</a:t>
+            </a:r>
+            <a:r>
+              <a:rPr lang="en-US" altLang="ko-KR" sz="4800" b="1" dirty="0">
                 <a:solidFill>
                   <a:schemeClr val="bg1"/>
                 </a:solidFill>
               </a:rPr>
-              <a:t>fs register</a:t>
-            </a:r>
-            <a:endParaRPr lang="ko-KR" altLang="en-US" sz="3200" b="1" dirty="0"/>
-          </a:p>
-        </p:txBody>
-      </p:sp>
-      <p:sp>
-        <p:nvSpPr>
-          <p:cNvPr id="8" name="TextBox 7"/>
-          <p:cNvSpPr txBox="1"/>
-          <p:nvPr/>
-        </p:nvSpPr>
-        <p:spPr>
-          <a:xfrm>
-            <a:off x="240141" y="2881377"/>
-            <a:ext cx="5993603" cy="1077218"/>
-          </a:xfrm>
-          <a:prstGeom prst="rect">
-            <a:avLst/>
-          </a:prstGeom>
-          <a:solidFill>
-            <a:schemeClr val="accent1">
-              <a:lumMod val="50000"/>
-            </a:schemeClr>
-          </a:solidFill>
-          <a:ln>
-            <a:solidFill>
-              <a:schemeClr val="bg1"/>
-            </a:solidFill>
-          </a:ln>
-        </p:spPr>
-        <p:txBody>
-          <a:bodyPr wrap="square" rtlCol="0">
-            <a:spAutoFit/>
-          </a:bodyPr>
-          <a:lstStyle/>
-          <a:p>
-            <a:pPr algn="ctr"/>
-            <a:r>
-              <a:rPr lang="en-US" altLang="ko-KR" sz="3200" b="1" dirty="0">
+              <a:t> Shellcode</a:t>
+            </a:r>
+            <a:r>
+              <a:rPr lang="ko-KR" altLang="en-US" sz="4800" b="1" dirty="0">
                 <a:solidFill>
                   <a:schemeClr val="bg1"/>
                 </a:solidFill>
               </a:rPr>
-              <a:t>TEB</a:t>
-            </a:r>
-          </a:p>
-          <a:p>
-            <a:pPr algn="ctr"/>
-            <a:r>
-              <a:rPr lang="en-US" altLang="ko-KR" sz="3200" b="1" dirty="0">
-                <a:solidFill>
-                  <a:schemeClr val="bg1"/>
-                </a:solidFill>
-              </a:rPr>
-              <a:t>(thread environment block) </a:t>
-            </a:r>
-            <a:endParaRPr lang="ko-KR" altLang="en-US" sz="3200" b="1" dirty="0"/>
-          </a:p>
-        </p:txBody>
-      </p:sp>
-      <p:sp>
-        <p:nvSpPr>
-          <p:cNvPr id="9" name="TextBox 8"/>
-          <p:cNvSpPr txBox="1"/>
-          <p:nvPr/>
-        </p:nvSpPr>
-        <p:spPr>
-          <a:xfrm>
-            <a:off x="126182" y="5235613"/>
-            <a:ext cx="6107565" cy="1384995"/>
-          </a:xfrm>
-          <a:prstGeom prst="rect">
-            <a:avLst/>
-          </a:prstGeom>
-          <a:solidFill>
-            <a:schemeClr val="accent1">
-              <a:lumMod val="50000"/>
-            </a:schemeClr>
-          </a:solidFill>
-          <a:ln>
-            <a:solidFill>
-              <a:schemeClr val="bg1"/>
-            </a:solidFill>
-          </a:ln>
-        </p:spPr>
-        <p:txBody>
-          <a:bodyPr wrap="square" rtlCol="0">
-            <a:spAutoFit/>
-          </a:bodyPr>
-          <a:lstStyle/>
-          <a:p>
-            <a:endParaRPr lang="en-US" altLang="ko-KR" sz="2800" b="1" dirty="0">
-              <a:solidFill>
-                <a:schemeClr val="bg1"/>
-              </a:solidFill>
-            </a:endParaRPr>
-          </a:p>
-          <a:p>
-            <a:r>
-              <a:rPr lang="en-US" altLang="ko-KR" sz="2800" b="1" dirty="0">
-                <a:solidFill>
-                  <a:schemeClr val="bg1"/>
-                </a:solidFill>
-              </a:rPr>
-              <a:t>fs register + 0x30 == PEB address</a:t>
-            </a:r>
-          </a:p>
-          <a:p>
-            <a:endParaRPr lang="en-US" altLang="ko-KR" sz="2800" b="1" dirty="0">
-              <a:solidFill>
-                <a:schemeClr val="bg1"/>
-              </a:solidFill>
-            </a:endParaRPr>
-          </a:p>
-        </p:txBody>
-      </p:sp>
-      <p:sp>
-        <p:nvSpPr>
-          <p:cNvPr id="2" name="아래쪽 화살표 1"/>
-          <p:cNvSpPr/>
-          <p:nvPr/>
-        </p:nvSpPr>
-        <p:spPr>
-          <a:xfrm>
-            <a:off x="2744573" y="2163899"/>
-            <a:ext cx="984738" cy="545123"/>
-          </a:xfrm>
-          <a:prstGeom prst="downArrow">
-            <a:avLst/>
-          </a:prstGeom>
-          <a:solidFill>
-            <a:srgbClr val="FFFF00"/>
-          </a:solidFill>
-          <a:ln>
-            <a:noFill/>
-          </a:ln>
-        </p:spPr>
-        <p:style>
-          <a:lnRef idx="2">
-            <a:schemeClr val="accent1">
-              <a:shade val="50000"/>
-            </a:schemeClr>
-          </a:lnRef>
-          <a:fillRef idx="1">
-            <a:schemeClr val="accent1"/>
-          </a:fillRef>
-          <a:effectRef idx="0">
-            <a:schemeClr val="accent1"/>
-          </a:effectRef>
-          <a:fontRef idx="minor">
-            <a:schemeClr val="lt1"/>
-          </a:fontRef>
-        </p:style>
-        <p:txBody>
-          <a:bodyPr rtlCol="0" anchor="ctr"/>
-          <a:lstStyle/>
-          <a:p>
-            <a:pPr algn="ctr"/>
-            <a:endParaRPr lang="ko-KR" altLang="en-US"/>
-          </a:p>
-        </p:txBody>
-      </p:sp>
-      <p:sp>
-        <p:nvSpPr>
-          <p:cNvPr id="11" name="아래쪽 화살표 10"/>
-          <p:cNvSpPr/>
-          <p:nvPr/>
-        </p:nvSpPr>
-        <p:spPr>
-          <a:xfrm>
-            <a:off x="2744573" y="4324542"/>
-            <a:ext cx="984738" cy="545123"/>
-          </a:xfrm>
-          <a:prstGeom prst="downArrow">
-            <a:avLst/>
-          </a:prstGeom>
-          <a:solidFill>
-            <a:srgbClr val="FFFF00"/>
-          </a:solidFill>
-          <a:ln>
-            <a:noFill/>
-          </a:ln>
-        </p:spPr>
-        <p:style>
-          <a:lnRef idx="2">
-            <a:schemeClr val="accent1">
-              <a:shade val="50000"/>
-            </a:schemeClr>
-          </a:lnRef>
-          <a:fillRef idx="1">
-            <a:schemeClr val="accent1"/>
-          </a:fillRef>
-          <a:effectRef idx="0">
-            <a:schemeClr val="accent1"/>
-          </a:effectRef>
-          <a:fontRef idx="minor">
-            <a:schemeClr val="lt1"/>
-          </a:fontRef>
-        </p:style>
-        <p:txBody>
-          <a:bodyPr rtlCol="0" anchor="ctr"/>
-          <a:lstStyle/>
-          <a:p>
-            <a:pPr algn="ctr"/>
-            <a:endParaRPr lang="ko-KR" altLang="en-US"/>
+              <a:t>의 문제점</a:t>
+            </a:r>
           </a:p>
         </p:txBody>
       </p:sp>
     </p:spTree>
     <p:extLst>
       <p:ext uri="{BB962C8B-B14F-4D97-AF65-F5344CB8AC3E}">
-        <p14:creationId xmlns:p14="http://schemas.microsoft.com/office/powerpoint/2010/main" val="4119020026"/>
+        <p14:creationId xmlns:p14="http://schemas.microsoft.com/office/powerpoint/2010/main" val="2148693474"/>
       </p:ext>
     </p:extLst>
   </p:cSld>
@@ -10841,8 +11830,8 @@
     <p:bg>
       <p:bgPr>
         <a:solidFill>
-          <a:schemeClr val="tx2">
-            <a:lumMod val="75000"/>
+          <a:schemeClr val="bg1">
+            <a:lumMod val="85000"/>
           </a:schemeClr>
         </a:solidFill>
         <a:effectLst/>
@@ -10864,24 +11853,21 @@
       </p:grpSpPr>
       <p:sp>
         <p:nvSpPr>
-          <p:cNvPr id="5" name="TextBox 4"/>
+          <p:cNvPr id="6" name="TextBox 5"/>
           <p:cNvSpPr txBox="1"/>
           <p:nvPr/>
         </p:nvSpPr>
         <p:spPr>
           <a:xfrm>
-            <a:off x="240144" y="1828800"/>
-            <a:ext cx="11549826" cy="2923877"/>
+            <a:off x="240144" y="434109"/>
+            <a:ext cx="11549823" cy="830997"/>
           </a:xfrm>
           <a:prstGeom prst="rect">
             <a:avLst/>
           </a:prstGeom>
-          <a:noFill/>
-          <a:ln>
-            <a:solidFill>
-              <a:schemeClr val="bg1"/>
-            </a:solidFill>
-          </a:ln>
+          <a:solidFill>
+            <a:srgbClr val="00B0F0"/>
+          </a:solidFill>
         </p:spPr>
         <p:txBody>
           <a:bodyPr wrap="square" rtlCol="0">
@@ -10890,158 +11876,159 @@
           <a:lstStyle/>
           <a:p>
             <a:r>
-              <a:rPr lang="en-US" altLang="ko-KR" sz="4400" dirty="0">
+              <a:rPr lang="en-US" altLang="ko-KR" sz="4800" b="1" dirty="0">
                 <a:solidFill>
                   <a:schemeClr val="bg1"/>
                 </a:solidFill>
               </a:rPr>
-              <a:t>PEB</a:t>
-            </a:r>
-            <a:r>
-              <a:rPr lang="ko-KR" altLang="en-US" sz="4400" dirty="0">
-                <a:solidFill>
-                  <a:schemeClr val="bg1"/>
-                </a:solidFill>
-              </a:rPr>
-              <a:t>란</a:t>
-            </a:r>
-            <a:r>
-              <a:rPr lang="en-US" altLang="ko-KR" sz="4400" dirty="0">
-                <a:solidFill>
-                  <a:schemeClr val="bg1"/>
-                </a:solidFill>
-              </a:rPr>
-              <a:t>?</a:t>
-            </a:r>
-          </a:p>
-          <a:p>
-            <a:endParaRPr lang="en-US" altLang="ko-KR" sz="2800" dirty="0">
+              <a:t>2. Fs Register!</a:t>
+            </a:r>
+            <a:endParaRPr lang="ko-KR" altLang="en-US" sz="4800" b="1" dirty="0">
               <a:solidFill>
                 <a:schemeClr val="bg1"/>
               </a:solidFill>
             </a:endParaRPr>
           </a:p>
-          <a:p>
-            <a:r>
-              <a:rPr lang="en-US" altLang="ko-KR" sz="2800" dirty="0">
+        </p:txBody>
+      </p:sp>
+      <p:sp>
+        <p:nvSpPr>
+          <p:cNvPr id="10" name="TextBox 9"/>
+          <p:cNvSpPr txBox="1"/>
+          <p:nvPr/>
+        </p:nvSpPr>
+        <p:spPr>
+          <a:xfrm>
+            <a:off x="240144" y="1570194"/>
+            <a:ext cx="6437747" cy="3108543"/>
+          </a:xfrm>
+          <a:prstGeom prst="rect">
+            <a:avLst/>
+          </a:prstGeom>
+          <a:solidFill>
+            <a:schemeClr val="bg1">
+              <a:lumMod val="85000"/>
+            </a:schemeClr>
+          </a:solidFill>
+          <a:ln>
+            <a:solidFill>
+              <a:schemeClr val="bg1">
+                <a:lumMod val="85000"/>
+              </a:schemeClr>
+            </a:solidFill>
+          </a:ln>
+        </p:spPr>
+        <p:txBody>
+          <a:bodyPr wrap="square" rtlCol="0">
+            <a:spAutoFit/>
+          </a:bodyPr>
+          <a:lstStyle/>
+          <a:p>
+            <a:r>
+              <a:rPr lang="en-US" altLang="ko-KR" sz="2800" dirty="0"/>
+              <a:t>Shellcode</a:t>
+            </a:r>
+            <a:r>
+              <a:rPr lang="ko-KR" altLang="en-US" sz="2800" dirty="0"/>
+              <a:t>를 사용하는 이유</a:t>
+            </a:r>
+            <a:endParaRPr lang="en-US" altLang="ko-KR" sz="2800" dirty="0"/>
+          </a:p>
+          <a:p>
+            <a:endParaRPr lang="en-US" altLang="ko-KR" sz="2000" dirty="0"/>
+          </a:p>
+          <a:p>
+            <a:r>
+              <a:rPr lang="ko-KR" altLang="en-US" sz="2000" dirty="0"/>
+              <a:t>정적이 아닌 동적으로 </a:t>
+            </a:r>
+            <a:r>
+              <a:rPr lang="en-US" altLang="ko-KR" sz="2000" dirty="0"/>
+              <a:t>API</a:t>
+            </a:r>
+            <a:r>
+              <a:rPr lang="ko-KR" altLang="en-US" sz="2000" dirty="0"/>
+              <a:t>주소접근을 하는 방법은</a:t>
+            </a:r>
+            <a:endParaRPr lang="en-US" altLang="ko-KR" sz="2000" dirty="0"/>
+          </a:p>
+          <a:p>
+            <a:r>
+              <a:rPr lang="en-US" altLang="ko-KR" sz="2000" b="1" dirty="0" err="1"/>
+              <a:t>Usermode</a:t>
+            </a:r>
+            <a:r>
+              <a:rPr lang="en-US" altLang="ko-KR" sz="2000" b="1" dirty="0"/>
+              <a:t> Fs segment register</a:t>
+            </a:r>
+            <a:r>
+              <a:rPr lang="ko-KR" altLang="en-US" sz="2000" dirty="0"/>
+              <a:t>는 </a:t>
+            </a:r>
+            <a:r>
+              <a:rPr lang="en-US" altLang="ko-KR" sz="2000" b="1" dirty="0"/>
+              <a:t>TEB</a:t>
+            </a:r>
+            <a:r>
+              <a:rPr lang="ko-KR" altLang="en-US" sz="2000" dirty="0"/>
+              <a:t>를 가르키는데</a:t>
+            </a:r>
+            <a:r>
+              <a:rPr lang="en-US" altLang="ko-KR" sz="2000" dirty="0"/>
+              <a:t>,</a:t>
+            </a:r>
+          </a:p>
+          <a:p>
+            <a:r>
+              <a:rPr lang="en-US" altLang="ko-KR" sz="2000" b="1" dirty="0"/>
+              <a:t>TEB</a:t>
+            </a:r>
+            <a:r>
+              <a:rPr lang="ko-KR" altLang="en-US" sz="2000" dirty="0"/>
+              <a:t>에서 </a:t>
+            </a:r>
+            <a:r>
+              <a:rPr lang="en-US" altLang="ko-KR" sz="2000" i="1" dirty="0"/>
+              <a:t>0x30 </a:t>
+            </a:r>
+            <a:r>
+              <a:rPr lang="ko-KR" altLang="en-US" sz="2000" dirty="0"/>
+              <a:t>다음주소는 </a:t>
+            </a:r>
+            <a:r>
+              <a:rPr lang="en-US" altLang="ko-KR" sz="2000" b="1" dirty="0">
                 <a:solidFill>
-                  <a:schemeClr val="bg1"/>
+                  <a:schemeClr val="bg2">
+                    <a:lumMod val="10000"/>
+                  </a:schemeClr>
                 </a:solidFill>
+                <a:effectLst>
+                  <a:glow>
+                    <a:schemeClr val="bg1"/>
+                  </a:glow>
+                </a:effectLst>
               </a:rPr>
-              <a:t>Process Environment Block</a:t>
-            </a:r>
-            <a:r>
-              <a:rPr lang="ko-KR" altLang="en-US" sz="2800" dirty="0">
-                <a:solidFill>
-                  <a:schemeClr val="bg1"/>
-                </a:solidFill>
-              </a:rPr>
-              <a:t>의 약자로</a:t>
-            </a:r>
-            <a:r>
-              <a:rPr lang="en-US" altLang="ko-KR" sz="2800" dirty="0">
-                <a:solidFill>
-                  <a:schemeClr val="bg1"/>
-                </a:solidFill>
-              </a:rPr>
-              <a:t>, </a:t>
-            </a:r>
-            <a:r>
-              <a:rPr lang="ko-KR" altLang="en-US" sz="2800" dirty="0">
-                <a:solidFill>
-                  <a:schemeClr val="bg1"/>
-                </a:solidFill>
-              </a:rPr>
-              <a:t>프로세스를 구성하는 정보가</a:t>
-            </a:r>
-            <a:br>
-              <a:rPr lang="en-US" altLang="ko-KR" sz="2800" dirty="0">
-                <a:solidFill>
-                  <a:schemeClr val="bg1"/>
-                </a:solidFill>
-              </a:rPr>
-            </a:br>
-            <a:r>
-              <a:rPr lang="ko-KR" altLang="en-US" sz="2800" dirty="0">
-                <a:solidFill>
-                  <a:schemeClr val="bg1"/>
-                </a:solidFill>
-              </a:rPr>
-              <a:t>메모리상에 존재하는 구역입니다</a:t>
-            </a:r>
-            <a:r>
-              <a:rPr lang="en-US" altLang="ko-KR" sz="2800" dirty="0">
-                <a:solidFill>
-                  <a:schemeClr val="bg1"/>
-                </a:solidFill>
-              </a:rPr>
+              <a:t>PEB</a:t>
+            </a:r>
+            <a:r>
+              <a:rPr lang="ko-KR" altLang="en-US" sz="2000" dirty="0"/>
+              <a:t>를 가르킵니다</a:t>
+            </a:r>
+            <a:r>
+              <a:rPr lang="en-US" altLang="ko-KR" sz="2000" dirty="0"/>
               <a:t>.</a:t>
             </a:r>
           </a:p>
           <a:p>
-            <a:endParaRPr lang="en-US" altLang="ko-KR" sz="2800" dirty="0">
-              <a:solidFill>
-                <a:schemeClr val="bg1"/>
-              </a:solidFill>
-            </a:endParaRPr>
-          </a:p>
-          <a:p>
-            <a:r>
-              <a:rPr lang="en-US" altLang="ko-KR" sz="2800" dirty="0">
-                <a:solidFill>
-                  <a:schemeClr val="bg1"/>
-                </a:solidFill>
-              </a:rPr>
-              <a:t>Mapping </a:t>
-            </a:r>
-            <a:r>
-              <a:rPr lang="ko-KR" altLang="en-US" sz="2800" dirty="0">
-                <a:solidFill>
-                  <a:schemeClr val="bg1"/>
-                </a:solidFill>
-              </a:rPr>
-              <a:t>되어있는 </a:t>
-            </a:r>
-            <a:r>
-              <a:rPr lang="en-US" altLang="ko-KR" sz="2800" dirty="0">
-                <a:solidFill>
-                  <a:schemeClr val="bg1"/>
-                </a:solidFill>
-              </a:rPr>
-              <a:t>DLL</a:t>
-            </a:r>
-            <a:r>
-              <a:rPr lang="ko-KR" altLang="en-US" sz="2800" dirty="0">
-                <a:solidFill>
-                  <a:schemeClr val="bg1"/>
-                </a:solidFill>
-              </a:rPr>
-              <a:t>의 </a:t>
-            </a:r>
-            <a:r>
-              <a:rPr lang="en-US" altLang="ko-KR" sz="2800" dirty="0">
-                <a:solidFill>
-                  <a:schemeClr val="bg1"/>
-                </a:solidFill>
-              </a:rPr>
-              <a:t>base</a:t>
-            </a:r>
-            <a:r>
-              <a:rPr lang="ko-KR" altLang="en-US" sz="2800" dirty="0">
-                <a:solidFill>
-                  <a:schemeClr val="bg1"/>
-                </a:solidFill>
-              </a:rPr>
-              <a:t>주소도 여기에 포함되어있습니다</a:t>
-            </a:r>
-            <a:r>
-              <a:rPr lang="en-US" altLang="ko-KR" sz="2800" dirty="0">
-                <a:solidFill>
-                  <a:schemeClr val="bg1"/>
-                </a:solidFill>
-              </a:rPr>
-              <a:t>.</a:t>
-            </a:r>
+            <a:endParaRPr lang="en-US" altLang="ko-KR" sz="2000" dirty="0"/>
+          </a:p>
+          <a:p>
+            <a:endParaRPr lang="en-US" altLang="ko-KR" sz="2000" dirty="0"/>
+          </a:p>
+          <a:p>
+            <a:endParaRPr lang="en-US" altLang="ko-KR" sz="2000" dirty="0"/>
+          </a:p>
+          <a:p>
             <a:endParaRPr lang="ko-KR" altLang="en-US" sz="2800" dirty="0">
               <a:solidFill>
                 <a:schemeClr val="bg1"/>
@@ -11050,42 +12037,87 @@
           </a:p>
         </p:txBody>
       </p:sp>
-      <p:sp>
-        <p:nvSpPr>
-          <p:cNvPr id="7" name="TextBox 6"/>
-          <p:cNvSpPr txBox="1"/>
-          <p:nvPr/>
-        </p:nvSpPr>
-        <p:spPr>
-          <a:xfrm>
-            <a:off x="240144" y="434109"/>
-            <a:ext cx="11549826" cy="830997"/>
+      <p:pic>
+        <p:nvPicPr>
+          <p:cNvPr id="2" name="Picture 1">
+            <a:extLst>
+              <a:ext uri="{FF2B5EF4-FFF2-40B4-BE49-F238E27FC236}">
+                <a16:creationId xmlns:a16="http://schemas.microsoft.com/office/drawing/2014/main" id="{5A3FB4E1-626C-46BF-B1A3-D03CC143801C}"/>
+              </a:ext>
+            </a:extLst>
+          </p:cNvPr>
+          <p:cNvPicPr>
+            <a:picLocks noChangeAspect="1"/>
+          </p:cNvPicPr>
+          <p:nvPr/>
+        </p:nvPicPr>
+        <p:blipFill>
+          <a:blip r:embed="rId2"/>
+          <a:stretch>
+            <a:fillRect/>
+          </a:stretch>
+        </p:blipFill>
+        <p:spPr>
+          <a:xfrm>
+            <a:off x="6927454" y="1572516"/>
+            <a:ext cx="4862513" cy="2986370"/>
           </a:xfrm>
           <a:prstGeom prst="rect">
             <a:avLst/>
           </a:prstGeom>
-          <a:solidFill>
-            <a:srgbClr val="66FFCC"/>
-          </a:solidFill>
-        </p:spPr>
-        <p:txBody>
-          <a:bodyPr wrap="square" rtlCol="0">
-            <a:spAutoFit/>
-          </a:bodyPr>
-          <a:lstStyle/>
-          <a:p>
-            <a:r>
-              <a:rPr lang="en-US" altLang="ko-KR" sz="4800" b="1" dirty="0"/>
-              <a:t>3.PEB</a:t>
-            </a:r>
-            <a:endParaRPr lang="ko-KR" altLang="en-US" sz="4800" b="1" dirty="0"/>
-          </a:p>
-        </p:txBody>
-      </p:sp>
+        </p:spPr>
+      </p:pic>
+      <p:pic>
+        <p:nvPicPr>
+          <p:cNvPr id="7" name="Picture 2" descr="thread environment block에 대한 이미지 검색결과">
+            <a:extLst>
+              <a:ext uri="{FF2B5EF4-FFF2-40B4-BE49-F238E27FC236}">
+                <a16:creationId xmlns:a16="http://schemas.microsoft.com/office/drawing/2014/main" id="{351CDC1A-D884-43E5-B51E-632A67775159}"/>
+              </a:ext>
+            </a:extLst>
+          </p:cNvPr>
+          <p:cNvPicPr>
+            <a:picLocks noChangeAspect="1" noChangeArrowheads="1"/>
+          </p:cNvPicPr>
+          <p:nvPr/>
+        </p:nvPicPr>
+        <p:blipFill>
+          <a:blip r:embed="rId3">
+            <a:extLst>
+              <a:ext uri="{28A0092B-C50C-407E-A947-70E740481C1C}">
+                <a14:useLocalDpi xmlns:a14="http://schemas.microsoft.com/office/drawing/2010/main" val="0"/>
+              </a:ext>
+            </a:extLst>
+          </a:blip>
+          <a:srcRect/>
+          <a:stretch>
+            <a:fillRect/>
+          </a:stretch>
+        </p:blipFill>
+        <p:spPr bwMode="auto">
+          <a:xfrm>
+            <a:off x="240144" y="3445369"/>
+            <a:ext cx="5855856" cy="3245121"/>
+          </a:xfrm>
+          <a:prstGeom prst="rect">
+            <a:avLst/>
+          </a:prstGeom>
+          <a:noFill/>
+          <a:extLst>
+            <a:ext uri="{909E8E84-426E-40DD-AFC4-6F175D3DCCD1}">
+              <a14:hiddenFill xmlns:a14="http://schemas.microsoft.com/office/drawing/2010/main">
+                <a:solidFill>
+                  <a:srgbClr val="FFFFFF"/>
+                </a:solidFill>
+              </a14:hiddenFill>
+            </a:ext>
+          </a:extLst>
+        </p:spPr>
+      </p:pic>
     </p:spTree>
     <p:extLst>
       <p:ext uri="{BB962C8B-B14F-4D97-AF65-F5344CB8AC3E}">
-        <p14:creationId xmlns:p14="http://schemas.microsoft.com/office/powerpoint/2010/main" val="1838048633"/>
+        <p14:creationId xmlns:p14="http://schemas.microsoft.com/office/powerpoint/2010/main" val="789969233"/>
       </p:ext>
     </p:extLst>
   </p:cSld>
@@ -11101,8 +12133,1519 @@
     <p:bg>
       <p:bgPr>
         <a:solidFill>
-          <a:schemeClr val="tx2">
-            <a:lumMod val="75000"/>
+          <a:schemeClr val="bg1">
+            <a:lumMod val="85000"/>
+          </a:schemeClr>
+        </a:solidFill>
+        <a:effectLst/>
+      </p:bgPr>
+    </p:bg>
+    <p:spTree>
+      <p:nvGrpSpPr>
+        <p:cNvPr id="1" name=""/>
+        <p:cNvGrpSpPr/>
+        <p:nvPr/>
+      </p:nvGrpSpPr>
+      <p:grpSpPr>
+        <a:xfrm>
+          <a:off x="0" y="0"/>
+          <a:ext cx="0" cy="0"/>
+          <a:chOff x="0" y="0"/>
+          <a:chExt cx="0" cy="0"/>
+        </a:xfrm>
+      </p:grpSpPr>
+      <p:cxnSp>
+        <p:nvCxnSpPr>
+          <p:cNvPr id="101" name="Straight Arrow Connector 100">
+            <a:extLst>
+              <a:ext uri="{FF2B5EF4-FFF2-40B4-BE49-F238E27FC236}">
+                <a16:creationId xmlns:a16="http://schemas.microsoft.com/office/drawing/2014/main" id="{FAE06689-2D72-4311-9589-EB4C5225641E}"/>
+              </a:ext>
+            </a:extLst>
+          </p:cNvPr>
+          <p:cNvCxnSpPr>
+            <a:cxnSpLocks/>
+          </p:cNvCxnSpPr>
+          <p:nvPr/>
+        </p:nvCxnSpPr>
+        <p:spPr>
+          <a:xfrm flipV="1">
+            <a:off x="7320052" y="3854401"/>
+            <a:ext cx="736007" cy="1530311"/>
+          </a:xfrm>
+          <a:prstGeom prst="straightConnector1">
+            <a:avLst/>
+          </a:prstGeom>
+          <a:ln w="76200">
+            <a:solidFill>
+              <a:srgbClr val="00CCFF"/>
+            </a:solidFill>
+            <a:tailEnd type="triangle"/>
+          </a:ln>
+        </p:spPr>
+        <p:style>
+          <a:lnRef idx="1">
+            <a:schemeClr val="accent1"/>
+          </a:lnRef>
+          <a:fillRef idx="0">
+            <a:schemeClr val="accent1"/>
+          </a:fillRef>
+          <a:effectRef idx="0">
+            <a:schemeClr val="accent1"/>
+          </a:effectRef>
+          <a:fontRef idx="minor">
+            <a:schemeClr val="tx1"/>
+          </a:fontRef>
+        </p:style>
+      </p:cxnSp>
+      <p:sp>
+        <p:nvSpPr>
+          <p:cNvPr id="6" name="TextBox 5"/>
+          <p:cNvSpPr txBox="1"/>
+          <p:nvPr/>
+        </p:nvSpPr>
+        <p:spPr>
+          <a:xfrm>
+            <a:off x="240144" y="434109"/>
+            <a:ext cx="11549823" cy="830997"/>
+          </a:xfrm>
+          <a:prstGeom prst="rect">
+            <a:avLst/>
+          </a:prstGeom>
+          <a:solidFill>
+            <a:srgbClr val="00B0F0"/>
+          </a:solidFill>
+        </p:spPr>
+        <p:txBody>
+          <a:bodyPr wrap="square" rtlCol="0">
+            <a:spAutoFit/>
+          </a:bodyPr>
+          <a:lstStyle/>
+          <a:p>
+            <a:r>
+              <a:rPr lang="en-US" altLang="ko-KR" sz="4800" b="1" dirty="0">
+                <a:solidFill>
+                  <a:schemeClr val="bg1"/>
+                </a:solidFill>
+              </a:rPr>
+              <a:t>2. Fs Register!</a:t>
+            </a:r>
+            <a:endParaRPr lang="ko-KR" altLang="en-US" sz="4800" b="1" dirty="0">
+              <a:solidFill>
+                <a:schemeClr val="bg1"/>
+              </a:solidFill>
+            </a:endParaRPr>
+          </a:p>
+        </p:txBody>
+      </p:sp>
+      <p:grpSp>
+        <p:nvGrpSpPr>
+          <p:cNvPr id="50" name="Group 49">
+            <a:extLst>
+              <a:ext uri="{FF2B5EF4-FFF2-40B4-BE49-F238E27FC236}">
+                <a16:creationId xmlns:a16="http://schemas.microsoft.com/office/drawing/2014/main" id="{C129C8FA-E7C2-43C9-8B19-9E1A6A70811F}"/>
+              </a:ext>
+            </a:extLst>
+          </p:cNvPr>
+          <p:cNvGrpSpPr/>
+          <p:nvPr/>
+        </p:nvGrpSpPr>
+        <p:grpSpPr>
+          <a:xfrm>
+            <a:off x="5681615" y="1727886"/>
+            <a:ext cx="6437086" cy="4778090"/>
+            <a:chOff x="4895681" y="1750576"/>
+            <a:chExt cx="6437086" cy="4778090"/>
+          </a:xfrm>
+        </p:grpSpPr>
+        <p:cxnSp>
+          <p:nvCxnSpPr>
+            <p:cNvPr id="43" name="Straight Arrow Connector 42">
+              <a:extLst>
+                <a:ext uri="{FF2B5EF4-FFF2-40B4-BE49-F238E27FC236}">
+                  <a16:creationId xmlns:a16="http://schemas.microsoft.com/office/drawing/2014/main" id="{C5C3F6F0-88D4-465E-96D6-34DA3FE1FBA7}"/>
+                </a:ext>
+              </a:extLst>
+            </p:cNvPr>
+            <p:cNvCxnSpPr>
+              <a:cxnSpLocks/>
+            </p:cNvCxnSpPr>
+            <p:nvPr/>
+          </p:nvCxnSpPr>
+          <p:spPr>
+            <a:xfrm>
+              <a:off x="5714735" y="4293962"/>
+              <a:ext cx="0" cy="718603"/>
+            </a:xfrm>
+            <a:prstGeom prst="straightConnector1">
+              <a:avLst/>
+            </a:prstGeom>
+            <a:ln w="76200">
+              <a:solidFill>
+                <a:srgbClr val="00CCFF"/>
+              </a:solidFill>
+              <a:tailEnd type="triangle"/>
+            </a:ln>
+          </p:spPr>
+          <p:style>
+            <a:lnRef idx="1">
+              <a:schemeClr val="accent1"/>
+            </a:lnRef>
+            <a:fillRef idx="0">
+              <a:schemeClr val="accent1"/>
+            </a:fillRef>
+            <a:effectRef idx="0">
+              <a:schemeClr val="accent1"/>
+            </a:effectRef>
+            <a:fontRef idx="minor">
+              <a:schemeClr val="tx1"/>
+            </a:fontRef>
+          </p:style>
+        </p:cxnSp>
+        <p:cxnSp>
+          <p:nvCxnSpPr>
+            <p:cNvPr id="45" name="Straight Arrow Connector 44">
+              <a:extLst>
+                <a:ext uri="{FF2B5EF4-FFF2-40B4-BE49-F238E27FC236}">
+                  <a16:creationId xmlns:a16="http://schemas.microsoft.com/office/drawing/2014/main" id="{8A0D0BFF-F6CE-49CD-9DF2-1985C0AF18AC}"/>
+                </a:ext>
+              </a:extLst>
+            </p:cNvPr>
+            <p:cNvCxnSpPr>
+              <a:cxnSpLocks/>
+            </p:cNvCxnSpPr>
+            <p:nvPr/>
+          </p:nvCxnSpPr>
+          <p:spPr>
+            <a:xfrm flipH="1">
+              <a:off x="5714735" y="2438003"/>
+              <a:ext cx="18093" cy="1081689"/>
+            </a:xfrm>
+            <a:prstGeom prst="straightConnector1">
+              <a:avLst/>
+            </a:prstGeom>
+            <a:ln w="76200">
+              <a:solidFill>
+                <a:srgbClr val="00CCFF"/>
+              </a:solidFill>
+              <a:tailEnd type="triangle"/>
+            </a:ln>
+          </p:spPr>
+          <p:style>
+            <a:lnRef idx="1">
+              <a:schemeClr val="accent1"/>
+            </a:lnRef>
+            <a:fillRef idx="0">
+              <a:schemeClr val="accent1"/>
+            </a:fillRef>
+            <a:effectRef idx="0">
+              <a:schemeClr val="accent1"/>
+            </a:effectRef>
+            <a:fontRef idx="minor">
+              <a:schemeClr val="tx1"/>
+            </a:fontRef>
+          </p:style>
+        </p:cxnSp>
+        <p:grpSp>
+          <p:nvGrpSpPr>
+            <p:cNvPr id="30" name="Group 29">
+              <a:extLst>
+                <a:ext uri="{FF2B5EF4-FFF2-40B4-BE49-F238E27FC236}">
+                  <a16:creationId xmlns:a16="http://schemas.microsoft.com/office/drawing/2014/main" id="{BF30894C-6E53-48A5-AB17-4FF4D6ED74A0}"/>
+                </a:ext>
+              </a:extLst>
+            </p:cNvPr>
+            <p:cNvGrpSpPr/>
+            <p:nvPr/>
+          </p:nvGrpSpPr>
+          <p:grpSpPr>
+            <a:xfrm>
+              <a:off x="7270125" y="3655513"/>
+              <a:ext cx="4062642" cy="2873153"/>
+              <a:chOff x="2509837" y="3394941"/>
+              <a:chExt cx="4244109" cy="3028950"/>
+            </a:xfrm>
+          </p:grpSpPr>
+          <p:grpSp>
+            <p:nvGrpSpPr>
+              <p:cNvPr id="4" name="Group 3">
+                <a:extLst>
+                  <a:ext uri="{FF2B5EF4-FFF2-40B4-BE49-F238E27FC236}">
+                    <a16:creationId xmlns:a16="http://schemas.microsoft.com/office/drawing/2014/main" id="{4D2DB276-939F-4232-ACCF-53B41876E963}"/>
+                  </a:ext>
+                </a:extLst>
+              </p:cNvPr>
+              <p:cNvGrpSpPr/>
+              <p:nvPr/>
+            </p:nvGrpSpPr>
+            <p:grpSpPr>
+              <a:xfrm>
+                <a:off x="2509837" y="3394941"/>
+                <a:ext cx="4181475" cy="3028950"/>
+                <a:chOff x="457200" y="2409825"/>
+                <a:chExt cx="4181475" cy="3028950"/>
+              </a:xfrm>
+            </p:grpSpPr>
+            <p:sp>
+              <p:nvSpPr>
+                <p:cNvPr id="3" name="Rectangle 2">
+                  <a:extLst>
+                    <a:ext uri="{FF2B5EF4-FFF2-40B4-BE49-F238E27FC236}">
+                      <a16:creationId xmlns:a16="http://schemas.microsoft.com/office/drawing/2014/main" id="{6A6A6CA9-64F6-4C97-88E7-38AFEF213DBA}"/>
+                    </a:ext>
+                  </a:extLst>
+                </p:cNvPr>
+                <p:cNvSpPr/>
+                <p:nvPr/>
+              </p:nvSpPr>
+              <p:spPr>
+                <a:xfrm>
+                  <a:off x="457200" y="2409825"/>
+                  <a:ext cx="1190625" cy="3028950"/>
+                </a:xfrm>
+                <a:prstGeom prst="rect">
+                  <a:avLst/>
+                </a:prstGeom>
+                <a:solidFill>
+                  <a:schemeClr val="tx1">
+                    <a:lumMod val="65000"/>
+                    <a:lumOff val="35000"/>
+                  </a:schemeClr>
+                </a:solidFill>
+              </p:spPr>
+              <p:style>
+                <a:lnRef idx="2">
+                  <a:schemeClr val="accent1">
+                    <a:shade val="50000"/>
+                  </a:schemeClr>
+                </a:lnRef>
+                <a:fillRef idx="1">
+                  <a:schemeClr val="accent1"/>
+                </a:fillRef>
+                <a:effectRef idx="0">
+                  <a:schemeClr val="accent1"/>
+                </a:effectRef>
+                <a:fontRef idx="minor">
+                  <a:schemeClr val="lt1"/>
+                </a:fontRef>
+              </p:style>
+              <p:txBody>
+                <a:bodyPr rtlCol="0" anchor="ctr"/>
+                <a:lstStyle/>
+                <a:p>
+                  <a:pPr algn="ctr"/>
+                  <a:endParaRPr lang="en-US" dirty="0"/>
+                </a:p>
+              </p:txBody>
+            </p:sp>
+            <p:sp>
+              <p:nvSpPr>
+                <p:cNvPr id="7" name="Rectangle 6">
+                  <a:extLst>
+                    <a:ext uri="{FF2B5EF4-FFF2-40B4-BE49-F238E27FC236}">
+                      <a16:creationId xmlns:a16="http://schemas.microsoft.com/office/drawing/2014/main" id="{A5100784-5176-4C25-8FC4-44E95EF5E67E}"/>
+                    </a:ext>
+                  </a:extLst>
+                </p:cNvPr>
+                <p:cNvSpPr/>
+                <p:nvPr/>
+              </p:nvSpPr>
+              <p:spPr>
+                <a:xfrm>
+                  <a:off x="1952625" y="2409825"/>
+                  <a:ext cx="1190625" cy="3028950"/>
+                </a:xfrm>
+                <a:prstGeom prst="rect">
+                  <a:avLst/>
+                </a:prstGeom>
+                <a:solidFill>
+                  <a:schemeClr val="tx1">
+                    <a:lumMod val="65000"/>
+                    <a:lumOff val="35000"/>
+                  </a:schemeClr>
+                </a:solidFill>
+              </p:spPr>
+              <p:style>
+                <a:lnRef idx="2">
+                  <a:schemeClr val="accent1">
+                    <a:shade val="50000"/>
+                  </a:schemeClr>
+                </a:lnRef>
+                <a:fillRef idx="1">
+                  <a:schemeClr val="accent1"/>
+                </a:fillRef>
+                <a:effectRef idx="0">
+                  <a:schemeClr val="accent1"/>
+                </a:effectRef>
+                <a:fontRef idx="minor">
+                  <a:schemeClr val="lt1"/>
+                </a:fontRef>
+              </p:style>
+              <p:txBody>
+                <a:bodyPr rtlCol="0" anchor="ctr"/>
+                <a:lstStyle/>
+                <a:p>
+                  <a:pPr algn="ctr"/>
+                  <a:endParaRPr lang="en-US"/>
+                </a:p>
+              </p:txBody>
+            </p:sp>
+            <p:sp>
+              <p:nvSpPr>
+                <p:cNvPr id="8" name="Rectangle 7">
+                  <a:extLst>
+                    <a:ext uri="{FF2B5EF4-FFF2-40B4-BE49-F238E27FC236}">
+                      <a16:creationId xmlns:a16="http://schemas.microsoft.com/office/drawing/2014/main" id="{06C36441-9262-4EC2-928D-1A533FB9FBA7}"/>
+                    </a:ext>
+                  </a:extLst>
+                </p:cNvPr>
+                <p:cNvSpPr/>
+                <p:nvPr/>
+              </p:nvSpPr>
+              <p:spPr>
+                <a:xfrm>
+                  <a:off x="3448050" y="2409825"/>
+                  <a:ext cx="1190625" cy="3028950"/>
+                </a:xfrm>
+                <a:prstGeom prst="rect">
+                  <a:avLst/>
+                </a:prstGeom>
+                <a:solidFill>
+                  <a:schemeClr val="tx1">
+                    <a:lumMod val="65000"/>
+                    <a:lumOff val="35000"/>
+                  </a:schemeClr>
+                </a:solidFill>
+              </p:spPr>
+              <p:style>
+                <a:lnRef idx="2">
+                  <a:schemeClr val="accent1">
+                    <a:shade val="50000"/>
+                  </a:schemeClr>
+                </a:lnRef>
+                <a:fillRef idx="1">
+                  <a:schemeClr val="accent1"/>
+                </a:fillRef>
+                <a:effectRef idx="0">
+                  <a:schemeClr val="accent1"/>
+                </a:effectRef>
+                <a:fontRef idx="minor">
+                  <a:schemeClr val="lt1"/>
+                </a:fontRef>
+              </p:style>
+              <p:txBody>
+                <a:bodyPr rtlCol="0" anchor="ctr"/>
+                <a:lstStyle/>
+                <a:p>
+                  <a:pPr algn="ctr"/>
+                  <a:endParaRPr lang="en-US"/>
+                </a:p>
+              </p:txBody>
+            </p:sp>
+          </p:grpSp>
+          <p:cxnSp>
+            <p:nvCxnSpPr>
+              <p:cNvPr id="12" name="Straight Arrow Connector 11">
+                <a:extLst>
+                  <a:ext uri="{FF2B5EF4-FFF2-40B4-BE49-F238E27FC236}">
+                    <a16:creationId xmlns:a16="http://schemas.microsoft.com/office/drawing/2014/main" id="{CAD9DE17-5487-4F0A-9BB4-8A1E19D98980}"/>
+                  </a:ext>
+                </a:extLst>
+              </p:cNvPr>
+              <p:cNvCxnSpPr>
+                <a:cxnSpLocks/>
+              </p:cNvCxnSpPr>
+              <p:nvPr/>
+            </p:nvCxnSpPr>
+            <p:spPr>
+              <a:xfrm>
+                <a:off x="2509837" y="3657600"/>
+                <a:ext cx="4181475" cy="0"/>
+              </a:xfrm>
+              <a:prstGeom prst="straightConnector1">
+                <a:avLst/>
+              </a:prstGeom>
+              <a:ln w="76200">
+                <a:solidFill>
+                  <a:srgbClr val="00CCFF"/>
+                </a:solidFill>
+                <a:tailEnd type="triangle"/>
+              </a:ln>
+            </p:spPr>
+            <p:style>
+              <a:lnRef idx="1">
+                <a:schemeClr val="accent1"/>
+              </a:lnRef>
+              <a:fillRef idx="0">
+                <a:schemeClr val="accent1"/>
+              </a:fillRef>
+              <a:effectRef idx="0">
+                <a:schemeClr val="accent1"/>
+              </a:effectRef>
+              <a:fontRef idx="minor">
+                <a:schemeClr val="tx1"/>
+              </a:fontRef>
+            </p:style>
+          </p:cxnSp>
+          <p:cxnSp>
+            <p:nvCxnSpPr>
+              <p:cNvPr id="13" name="Straight Arrow Connector 12">
+                <a:extLst>
+                  <a:ext uri="{FF2B5EF4-FFF2-40B4-BE49-F238E27FC236}">
+                    <a16:creationId xmlns:a16="http://schemas.microsoft.com/office/drawing/2014/main" id="{43B6CDBB-724A-4A1C-8FAA-45630B0ADF9E}"/>
+                  </a:ext>
+                </a:extLst>
+              </p:cNvPr>
+              <p:cNvCxnSpPr>
+                <a:cxnSpLocks/>
+              </p:cNvCxnSpPr>
+              <p:nvPr/>
+            </p:nvCxnSpPr>
+            <p:spPr>
+              <a:xfrm flipH="1">
+                <a:off x="2509837" y="3957309"/>
+                <a:ext cx="4181476" cy="0"/>
+              </a:xfrm>
+              <a:prstGeom prst="straightConnector1">
+                <a:avLst/>
+              </a:prstGeom>
+              <a:ln w="76200">
+                <a:solidFill>
+                  <a:srgbClr val="FF6600"/>
+                </a:solidFill>
+                <a:tailEnd type="triangle"/>
+              </a:ln>
+            </p:spPr>
+            <p:style>
+              <a:lnRef idx="1">
+                <a:schemeClr val="accent1"/>
+              </a:lnRef>
+              <a:fillRef idx="0">
+                <a:schemeClr val="accent1"/>
+              </a:fillRef>
+              <a:effectRef idx="0">
+                <a:schemeClr val="accent1"/>
+              </a:effectRef>
+              <a:fontRef idx="minor">
+                <a:schemeClr val="tx1"/>
+              </a:fontRef>
+            </p:style>
+          </p:cxnSp>
+          <p:sp>
+            <p:nvSpPr>
+              <p:cNvPr id="18" name="TextBox 17">
+                <a:extLst>
+                  <a:ext uri="{FF2B5EF4-FFF2-40B4-BE49-F238E27FC236}">
+                    <a16:creationId xmlns:a16="http://schemas.microsoft.com/office/drawing/2014/main" id="{BA756738-D71C-4A67-B0DC-CE8A22B19417}"/>
+                  </a:ext>
+                </a:extLst>
+              </p:cNvPr>
+              <p:cNvSpPr txBox="1"/>
+              <p:nvPr/>
+            </p:nvSpPr>
+            <p:spPr>
+              <a:xfrm>
+                <a:off x="2586759" y="5410390"/>
+                <a:ext cx="1176338" cy="369332"/>
+              </a:xfrm>
+              <a:prstGeom prst="rect">
+                <a:avLst/>
+              </a:prstGeom>
+              <a:noFill/>
+            </p:spPr>
+            <p:txBody>
+              <a:bodyPr wrap="square" rtlCol="0">
+                <a:spAutoFit/>
+              </a:bodyPr>
+              <a:lstStyle/>
+              <a:p>
+                <a:r>
+                  <a:rPr lang="en-US" dirty="0">
+                    <a:solidFill>
+                      <a:schemeClr val="bg1"/>
+                    </a:solidFill>
+                  </a:rPr>
+                  <a:t>Ntdll.dll</a:t>
+                </a:r>
+              </a:p>
+            </p:txBody>
+          </p:sp>
+          <p:sp>
+            <p:nvSpPr>
+              <p:cNvPr id="19" name="TextBox 18">
+                <a:extLst>
+                  <a:ext uri="{FF2B5EF4-FFF2-40B4-BE49-F238E27FC236}">
+                    <a16:creationId xmlns:a16="http://schemas.microsoft.com/office/drawing/2014/main" id="{B72A7A05-4B53-4BAA-A779-D13B61C6E752}"/>
+                  </a:ext>
+                </a:extLst>
+              </p:cNvPr>
+              <p:cNvSpPr txBox="1"/>
+              <p:nvPr/>
+            </p:nvSpPr>
+            <p:spPr>
+              <a:xfrm>
+                <a:off x="3928340" y="5410390"/>
+                <a:ext cx="1707679" cy="369332"/>
+              </a:xfrm>
+              <a:prstGeom prst="rect">
+                <a:avLst/>
+              </a:prstGeom>
+              <a:noFill/>
+            </p:spPr>
+            <p:txBody>
+              <a:bodyPr wrap="square" rtlCol="0">
+                <a:spAutoFit/>
+              </a:bodyPr>
+              <a:lstStyle/>
+              <a:p>
+                <a:r>
+                  <a:rPr lang="en-US" dirty="0">
+                    <a:solidFill>
+                      <a:schemeClr val="bg1"/>
+                    </a:solidFill>
+                  </a:rPr>
+                  <a:t>Kernel32.dll</a:t>
+                </a:r>
+              </a:p>
+            </p:txBody>
+          </p:sp>
+          <p:sp>
+            <p:nvSpPr>
+              <p:cNvPr id="20" name="TextBox 19">
+                <a:extLst>
+                  <a:ext uri="{FF2B5EF4-FFF2-40B4-BE49-F238E27FC236}">
+                    <a16:creationId xmlns:a16="http://schemas.microsoft.com/office/drawing/2014/main" id="{E6D06736-B4C1-47E5-8AAC-2735C5677C04}"/>
+                  </a:ext>
+                </a:extLst>
+              </p:cNvPr>
+              <p:cNvSpPr txBox="1"/>
+              <p:nvPr/>
+            </p:nvSpPr>
+            <p:spPr>
+              <a:xfrm>
+                <a:off x="5438052" y="5410390"/>
+                <a:ext cx="1315894" cy="369332"/>
+              </a:xfrm>
+              <a:prstGeom prst="rect">
+                <a:avLst/>
+              </a:prstGeom>
+              <a:noFill/>
+            </p:spPr>
+            <p:txBody>
+              <a:bodyPr wrap="square" rtlCol="0">
+                <a:spAutoFit/>
+              </a:bodyPr>
+              <a:lstStyle/>
+              <a:p>
+                <a:r>
+                  <a:rPr lang="en-US" dirty="0">
+                    <a:solidFill>
+                      <a:schemeClr val="bg1"/>
+                    </a:solidFill>
+                  </a:rPr>
+                  <a:t>gdi32.dll</a:t>
+                </a:r>
+              </a:p>
+            </p:txBody>
+          </p:sp>
+        </p:grpSp>
+        <p:grpSp>
+          <p:nvGrpSpPr>
+            <p:cNvPr id="35" name="Group 34">
+              <a:extLst>
+                <a:ext uri="{FF2B5EF4-FFF2-40B4-BE49-F238E27FC236}">
+                  <a16:creationId xmlns:a16="http://schemas.microsoft.com/office/drawing/2014/main" id="{398F5057-333B-44F5-A050-A690EA7F201E}"/>
+                </a:ext>
+              </a:extLst>
+            </p:cNvPr>
+            <p:cNvGrpSpPr/>
+            <p:nvPr/>
+          </p:nvGrpSpPr>
+          <p:grpSpPr>
+            <a:xfrm>
+              <a:off x="4895975" y="1750576"/>
+              <a:ext cx="1602751" cy="623721"/>
+              <a:chOff x="856497" y="3167391"/>
+              <a:chExt cx="1674342" cy="657542"/>
+            </a:xfrm>
+          </p:grpSpPr>
+          <p:sp>
+            <p:nvSpPr>
+              <p:cNvPr id="31" name="Rectangle 30">
+                <a:extLst>
+                  <a:ext uri="{FF2B5EF4-FFF2-40B4-BE49-F238E27FC236}">
+                    <a16:creationId xmlns:a16="http://schemas.microsoft.com/office/drawing/2014/main" id="{3016125C-E016-4B30-A285-BC3AC43416DC}"/>
+                  </a:ext>
+                </a:extLst>
+              </p:cNvPr>
+              <p:cNvSpPr/>
+              <p:nvPr/>
+            </p:nvSpPr>
+            <p:spPr>
+              <a:xfrm>
+                <a:off x="856497" y="3167391"/>
+                <a:ext cx="1674342" cy="657542"/>
+              </a:xfrm>
+              <a:prstGeom prst="rect">
+                <a:avLst/>
+              </a:prstGeom>
+              <a:solidFill>
+                <a:schemeClr val="tx1">
+                  <a:lumMod val="50000"/>
+                  <a:lumOff val="50000"/>
+                </a:schemeClr>
+              </a:solidFill>
+            </p:spPr>
+            <p:style>
+              <a:lnRef idx="2">
+                <a:schemeClr val="accent1">
+                  <a:shade val="50000"/>
+                </a:schemeClr>
+              </a:lnRef>
+              <a:fillRef idx="1">
+                <a:schemeClr val="accent1"/>
+              </a:fillRef>
+              <a:effectRef idx="0">
+                <a:schemeClr val="accent1"/>
+              </a:effectRef>
+              <a:fontRef idx="minor">
+                <a:schemeClr val="lt1"/>
+              </a:fontRef>
+            </p:style>
+            <p:txBody>
+              <a:bodyPr rtlCol="0" anchor="ctr"/>
+              <a:lstStyle/>
+              <a:p>
+                <a:pPr algn="ctr"/>
+                <a:endParaRPr lang="en-US"/>
+              </a:p>
+            </p:txBody>
+          </p:sp>
+          <p:sp>
+            <p:nvSpPr>
+              <p:cNvPr id="10" name="TextBox 9"/>
+              <p:cNvSpPr txBox="1"/>
+              <p:nvPr/>
+            </p:nvSpPr>
+            <p:spPr>
+              <a:xfrm>
+                <a:off x="1255761" y="3234552"/>
+                <a:ext cx="836181" cy="523220"/>
+              </a:xfrm>
+              <a:prstGeom prst="rect">
+                <a:avLst/>
+              </a:prstGeom>
+              <a:solidFill>
+                <a:schemeClr val="bg2">
+                  <a:lumMod val="50000"/>
+                  <a:alpha val="0"/>
+                </a:schemeClr>
+              </a:solidFill>
+              <a:ln>
+                <a:solidFill>
+                  <a:schemeClr val="bg1">
+                    <a:lumMod val="85000"/>
+                    <a:alpha val="0"/>
+                  </a:schemeClr>
+                </a:solidFill>
+              </a:ln>
+            </p:spPr>
+            <p:txBody>
+              <a:bodyPr wrap="square" rtlCol="0">
+                <a:spAutoFit/>
+              </a:bodyPr>
+              <a:lstStyle/>
+              <a:p>
+                <a:r>
+                  <a:rPr lang="en-US" altLang="ko-KR" sz="2800" dirty="0">
+                    <a:solidFill>
+                      <a:schemeClr val="bg1"/>
+                    </a:solidFill>
+                  </a:rPr>
+                  <a:t>PEB</a:t>
+                </a:r>
+                <a:endParaRPr lang="ko-KR" altLang="en-US" sz="2800" dirty="0">
+                  <a:solidFill>
+                    <a:schemeClr val="bg1"/>
+                  </a:solidFill>
+                </a:endParaRPr>
+              </a:p>
+            </p:txBody>
+          </p:sp>
+        </p:grpSp>
+        <p:grpSp>
+          <p:nvGrpSpPr>
+            <p:cNvPr id="34" name="Group 33">
+              <a:extLst>
+                <a:ext uri="{FF2B5EF4-FFF2-40B4-BE49-F238E27FC236}">
+                  <a16:creationId xmlns:a16="http://schemas.microsoft.com/office/drawing/2014/main" id="{BAB3942D-90FB-4A2D-9FBC-C0C92E60C1B0}"/>
+                </a:ext>
+              </a:extLst>
+            </p:cNvPr>
+            <p:cNvGrpSpPr/>
+            <p:nvPr/>
+          </p:nvGrpSpPr>
+          <p:grpSpPr>
+            <a:xfrm>
+              <a:off x="4895681" y="3565231"/>
+              <a:ext cx="1648349" cy="623721"/>
+              <a:chOff x="3175533" y="3330981"/>
+              <a:chExt cx="1721977" cy="657543"/>
+            </a:xfrm>
+          </p:grpSpPr>
+          <p:sp>
+            <p:nvSpPr>
+              <p:cNvPr id="32" name="Rectangle 31">
+                <a:extLst>
+                  <a:ext uri="{FF2B5EF4-FFF2-40B4-BE49-F238E27FC236}">
+                    <a16:creationId xmlns:a16="http://schemas.microsoft.com/office/drawing/2014/main" id="{742AC7DC-1324-4989-89EF-D4E37E6C21AE}"/>
+                  </a:ext>
+                </a:extLst>
+              </p:cNvPr>
+              <p:cNvSpPr/>
+              <p:nvPr/>
+            </p:nvSpPr>
+            <p:spPr>
+              <a:xfrm>
+                <a:off x="3175533" y="3330981"/>
+                <a:ext cx="1721977" cy="657543"/>
+              </a:xfrm>
+              <a:prstGeom prst="rect">
+                <a:avLst/>
+              </a:prstGeom>
+              <a:solidFill>
+                <a:schemeClr val="tx1">
+                  <a:lumMod val="50000"/>
+                  <a:lumOff val="50000"/>
+                </a:schemeClr>
+              </a:solidFill>
+            </p:spPr>
+            <p:style>
+              <a:lnRef idx="2">
+                <a:schemeClr val="accent1">
+                  <a:shade val="50000"/>
+                </a:schemeClr>
+              </a:lnRef>
+              <a:fillRef idx="1">
+                <a:schemeClr val="accent1"/>
+              </a:fillRef>
+              <a:effectRef idx="0">
+                <a:schemeClr val="accent1"/>
+              </a:effectRef>
+              <a:fontRef idx="minor">
+                <a:schemeClr val="lt1"/>
+              </a:fontRef>
+            </p:style>
+            <p:txBody>
+              <a:bodyPr rtlCol="0" anchor="ctr"/>
+              <a:lstStyle/>
+              <a:p>
+                <a:pPr algn="ctr"/>
+                <a:endParaRPr lang="en-US"/>
+              </a:p>
+            </p:txBody>
+          </p:sp>
+          <p:sp>
+            <p:nvSpPr>
+              <p:cNvPr id="33" name="TextBox 32">
+                <a:extLst>
+                  <a:ext uri="{FF2B5EF4-FFF2-40B4-BE49-F238E27FC236}">
+                    <a16:creationId xmlns:a16="http://schemas.microsoft.com/office/drawing/2014/main" id="{1248094E-F2A9-4A8F-900D-D6F603923F79}"/>
+                  </a:ext>
+                </a:extLst>
+              </p:cNvPr>
+              <p:cNvSpPr txBox="1"/>
+              <p:nvPr/>
+            </p:nvSpPr>
+            <p:spPr>
+              <a:xfrm>
+                <a:off x="3674555" y="3398142"/>
+                <a:ext cx="836181" cy="523220"/>
+              </a:xfrm>
+              <a:prstGeom prst="rect">
+                <a:avLst/>
+              </a:prstGeom>
+              <a:solidFill>
+                <a:schemeClr val="bg2">
+                  <a:lumMod val="50000"/>
+                  <a:alpha val="0"/>
+                </a:schemeClr>
+              </a:solidFill>
+              <a:ln>
+                <a:solidFill>
+                  <a:schemeClr val="bg1">
+                    <a:lumMod val="85000"/>
+                    <a:alpha val="0"/>
+                  </a:schemeClr>
+                </a:solidFill>
+              </a:ln>
+            </p:spPr>
+            <p:txBody>
+              <a:bodyPr wrap="square" rtlCol="0">
+                <a:spAutoFit/>
+              </a:bodyPr>
+              <a:lstStyle/>
+              <a:p>
+                <a:r>
+                  <a:rPr lang="en-US" altLang="ko-KR" sz="2800" dirty="0" err="1">
+                    <a:solidFill>
+                      <a:schemeClr val="bg1"/>
+                    </a:solidFill>
+                  </a:rPr>
+                  <a:t>Ldr</a:t>
+                </a:r>
+                <a:endParaRPr lang="ko-KR" altLang="en-US" sz="2800" dirty="0">
+                  <a:solidFill>
+                    <a:schemeClr val="bg1"/>
+                  </a:solidFill>
+                </a:endParaRPr>
+              </a:p>
+            </p:txBody>
+          </p:sp>
+        </p:grpSp>
+      </p:grpSp>
+      <p:sp>
+        <p:nvSpPr>
+          <p:cNvPr id="51" name="Rectangle 50">
+            <a:extLst>
+              <a:ext uri="{FF2B5EF4-FFF2-40B4-BE49-F238E27FC236}">
+                <a16:creationId xmlns:a16="http://schemas.microsoft.com/office/drawing/2014/main" id="{326D0F5A-2B40-4D17-86D6-97B71A0D28EC}"/>
+              </a:ext>
+            </a:extLst>
+          </p:cNvPr>
+          <p:cNvSpPr/>
+          <p:nvPr/>
+        </p:nvSpPr>
+        <p:spPr>
+          <a:xfrm>
+            <a:off x="2677842" y="1713782"/>
+            <a:ext cx="1602751" cy="623721"/>
+          </a:xfrm>
+          <a:prstGeom prst="rect">
+            <a:avLst/>
+          </a:prstGeom>
+          <a:solidFill>
+            <a:schemeClr val="tx1">
+              <a:lumMod val="50000"/>
+              <a:lumOff val="50000"/>
+            </a:schemeClr>
+          </a:solidFill>
+        </p:spPr>
+        <p:style>
+          <a:lnRef idx="2">
+            <a:schemeClr val="accent1">
+              <a:shade val="50000"/>
+            </a:schemeClr>
+          </a:lnRef>
+          <a:fillRef idx="1">
+            <a:schemeClr val="accent1"/>
+          </a:fillRef>
+          <a:effectRef idx="0">
+            <a:schemeClr val="accent1"/>
+          </a:effectRef>
+          <a:fontRef idx="minor">
+            <a:schemeClr val="lt1"/>
+          </a:fontRef>
+        </p:style>
+        <p:txBody>
+          <a:bodyPr rtlCol="0" anchor="ctr"/>
+          <a:lstStyle/>
+          <a:p>
+            <a:pPr algn="ctr"/>
+            <a:endParaRPr lang="en-US"/>
+          </a:p>
+        </p:txBody>
+      </p:sp>
+      <p:sp>
+        <p:nvSpPr>
+          <p:cNvPr id="52" name="TextBox 51">
+            <a:extLst>
+              <a:ext uri="{FF2B5EF4-FFF2-40B4-BE49-F238E27FC236}">
+                <a16:creationId xmlns:a16="http://schemas.microsoft.com/office/drawing/2014/main" id="{D069C543-6FEA-4900-A293-E0DDFE9127E6}"/>
+              </a:ext>
+            </a:extLst>
+          </p:cNvPr>
+          <p:cNvSpPr txBox="1"/>
+          <p:nvPr/>
+        </p:nvSpPr>
+        <p:spPr>
+          <a:xfrm>
+            <a:off x="3097973" y="1800825"/>
+            <a:ext cx="800428" cy="523220"/>
+          </a:xfrm>
+          <a:prstGeom prst="rect">
+            <a:avLst/>
+          </a:prstGeom>
+          <a:solidFill>
+            <a:schemeClr val="bg2">
+              <a:lumMod val="50000"/>
+              <a:alpha val="0"/>
+            </a:schemeClr>
+          </a:solidFill>
+          <a:ln>
+            <a:solidFill>
+              <a:schemeClr val="bg1">
+                <a:lumMod val="85000"/>
+                <a:alpha val="0"/>
+              </a:schemeClr>
+            </a:solidFill>
+          </a:ln>
+        </p:spPr>
+        <p:txBody>
+          <a:bodyPr wrap="square" rtlCol="0">
+            <a:spAutoFit/>
+          </a:bodyPr>
+          <a:lstStyle/>
+          <a:p>
+            <a:r>
+              <a:rPr lang="en-US" altLang="ko-KR" sz="2800" dirty="0">
+                <a:solidFill>
+                  <a:schemeClr val="bg1"/>
+                </a:solidFill>
+              </a:rPr>
+              <a:t>TEB</a:t>
+            </a:r>
+            <a:endParaRPr lang="ko-KR" altLang="en-US" sz="2800" dirty="0">
+              <a:solidFill>
+                <a:schemeClr val="bg1"/>
+              </a:solidFill>
+            </a:endParaRPr>
+          </a:p>
+        </p:txBody>
+      </p:sp>
+      <p:cxnSp>
+        <p:nvCxnSpPr>
+          <p:cNvPr id="53" name="Straight Arrow Connector 52">
+            <a:extLst>
+              <a:ext uri="{FF2B5EF4-FFF2-40B4-BE49-F238E27FC236}">
+                <a16:creationId xmlns:a16="http://schemas.microsoft.com/office/drawing/2014/main" id="{93CFB057-580F-47C4-8306-251D2D7E99DE}"/>
+              </a:ext>
+            </a:extLst>
+          </p:cNvPr>
+          <p:cNvCxnSpPr>
+            <a:cxnSpLocks/>
+          </p:cNvCxnSpPr>
+          <p:nvPr/>
+        </p:nvCxnSpPr>
+        <p:spPr>
+          <a:xfrm>
+            <a:off x="4338673" y="2025641"/>
+            <a:ext cx="1310868" cy="0"/>
+          </a:xfrm>
+          <a:prstGeom prst="straightConnector1">
+            <a:avLst/>
+          </a:prstGeom>
+          <a:ln w="76200">
+            <a:solidFill>
+              <a:srgbClr val="00CCFF"/>
+            </a:solidFill>
+            <a:tailEnd type="triangle"/>
+          </a:ln>
+        </p:spPr>
+        <p:style>
+          <a:lnRef idx="1">
+            <a:schemeClr val="accent1"/>
+          </a:lnRef>
+          <a:fillRef idx="0">
+            <a:schemeClr val="accent1"/>
+          </a:fillRef>
+          <a:effectRef idx="0">
+            <a:schemeClr val="accent1"/>
+          </a:effectRef>
+          <a:fontRef idx="minor">
+            <a:schemeClr val="tx1"/>
+          </a:fontRef>
+        </p:style>
+      </p:cxnSp>
+      <p:cxnSp>
+        <p:nvCxnSpPr>
+          <p:cNvPr id="57" name="Straight Arrow Connector 56">
+            <a:extLst>
+              <a:ext uri="{FF2B5EF4-FFF2-40B4-BE49-F238E27FC236}">
+                <a16:creationId xmlns:a16="http://schemas.microsoft.com/office/drawing/2014/main" id="{50325977-B6AD-462C-A970-79AB62BB33BF}"/>
+              </a:ext>
+            </a:extLst>
+          </p:cNvPr>
+          <p:cNvCxnSpPr>
+            <a:cxnSpLocks/>
+            <a:endCxn id="52" idx="2"/>
+          </p:cNvCxnSpPr>
+          <p:nvPr/>
+        </p:nvCxnSpPr>
+        <p:spPr>
+          <a:xfrm flipV="1">
+            <a:off x="3498187" y="2324045"/>
+            <a:ext cx="0" cy="1104955"/>
+          </a:xfrm>
+          <a:prstGeom prst="straightConnector1">
+            <a:avLst/>
+          </a:prstGeom>
+          <a:ln w="76200">
+            <a:solidFill>
+              <a:srgbClr val="00CCFF"/>
+            </a:solidFill>
+            <a:tailEnd type="triangle"/>
+          </a:ln>
+        </p:spPr>
+        <p:style>
+          <a:lnRef idx="1">
+            <a:schemeClr val="accent1"/>
+          </a:lnRef>
+          <a:fillRef idx="0">
+            <a:schemeClr val="accent1"/>
+          </a:fillRef>
+          <a:effectRef idx="0">
+            <a:schemeClr val="accent1"/>
+          </a:effectRef>
+          <a:fontRef idx="minor">
+            <a:schemeClr val="tx1"/>
+          </a:fontRef>
+        </p:style>
+      </p:cxnSp>
+      <p:sp>
+        <p:nvSpPr>
+          <p:cNvPr id="60" name="Rectangle 59">
+            <a:extLst>
+              <a:ext uri="{FF2B5EF4-FFF2-40B4-BE49-F238E27FC236}">
+                <a16:creationId xmlns:a16="http://schemas.microsoft.com/office/drawing/2014/main" id="{AB2CBB77-B424-497A-9254-4258D3C74D13}"/>
+              </a:ext>
+            </a:extLst>
+          </p:cNvPr>
+          <p:cNvSpPr/>
+          <p:nvPr/>
+        </p:nvSpPr>
+        <p:spPr>
+          <a:xfrm>
+            <a:off x="2696811" y="3493210"/>
+            <a:ext cx="1602751" cy="623721"/>
+          </a:xfrm>
+          <a:prstGeom prst="rect">
+            <a:avLst/>
+          </a:prstGeom>
+          <a:solidFill>
+            <a:schemeClr val="tx1">
+              <a:lumMod val="50000"/>
+              <a:lumOff val="50000"/>
+            </a:schemeClr>
+          </a:solidFill>
+        </p:spPr>
+        <p:style>
+          <a:lnRef idx="2">
+            <a:schemeClr val="accent1">
+              <a:shade val="50000"/>
+            </a:schemeClr>
+          </a:lnRef>
+          <a:fillRef idx="1">
+            <a:schemeClr val="accent1"/>
+          </a:fillRef>
+          <a:effectRef idx="0">
+            <a:schemeClr val="accent1"/>
+          </a:effectRef>
+          <a:fontRef idx="minor">
+            <a:schemeClr val="lt1"/>
+          </a:fontRef>
+        </p:style>
+        <p:txBody>
+          <a:bodyPr rtlCol="0" anchor="ctr"/>
+          <a:lstStyle/>
+          <a:p>
+            <a:pPr algn="ctr"/>
+            <a:endParaRPr lang="en-US"/>
+          </a:p>
+        </p:txBody>
+      </p:sp>
+      <p:sp>
+        <p:nvSpPr>
+          <p:cNvPr id="61" name="TextBox 60">
+            <a:extLst>
+              <a:ext uri="{FF2B5EF4-FFF2-40B4-BE49-F238E27FC236}">
+                <a16:creationId xmlns:a16="http://schemas.microsoft.com/office/drawing/2014/main" id="{AE96BA4E-BBC6-4128-91E6-FE5AE7EBC01F}"/>
+              </a:ext>
+            </a:extLst>
+          </p:cNvPr>
+          <p:cNvSpPr txBox="1"/>
+          <p:nvPr/>
+        </p:nvSpPr>
+        <p:spPr>
+          <a:xfrm>
+            <a:off x="2812302" y="3529501"/>
+            <a:ext cx="1455729" cy="523220"/>
+          </a:xfrm>
+          <a:prstGeom prst="rect">
+            <a:avLst/>
+          </a:prstGeom>
+          <a:solidFill>
+            <a:schemeClr val="bg2">
+              <a:lumMod val="50000"/>
+              <a:alpha val="0"/>
+            </a:schemeClr>
+          </a:solidFill>
+          <a:ln>
+            <a:solidFill>
+              <a:schemeClr val="bg1">
+                <a:lumMod val="85000"/>
+                <a:alpha val="0"/>
+              </a:schemeClr>
+            </a:solidFill>
+          </a:ln>
+        </p:spPr>
+        <p:txBody>
+          <a:bodyPr wrap="square" rtlCol="0">
+            <a:spAutoFit/>
+          </a:bodyPr>
+          <a:lstStyle/>
+          <a:p>
+            <a:r>
+              <a:rPr lang="en-US" altLang="ko-KR" sz="2800" dirty="0">
+                <a:solidFill>
+                  <a:schemeClr val="bg1"/>
+                </a:solidFill>
+              </a:rPr>
+              <a:t>FS reg</a:t>
+            </a:r>
+            <a:endParaRPr lang="ko-KR" altLang="en-US" sz="2800" dirty="0">
+              <a:solidFill>
+                <a:schemeClr val="bg1"/>
+              </a:solidFill>
+            </a:endParaRPr>
+          </a:p>
+        </p:txBody>
+      </p:sp>
+      <p:sp>
+        <p:nvSpPr>
+          <p:cNvPr id="62" name="TextBox 61">
+            <a:extLst>
+              <a:ext uri="{FF2B5EF4-FFF2-40B4-BE49-F238E27FC236}">
+                <a16:creationId xmlns:a16="http://schemas.microsoft.com/office/drawing/2014/main" id="{F32DC15D-4C3E-422F-85C2-C56A837968F3}"/>
+              </a:ext>
+            </a:extLst>
+          </p:cNvPr>
+          <p:cNvSpPr txBox="1"/>
+          <p:nvPr/>
+        </p:nvSpPr>
+        <p:spPr>
+          <a:xfrm>
+            <a:off x="4523904" y="1620952"/>
+            <a:ext cx="914400" cy="369332"/>
+          </a:xfrm>
+          <a:prstGeom prst="rect">
+            <a:avLst/>
+          </a:prstGeom>
+          <a:noFill/>
+        </p:spPr>
+        <p:txBody>
+          <a:bodyPr wrap="square" rtlCol="0">
+            <a:spAutoFit/>
+          </a:bodyPr>
+          <a:lstStyle/>
+          <a:p>
+            <a:r>
+              <a:rPr lang="en-US" dirty="0"/>
+              <a:t>0x30</a:t>
+            </a:r>
+          </a:p>
+        </p:txBody>
+      </p:sp>
+      <p:sp>
+        <p:nvSpPr>
+          <p:cNvPr id="71" name="Rectangle 70">
+            <a:extLst>
+              <a:ext uri="{FF2B5EF4-FFF2-40B4-BE49-F238E27FC236}">
+                <a16:creationId xmlns:a16="http://schemas.microsoft.com/office/drawing/2014/main" id="{B7E9DD81-BCF6-4EF0-BB17-51F37F64D05B}"/>
+              </a:ext>
+            </a:extLst>
+          </p:cNvPr>
+          <p:cNvSpPr/>
+          <p:nvPr/>
+        </p:nvSpPr>
+        <p:spPr>
+          <a:xfrm>
+            <a:off x="2543175" y="5144218"/>
+            <a:ext cx="1904999" cy="1200817"/>
+          </a:xfrm>
+          <a:prstGeom prst="rect">
+            <a:avLst/>
+          </a:prstGeom>
+          <a:solidFill>
+            <a:schemeClr val="tx1">
+              <a:lumMod val="50000"/>
+              <a:lumOff val="50000"/>
+            </a:schemeClr>
+          </a:solidFill>
+        </p:spPr>
+        <p:style>
+          <a:lnRef idx="2">
+            <a:schemeClr val="accent1">
+              <a:shade val="50000"/>
+            </a:schemeClr>
+          </a:lnRef>
+          <a:fillRef idx="1">
+            <a:schemeClr val="accent1"/>
+          </a:fillRef>
+          <a:effectRef idx="0">
+            <a:schemeClr val="accent1"/>
+          </a:effectRef>
+          <a:fontRef idx="minor">
+            <a:schemeClr val="lt1"/>
+          </a:fontRef>
+        </p:style>
+        <p:txBody>
+          <a:bodyPr rtlCol="0" anchor="ctr"/>
+          <a:lstStyle/>
+          <a:p>
+            <a:pPr algn="ctr"/>
+            <a:endParaRPr lang="en-US"/>
+          </a:p>
+        </p:txBody>
+      </p:sp>
+      <p:sp>
+        <p:nvSpPr>
+          <p:cNvPr id="72" name="TextBox 71">
+            <a:extLst>
+              <a:ext uri="{FF2B5EF4-FFF2-40B4-BE49-F238E27FC236}">
+                <a16:creationId xmlns:a16="http://schemas.microsoft.com/office/drawing/2014/main" id="{1F42ADA4-4F55-4570-8035-A884A40E851F}"/>
+              </a:ext>
+            </a:extLst>
+          </p:cNvPr>
+          <p:cNvSpPr txBox="1"/>
+          <p:nvPr/>
+        </p:nvSpPr>
+        <p:spPr>
+          <a:xfrm>
+            <a:off x="2709373" y="5169269"/>
+            <a:ext cx="1571220" cy="954107"/>
+          </a:xfrm>
+          <a:prstGeom prst="rect">
+            <a:avLst/>
+          </a:prstGeom>
+          <a:solidFill>
+            <a:schemeClr val="bg2">
+              <a:lumMod val="50000"/>
+              <a:alpha val="0"/>
+            </a:schemeClr>
+          </a:solidFill>
+          <a:ln>
+            <a:solidFill>
+              <a:schemeClr val="bg1">
+                <a:lumMod val="85000"/>
+                <a:alpha val="0"/>
+              </a:schemeClr>
+            </a:solidFill>
+          </a:ln>
+        </p:spPr>
+        <p:txBody>
+          <a:bodyPr wrap="square" rtlCol="0">
+            <a:spAutoFit/>
+          </a:bodyPr>
+          <a:lstStyle/>
+          <a:p>
+            <a:r>
+              <a:rPr lang="en-US" altLang="ko-KR" sz="2800" dirty="0">
+                <a:solidFill>
+                  <a:schemeClr val="bg1"/>
+                </a:solidFill>
+              </a:rPr>
+              <a:t>Process</a:t>
+            </a:r>
+            <a:br>
+              <a:rPr lang="en-US" altLang="ko-KR" sz="2800" dirty="0">
+                <a:solidFill>
+                  <a:schemeClr val="bg1"/>
+                </a:solidFill>
+              </a:rPr>
+            </a:br>
+            <a:r>
+              <a:rPr lang="en-US" altLang="ko-KR" sz="2800" dirty="0">
+                <a:solidFill>
+                  <a:schemeClr val="bg1"/>
+                </a:solidFill>
+              </a:rPr>
+              <a:t>Context</a:t>
+            </a:r>
+            <a:endParaRPr lang="ko-KR" altLang="en-US" sz="2800" dirty="0">
+              <a:solidFill>
+                <a:schemeClr val="bg1"/>
+              </a:solidFill>
+            </a:endParaRPr>
+          </a:p>
+        </p:txBody>
+      </p:sp>
+      <p:cxnSp>
+        <p:nvCxnSpPr>
+          <p:cNvPr id="73" name="Straight Arrow Connector 72">
+            <a:extLst>
+              <a:ext uri="{FF2B5EF4-FFF2-40B4-BE49-F238E27FC236}">
+                <a16:creationId xmlns:a16="http://schemas.microsoft.com/office/drawing/2014/main" id="{01D48BE5-5F26-442A-817C-EFF4A3C7EEC1}"/>
+              </a:ext>
+            </a:extLst>
+          </p:cNvPr>
+          <p:cNvCxnSpPr>
+            <a:cxnSpLocks/>
+            <a:stCxn id="71" idx="0"/>
+            <a:endCxn id="60" idx="2"/>
+          </p:cNvCxnSpPr>
+          <p:nvPr/>
+        </p:nvCxnSpPr>
+        <p:spPr>
+          <a:xfrm flipV="1">
+            <a:off x="3495675" y="4116931"/>
+            <a:ext cx="2512" cy="1027287"/>
+          </a:xfrm>
+          <a:prstGeom prst="straightConnector1">
+            <a:avLst/>
+          </a:prstGeom>
+          <a:ln w="76200">
+            <a:solidFill>
+              <a:srgbClr val="00CCFF"/>
+            </a:solidFill>
+            <a:tailEnd type="triangle"/>
+          </a:ln>
+        </p:spPr>
+        <p:style>
+          <a:lnRef idx="1">
+            <a:schemeClr val="accent1"/>
+          </a:lnRef>
+          <a:fillRef idx="0">
+            <a:schemeClr val="accent1"/>
+          </a:fillRef>
+          <a:effectRef idx="0">
+            <a:schemeClr val="accent1"/>
+          </a:effectRef>
+          <a:fontRef idx="minor">
+            <a:schemeClr val="tx1"/>
+          </a:fontRef>
+        </p:style>
+      </p:cxnSp>
+      <p:sp>
+        <p:nvSpPr>
+          <p:cNvPr id="80" name="Rectangle 79">
+            <a:extLst>
+              <a:ext uri="{FF2B5EF4-FFF2-40B4-BE49-F238E27FC236}">
+                <a16:creationId xmlns:a16="http://schemas.microsoft.com/office/drawing/2014/main" id="{50AB5A96-7A6B-4649-8EC0-D0290114DD85}"/>
+              </a:ext>
+            </a:extLst>
+          </p:cNvPr>
+          <p:cNvSpPr/>
+          <p:nvPr/>
+        </p:nvSpPr>
+        <p:spPr>
+          <a:xfrm>
+            <a:off x="5700340" y="5059235"/>
+            <a:ext cx="1648349" cy="623721"/>
+          </a:xfrm>
+          <a:prstGeom prst="rect">
+            <a:avLst/>
+          </a:prstGeom>
+          <a:solidFill>
+            <a:schemeClr val="tx1">
+              <a:lumMod val="50000"/>
+              <a:lumOff val="50000"/>
+            </a:schemeClr>
+          </a:solidFill>
+        </p:spPr>
+        <p:style>
+          <a:lnRef idx="2">
+            <a:schemeClr val="accent1">
+              <a:shade val="50000"/>
+            </a:schemeClr>
+          </a:lnRef>
+          <a:fillRef idx="1">
+            <a:schemeClr val="accent1"/>
+          </a:fillRef>
+          <a:effectRef idx="0">
+            <a:schemeClr val="accent1"/>
+          </a:effectRef>
+          <a:fontRef idx="minor">
+            <a:schemeClr val="lt1"/>
+          </a:fontRef>
+        </p:style>
+        <p:txBody>
+          <a:bodyPr rtlCol="0" anchor="ctr"/>
+          <a:lstStyle/>
+          <a:p>
+            <a:pPr algn="ctr"/>
+            <a:endParaRPr lang="en-US" dirty="0"/>
+          </a:p>
+        </p:txBody>
+      </p:sp>
+      <p:sp>
+        <p:nvSpPr>
+          <p:cNvPr id="81" name="TextBox 80">
+            <a:extLst>
+              <a:ext uri="{FF2B5EF4-FFF2-40B4-BE49-F238E27FC236}">
+                <a16:creationId xmlns:a16="http://schemas.microsoft.com/office/drawing/2014/main" id="{C5D28FE7-F5B9-434D-9C44-1D95443C75C2}"/>
+              </a:ext>
+            </a:extLst>
+          </p:cNvPr>
+          <p:cNvSpPr txBox="1"/>
+          <p:nvPr/>
+        </p:nvSpPr>
+        <p:spPr>
+          <a:xfrm>
+            <a:off x="5972672" y="5123102"/>
+            <a:ext cx="1508875" cy="523220"/>
+          </a:xfrm>
+          <a:prstGeom prst="rect">
+            <a:avLst/>
+          </a:prstGeom>
+          <a:solidFill>
+            <a:schemeClr val="bg2">
+              <a:lumMod val="50000"/>
+              <a:alpha val="0"/>
+            </a:schemeClr>
+          </a:solidFill>
+          <a:ln>
+            <a:solidFill>
+              <a:schemeClr val="bg1">
+                <a:lumMod val="85000"/>
+                <a:alpha val="0"/>
+              </a:schemeClr>
+            </a:solidFill>
+          </a:ln>
+        </p:spPr>
+        <p:txBody>
+          <a:bodyPr wrap="square" rtlCol="0">
+            <a:spAutoFit/>
+          </a:bodyPr>
+          <a:lstStyle/>
+          <a:p>
+            <a:r>
+              <a:rPr lang="en-US" altLang="ko-KR" sz="2800" dirty="0" err="1">
+                <a:solidFill>
+                  <a:schemeClr val="bg1"/>
+                </a:solidFill>
+              </a:rPr>
+              <a:t>FLink</a:t>
+            </a:r>
+            <a:endParaRPr lang="ko-KR" altLang="en-US" sz="2800" dirty="0">
+              <a:solidFill>
+                <a:schemeClr val="bg1"/>
+              </a:solidFill>
+            </a:endParaRPr>
+          </a:p>
+        </p:txBody>
+      </p:sp>
+    </p:spTree>
+    <p:extLst>
+      <p:ext uri="{BB962C8B-B14F-4D97-AF65-F5344CB8AC3E}">
+        <p14:creationId xmlns:p14="http://schemas.microsoft.com/office/powerpoint/2010/main" val="4258200845"/>
+      </p:ext>
+    </p:extLst>
+  </p:cSld>
+  <p:clrMapOvr>
+    <a:masterClrMapping/>
+  </p:clrMapOvr>
+</p:sld>
+</file>
+
+<file path=ppt/slides/slide9.xml><?xml version="1.0" encoding="utf-8"?>
+<p:sld xmlns:a="http://schemas.openxmlformats.org/drawingml/2006/main" xmlns:r="http://schemas.openxmlformats.org/officeDocument/2006/relationships" xmlns:p="http://schemas.openxmlformats.org/presentationml/2006/main">
+  <p:cSld>
+    <p:bg>
+      <p:bgPr>
+        <a:solidFill>
+          <a:schemeClr val="bg1">
+            <a:lumMod val="85000"/>
           </a:schemeClr>
         </a:solidFill>
         <a:effectLst/>
@@ -11230,95 +13773,51 @@
             <a:lstStyle/>
             <a:p>
               <a:r>
-                <a:rPr lang="en-US" altLang="ko-KR" sz="2800" dirty="0" err="1">
-                  <a:solidFill>
-                    <a:schemeClr val="bg1"/>
-                  </a:solidFill>
-                </a:rPr>
+                <a:rPr lang="en-US" altLang="ko-KR" sz="2800" dirty="0" err="1"/>
                 <a:t>GetModuleHandleA</a:t>
               </a:r>
               <a:r>
-                <a:rPr lang="en-US" altLang="ko-KR" sz="2800" dirty="0">
-                  <a:solidFill>
-                    <a:schemeClr val="bg1"/>
-                  </a:solidFill>
-                </a:rPr>
+                <a:rPr lang="en-US" altLang="ko-KR" sz="2800" dirty="0"/>
                 <a:t>()</a:t>
               </a:r>
               <a:br>
-                <a:rPr lang="en-US" altLang="ko-KR" sz="2800" dirty="0">
-                  <a:solidFill>
-                    <a:schemeClr val="bg1"/>
-                  </a:solidFill>
-                </a:rPr>
+                <a:rPr lang="en-US" altLang="ko-KR" sz="2800" dirty="0"/>
               </a:br>
               <a:br>
-                <a:rPr lang="en-US" altLang="ko-KR" sz="2800" dirty="0">
-                  <a:solidFill>
-                    <a:schemeClr val="bg1"/>
-                  </a:solidFill>
-                </a:rPr>
+                <a:rPr lang="en-US" altLang="ko-KR" sz="2800" dirty="0"/>
               </a:br>
               <a:r>
-                <a:rPr lang="ko-KR" altLang="en-US" sz="2800" dirty="0">
-                  <a:solidFill>
-                    <a:schemeClr val="bg1"/>
-                  </a:solidFill>
-                </a:rPr>
-                <a:t>맵핑되어있는 모듈</a:t>
+                <a:rPr lang="en-US" altLang="ko-KR" sz="2800" dirty="0"/>
+                <a:t>PEB</a:t>
               </a:r>
               <a:r>
-                <a:rPr lang="en-US" altLang="ko-KR" sz="2800" dirty="0">
-                  <a:solidFill>
-                    <a:schemeClr val="bg1"/>
-                  </a:solidFill>
-                </a:rPr>
+                <a:rPr lang="ko-KR" altLang="en-US" sz="2800" dirty="0"/>
+                <a:t>에서 맵핑되어있는 모듈</a:t>
+              </a:r>
+              <a:r>
+                <a:rPr lang="en-US" altLang="ko-KR" sz="2800" dirty="0"/>
                 <a:t>(</a:t>
               </a:r>
               <a:r>
-                <a:rPr lang="en-US" altLang="ko-KR" sz="2800" dirty="0" err="1">
-                  <a:solidFill>
-                    <a:schemeClr val="bg1"/>
-                  </a:solidFill>
-                </a:rPr>
+                <a:rPr lang="en-US" altLang="ko-KR" sz="2800" dirty="0" err="1"/>
                 <a:t>dll</a:t>
               </a:r>
               <a:r>
-                <a:rPr lang="en-US" altLang="ko-KR" sz="2800" dirty="0">
-                  <a:solidFill>
-                    <a:schemeClr val="bg1"/>
-                  </a:solidFill>
-                </a:rPr>
+                <a:rPr lang="en-US" altLang="ko-KR" sz="2800" dirty="0"/>
                 <a:t>)</a:t>
               </a:r>
               <a:br>
-                <a:rPr lang="en-US" altLang="ko-KR" sz="2800" dirty="0">
-                  <a:solidFill>
-                    <a:schemeClr val="bg1"/>
-                  </a:solidFill>
-                </a:rPr>
+                <a:rPr lang="en-US" altLang="ko-KR" sz="2800" dirty="0"/>
               </a:br>
               <a:r>
-                <a:rPr lang="ko-KR" altLang="en-US" sz="2800" dirty="0">
-                  <a:solidFill>
-                    <a:schemeClr val="bg1"/>
-                  </a:solidFill>
-                </a:rPr>
+                <a:rPr lang="ko-KR" altLang="en-US" sz="2800" dirty="0"/>
                 <a:t>주소를 얻는 </a:t>
               </a:r>
               <a:r>
-                <a:rPr lang="en-US" altLang="ko-KR" sz="2800" dirty="0">
-                  <a:solidFill>
-                    <a:schemeClr val="bg1"/>
-                  </a:solidFill>
-                </a:rPr>
+                <a:rPr lang="en-US" altLang="ko-KR" sz="2800" dirty="0"/>
                 <a:t>WINAPI</a:t>
               </a:r>
-              <a:endParaRPr lang="ko-KR" altLang="en-US" sz="2800" dirty="0">
-                <a:solidFill>
-                  <a:schemeClr val="bg1"/>
-                </a:solidFill>
-              </a:endParaRPr>
+              <a:endParaRPr lang="ko-KR" altLang="en-US" sz="2800" dirty="0"/>
             </a:p>
           </p:txBody>
         </p:sp>
@@ -11366,117 +13865,56 @@
           </a:p>
         </p:txBody>
       </p:sp>
+      <p:sp>
+        <p:nvSpPr>
+          <p:cNvPr id="8" name="TextBox 7">
+            <a:extLst>
+              <a:ext uri="{FF2B5EF4-FFF2-40B4-BE49-F238E27FC236}">
+                <a16:creationId xmlns:a16="http://schemas.microsoft.com/office/drawing/2014/main" id="{4BD1A608-E417-43E8-813E-96364C4E8CFE}"/>
+              </a:ext>
+            </a:extLst>
+          </p:cNvPr>
+          <p:cNvSpPr txBox="1"/>
+          <p:nvPr/>
+        </p:nvSpPr>
+        <p:spPr>
+          <a:xfrm>
+            <a:off x="240144" y="434109"/>
+            <a:ext cx="11549823" cy="830997"/>
+          </a:xfrm>
+          <a:prstGeom prst="rect">
+            <a:avLst/>
+          </a:prstGeom>
+          <a:solidFill>
+            <a:srgbClr val="00B0F0"/>
+          </a:solidFill>
+        </p:spPr>
+        <p:txBody>
+          <a:bodyPr wrap="square" rtlCol="0">
+            <a:spAutoFit/>
+          </a:bodyPr>
+          <a:lstStyle/>
+          <a:p>
+            <a:r>
+              <a:rPr lang="en-US" altLang="ko-KR" sz="4800" b="1" dirty="0">
+                <a:solidFill>
+                  <a:schemeClr val="bg1"/>
+                </a:solidFill>
+              </a:rPr>
+              <a:t>3. PEB</a:t>
+            </a:r>
+            <a:endParaRPr lang="ko-KR" altLang="en-US" sz="4800" b="1" dirty="0">
+              <a:solidFill>
+                <a:schemeClr val="bg1"/>
+              </a:solidFill>
+            </a:endParaRPr>
+          </a:p>
+        </p:txBody>
+      </p:sp>
     </p:spTree>
     <p:extLst>
       <p:ext uri="{BB962C8B-B14F-4D97-AF65-F5344CB8AC3E}">
         <p14:creationId xmlns:p14="http://schemas.microsoft.com/office/powerpoint/2010/main" val="2181124249"/>
-      </p:ext>
-    </p:extLst>
-  </p:cSld>
-  <p:clrMapOvr>
-    <a:masterClrMapping/>
-  </p:clrMapOvr>
-</p:sld>
-</file>
-
-<file path=ppt/slides/slide9.xml><?xml version="1.0" encoding="utf-8"?>
-<p:sld xmlns:a="http://schemas.openxmlformats.org/drawingml/2006/main" xmlns:r="http://schemas.openxmlformats.org/officeDocument/2006/relationships" xmlns:p="http://schemas.openxmlformats.org/presentationml/2006/main">
-  <p:cSld>
-    <p:bg>
-      <p:bgPr>
-        <a:solidFill>
-          <a:schemeClr val="tx2">
-            <a:lumMod val="75000"/>
-          </a:schemeClr>
-        </a:solidFill>
-        <a:effectLst/>
-      </p:bgPr>
-    </p:bg>
-    <p:spTree>
-      <p:nvGrpSpPr>
-        <p:cNvPr id="1" name=""/>
-        <p:cNvGrpSpPr/>
-        <p:nvPr/>
-      </p:nvGrpSpPr>
-      <p:grpSpPr>
-        <a:xfrm>
-          <a:off x="0" y="0"/>
-          <a:ext cx="0" cy="0"/>
-          <a:chOff x="0" y="0"/>
-          <a:chExt cx="0" cy="0"/>
-        </a:xfrm>
-      </p:grpSpPr>
-      <p:pic>
-        <p:nvPicPr>
-          <p:cNvPr id="2" name="그림 1"/>
-          <p:cNvPicPr>
-            <a:picLocks noChangeAspect="1"/>
-          </p:cNvPicPr>
-          <p:nvPr/>
-        </p:nvPicPr>
-        <p:blipFill>
-          <a:blip r:embed="rId2"/>
-          <a:stretch>
-            <a:fillRect/>
-          </a:stretch>
-        </p:blipFill>
-        <p:spPr>
-          <a:xfrm>
-            <a:off x="240144" y="1333500"/>
-            <a:ext cx="5936638" cy="3497117"/>
-          </a:xfrm>
-          <a:prstGeom prst="rect">
-            <a:avLst/>
-          </a:prstGeom>
-        </p:spPr>
-      </p:pic>
-      <p:sp>
-        <p:nvSpPr>
-          <p:cNvPr id="4" name="TextBox 3"/>
-          <p:cNvSpPr txBox="1"/>
-          <p:nvPr/>
-        </p:nvSpPr>
-        <p:spPr>
-          <a:xfrm>
-            <a:off x="240144" y="434109"/>
-            <a:ext cx="11549826" cy="830997"/>
-          </a:xfrm>
-          <a:prstGeom prst="rect">
-            <a:avLst/>
-          </a:prstGeom>
-          <a:solidFill>
-            <a:srgbClr val="66FFCC"/>
-          </a:solidFill>
-        </p:spPr>
-        <p:txBody>
-          <a:bodyPr wrap="square" rtlCol="0">
-            <a:spAutoFit/>
-          </a:bodyPr>
-          <a:lstStyle/>
-          <a:p>
-            <a:r>
-              <a:rPr lang="en-US" altLang="ko-KR" sz="4800" b="1" dirty="0"/>
-              <a:t>3.PEB – </a:t>
-            </a:r>
-            <a:r>
-              <a:rPr lang="ko-KR" altLang="en-US" sz="4800" b="1" dirty="0"/>
-              <a:t>함수 구현 목표</a:t>
-            </a:r>
-            <a:r>
-              <a:rPr lang="en-US" altLang="ko-KR" sz="4800" b="1" dirty="0"/>
-              <a:t>(1)!</a:t>
-            </a:r>
-            <a:r>
-              <a:rPr lang="ko-KR" altLang="en-US" sz="4800" b="1" dirty="0"/>
-              <a:t> </a:t>
-            </a:r>
-          </a:p>
-        </p:txBody>
-      </p:sp>
-    </p:spTree>
-    <p:extLst>
-      <p:ext uri="{BB962C8B-B14F-4D97-AF65-F5344CB8AC3E}">
-        <p14:creationId xmlns:p14="http://schemas.microsoft.com/office/powerpoint/2010/main" val="2615587175"/>
       </p:ext>
     </p:extLst>
   </p:cSld>
